--- a/Descriptions/ApplicationVersionXml.pptx
+++ b/Descriptions/ApplicationVersionXml.pptx
@@ -7,15 +7,16 @@
   <p:sldIdLst>
     <p:sldId id="279" r:id="rId2"/>
     <p:sldId id="280" r:id="rId3"/>
-    <p:sldId id="281" r:id="rId4"/>
-    <p:sldId id="282" r:id="rId5"/>
-    <p:sldId id="277" r:id="rId6"/>
-    <p:sldId id="275" r:id="rId7"/>
-    <p:sldId id="278" r:id="rId8"/>
-    <p:sldId id="276" r:id="rId9"/>
+    <p:sldId id="283" r:id="rId4"/>
+    <p:sldId id="281" r:id="rId5"/>
+    <p:sldId id="282" r:id="rId6"/>
+    <p:sldId id="277" r:id="rId7"/>
+    <p:sldId id="275" r:id="rId8"/>
+    <p:sldId id="278" r:id="rId9"/>
+    <p:sldId id="276" r:id="rId10"/>
   </p:sldIdLst>
   <p:sldSz cx="12192000" cy="6858000"/>
-  <p:notesSz cx="6858000" cy="9144000"/>
+  <p:notesSz cx="6721475" cy="9866313"/>
   <p:defaultTextStyle>
     <a:defPPr>
       <a:defRPr lang="de-DE"/>
@@ -250,7 +251,7 @@
           <a:p>
             <a:fld id="{9A42C61D-D669-4B9E-81E6-AA43D08BFCD1}" type="datetimeFigureOut">
               <a:rPr lang="de-CH" smtClean="0"/>
-              <a:t>30.10.2024</a:t>
+              <a:t>31.10.2024</a:t>
             </a:fld>
             <a:endParaRPr lang="de-CH"/>
           </a:p>
@@ -420,7 +421,7 @@
           <a:p>
             <a:fld id="{9A42C61D-D669-4B9E-81E6-AA43D08BFCD1}" type="datetimeFigureOut">
               <a:rPr lang="de-CH" smtClean="0"/>
-              <a:t>30.10.2024</a:t>
+              <a:t>31.10.2024</a:t>
             </a:fld>
             <a:endParaRPr lang="de-CH"/>
           </a:p>
@@ -600,7 +601,7 @@
           <a:p>
             <a:fld id="{9A42C61D-D669-4B9E-81E6-AA43D08BFCD1}" type="datetimeFigureOut">
               <a:rPr lang="de-CH" smtClean="0"/>
-              <a:t>30.10.2024</a:t>
+              <a:t>31.10.2024</a:t>
             </a:fld>
             <a:endParaRPr lang="de-CH"/>
           </a:p>
@@ -770,7 +771,7 @@
           <a:p>
             <a:fld id="{9A42C61D-D669-4B9E-81E6-AA43D08BFCD1}" type="datetimeFigureOut">
               <a:rPr lang="de-CH" smtClean="0"/>
-              <a:t>30.10.2024</a:t>
+              <a:t>31.10.2024</a:t>
             </a:fld>
             <a:endParaRPr lang="de-CH"/>
           </a:p>
@@ -1016,7 +1017,7 @@
           <a:p>
             <a:fld id="{9A42C61D-D669-4B9E-81E6-AA43D08BFCD1}" type="datetimeFigureOut">
               <a:rPr lang="de-CH" smtClean="0"/>
-              <a:t>30.10.2024</a:t>
+              <a:t>31.10.2024</a:t>
             </a:fld>
             <a:endParaRPr lang="de-CH"/>
           </a:p>
@@ -1248,7 +1249,7 @@
           <a:p>
             <a:fld id="{9A42C61D-D669-4B9E-81E6-AA43D08BFCD1}" type="datetimeFigureOut">
               <a:rPr lang="de-CH" smtClean="0"/>
-              <a:t>30.10.2024</a:t>
+              <a:t>31.10.2024</a:t>
             </a:fld>
             <a:endParaRPr lang="de-CH"/>
           </a:p>
@@ -1615,7 +1616,7 @@
           <a:p>
             <a:fld id="{9A42C61D-D669-4B9E-81E6-AA43D08BFCD1}" type="datetimeFigureOut">
               <a:rPr lang="de-CH" smtClean="0"/>
-              <a:t>30.10.2024</a:t>
+              <a:t>31.10.2024</a:t>
             </a:fld>
             <a:endParaRPr lang="de-CH"/>
           </a:p>
@@ -1733,7 +1734,7 @@
           <a:p>
             <a:fld id="{9A42C61D-D669-4B9E-81E6-AA43D08BFCD1}" type="datetimeFigureOut">
               <a:rPr lang="de-CH" smtClean="0"/>
-              <a:t>30.10.2024</a:t>
+              <a:t>31.10.2024</a:t>
             </a:fld>
             <a:endParaRPr lang="de-CH"/>
           </a:p>
@@ -1828,7 +1829,7 @@
           <a:p>
             <a:fld id="{9A42C61D-D669-4B9E-81E6-AA43D08BFCD1}" type="datetimeFigureOut">
               <a:rPr lang="de-CH" smtClean="0"/>
-              <a:t>30.10.2024</a:t>
+              <a:t>31.10.2024</a:t>
             </a:fld>
             <a:endParaRPr lang="de-CH"/>
           </a:p>
@@ -2105,7 +2106,7 @@
           <a:p>
             <a:fld id="{9A42C61D-D669-4B9E-81E6-AA43D08BFCD1}" type="datetimeFigureOut">
               <a:rPr lang="de-CH" smtClean="0"/>
-              <a:t>30.10.2024</a:t>
+              <a:t>31.10.2024</a:t>
             </a:fld>
             <a:endParaRPr lang="de-CH"/>
           </a:p>
@@ -2358,7 +2359,7 @@
           <a:p>
             <a:fld id="{9A42C61D-D669-4B9E-81E6-AA43D08BFCD1}" type="datetimeFigureOut">
               <a:rPr lang="de-CH" smtClean="0"/>
-              <a:t>30.10.2024</a:t>
+              <a:t>31.10.2024</a:t>
             </a:fld>
             <a:endParaRPr lang="de-CH"/>
           </a:p>
@@ -2571,7 +2572,7 @@
           <a:p>
             <a:fld id="{9A42C61D-D669-4B9E-81E6-AA43D08BFCD1}" type="datetimeFigureOut">
               <a:rPr lang="de-CH" smtClean="0"/>
-              <a:t>30.10.2024</a:t>
+              <a:t>31.10.2024</a:t>
             </a:fld>
             <a:endParaRPr lang="de-CH"/>
           </a:p>
@@ -3205,6 +3206,44 @@
           <a:chExt cx="0" cy="0"/>
         </a:xfrm>
       </p:grpSpPr>
+      <p:cxnSp>
+        <p:nvCxnSpPr>
+          <p:cNvPr id="11" name="Gerader Verbinder 10">
+            <a:extLst>
+              <a:ext uri="{FF2B5EF4-FFF2-40B4-BE49-F238E27FC236}">
+                <a16:creationId xmlns:a16="http://schemas.microsoft.com/office/drawing/2014/main" id="{8A40792F-2A5F-98C2-5D45-34FFE06484A7}"/>
+              </a:ext>
+            </a:extLst>
+          </p:cNvPr>
+          <p:cNvCxnSpPr>
+            <a:cxnSpLocks/>
+          </p:cNvCxnSpPr>
+          <p:nvPr/>
+        </p:nvCxnSpPr>
+        <p:spPr>
+          <a:xfrm flipV="1">
+            <a:off x="2088435" y="2529134"/>
+            <a:ext cx="0" cy="593217"/>
+          </a:xfrm>
+          <a:prstGeom prst="line">
+            <a:avLst/>
+          </a:prstGeom>
+        </p:spPr>
+        <p:style>
+          <a:lnRef idx="1">
+            <a:schemeClr val="accent1"/>
+          </a:lnRef>
+          <a:fillRef idx="0">
+            <a:schemeClr val="accent1"/>
+          </a:fillRef>
+          <a:effectRef idx="0">
+            <a:schemeClr val="accent1"/>
+          </a:effectRef>
+          <a:fontRef idx="minor">
+            <a:schemeClr val="tx1"/>
+          </a:fontRef>
+        </p:style>
+      </p:cxnSp>
       <p:sp>
         <p:nvSpPr>
           <p:cNvPr id="3" name="Textfeld 2">
@@ -3356,8 +3395,8 @@
         </p:nvCxnSpPr>
         <p:spPr>
           <a:xfrm flipV="1">
-            <a:off x="1638160" y="2523075"/>
-            <a:ext cx="8940502" cy="6817"/>
+            <a:off x="1638160" y="2520184"/>
+            <a:ext cx="5324970" cy="9708"/>
           </a:xfrm>
           <a:prstGeom prst="line">
             <a:avLst/>
@@ -3392,8 +3431,8 @@
         </p:nvSpPr>
         <p:spPr>
           <a:xfrm>
-            <a:off x="7280531" y="2707334"/>
-            <a:ext cx="798492" cy="273141"/>
+            <a:off x="4175504" y="2707334"/>
+            <a:ext cx="693193" cy="273141"/>
           </a:xfrm>
           <a:prstGeom prst="rect">
             <a:avLst/>
@@ -3581,7 +3620,7 @@
         </p:nvSpPr>
         <p:spPr>
           <a:xfrm>
-            <a:off x="8165425" y="2713473"/>
+            <a:off x="5024673" y="2713473"/>
             <a:ext cx="639615" cy="273141"/>
           </a:xfrm>
           <a:prstGeom prst="rect">
@@ -3632,10 +3671,10 @@
       </p:sp>
       <p:cxnSp>
         <p:nvCxnSpPr>
-          <p:cNvPr id="11" name="Gerader Verbinder 10">
-            <a:extLst>
-              <a:ext uri="{FF2B5EF4-FFF2-40B4-BE49-F238E27FC236}">
-                <a16:creationId xmlns:a16="http://schemas.microsoft.com/office/drawing/2014/main" id="{8A40792F-2A5F-98C2-5D45-34FFE06484A7}"/>
+          <p:cNvPr id="12" name="Gerader Verbinder 11">
+            <a:extLst>
+              <a:ext uri="{FF2B5EF4-FFF2-40B4-BE49-F238E27FC236}">
+                <a16:creationId xmlns:a16="http://schemas.microsoft.com/office/drawing/2014/main" id="{4567EABF-047D-A6C1-F28C-3D8542EDB2EC}"/>
               </a:ext>
             </a:extLst>
           </p:cNvPr>
@@ -3646,45 +3685,7 @@
         </p:nvCxnSpPr>
         <p:spPr>
           <a:xfrm flipV="1">
-            <a:off x="3271192" y="2529134"/>
-            <a:ext cx="0" cy="166815"/>
-          </a:xfrm>
-          <a:prstGeom prst="line">
-            <a:avLst/>
-          </a:prstGeom>
-        </p:spPr>
-        <p:style>
-          <a:lnRef idx="1">
-            <a:schemeClr val="accent1"/>
-          </a:lnRef>
-          <a:fillRef idx="0">
-            <a:schemeClr val="accent1"/>
-          </a:fillRef>
-          <a:effectRef idx="0">
-            <a:schemeClr val="accent1"/>
-          </a:effectRef>
-          <a:fontRef idx="minor">
-            <a:schemeClr val="tx1"/>
-          </a:fontRef>
-        </p:style>
-      </p:cxnSp>
-      <p:cxnSp>
-        <p:nvCxnSpPr>
-          <p:cNvPr id="12" name="Gerader Verbinder 11">
-            <a:extLst>
-              <a:ext uri="{FF2B5EF4-FFF2-40B4-BE49-F238E27FC236}">
-                <a16:creationId xmlns:a16="http://schemas.microsoft.com/office/drawing/2014/main" id="{4567EABF-047D-A6C1-F28C-3D8542EDB2EC}"/>
-              </a:ext>
-            </a:extLst>
-          </p:cNvPr>
-          <p:cNvCxnSpPr>
-            <a:cxnSpLocks/>
-          </p:cNvCxnSpPr>
-          <p:nvPr/>
-        </p:nvCxnSpPr>
-        <p:spPr>
-          <a:xfrm flipV="1">
-            <a:off x="7687447" y="2523075"/>
+            <a:off x="4526817" y="2523075"/>
             <a:ext cx="0" cy="166815"/>
           </a:xfrm>
           <a:prstGeom prst="line">
@@ -3722,7 +3723,7 @@
         </p:nvCxnSpPr>
         <p:spPr>
           <a:xfrm flipV="1">
-            <a:off x="8504697" y="2530213"/>
+            <a:off x="5363945" y="2530213"/>
             <a:ext cx="0" cy="166815"/>
           </a:xfrm>
           <a:prstGeom prst="line">
@@ -3759,9 +3760,9 @@
           <p:nvPr/>
         </p:nvCxnSpPr>
         <p:spPr>
-          <a:xfrm flipV="1">
-            <a:off x="4847341" y="2531029"/>
-            <a:ext cx="0" cy="166815"/>
+          <a:xfrm flipH="1" flipV="1">
+            <a:off x="2491309" y="2531025"/>
+            <a:ext cx="42711" cy="1011779"/>
           </a:xfrm>
           <a:prstGeom prst="line">
             <a:avLst/>
@@ -3796,7 +3797,7 @@
         </p:nvSpPr>
         <p:spPr>
           <a:xfrm>
-            <a:off x="2426176" y="2701898"/>
+            <a:off x="1243420" y="3122351"/>
             <a:ext cx="1533807" cy="296211"/>
           </a:xfrm>
           <a:prstGeom prst="flowChartPunchedCard">
@@ -3860,9 +3861,9 @@
           <p:nvPr/>
         </p:nvCxnSpPr>
         <p:spPr>
-          <a:xfrm flipV="1">
-            <a:off x="6415982" y="2523588"/>
-            <a:ext cx="0" cy="166815"/>
+          <a:xfrm flipH="1" flipV="1">
+            <a:off x="2858991" y="2540519"/>
+            <a:ext cx="41479" cy="1402422"/>
           </a:xfrm>
           <a:prstGeom prst="line">
             <a:avLst/>
@@ -3897,7 +3898,7 @@
         </p:nvSpPr>
         <p:spPr>
           <a:xfrm>
-            <a:off x="4040409" y="2690403"/>
+            <a:off x="1457674" y="3542804"/>
             <a:ext cx="1649059" cy="296211"/>
           </a:xfrm>
           <a:prstGeom prst="flowChartPunchedCard">
@@ -3960,7 +3961,7 @@
         </p:nvSpPr>
         <p:spPr>
           <a:xfrm>
-            <a:off x="5759228" y="2680296"/>
+            <a:off x="1796848" y="3942941"/>
             <a:ext cx="1474344" cy="296211"/>
           </a:xfrm>
           <a:prstGeom prst="flowChartPunchedCard">
@@ -4060,6 +4061,16 @@
           <a:p>
             <a:pPr algn="ctr"/>
             <a:r>
+              <a:rPr lang="de-CH" sz="1000" b="1" dirty="0" err="1">
+                <a:solidFill>
+                  <a:schemeClr val="tx1"/>
+                </a:solidFill>
+                <a:latin typeface="Arial" panose="020B0604020202020204" pitchFamily="34" charset="0"/>
+                <a:cs typeface="Arial" panose="020B0604020202020204" pitchFamily="34" charset="0"/>
+              </a:rPr>
+              <a:t>Version_old</a:t>
+            </a:r>
+            <a:r>
               <a:rPr lang="de-CH" sz="1000" b="1" dirty="0">
                 <a:solidFill>
                   <a:schemeClr val="tx1"/>
@@ -4067,7 +4078,7 @@
                 <a:latin typeface="Arial" panose="020B0604020202020204" pitchFamily="34" charset="0"/>
                 <a:cs typeface="Arial" panose="020B0604020202020204" pitchFamily="34" charset="0"/>
               </a:rPr>
-              <a:t>Version_1 </a:t>
+              <a:t> </a:t>
             </a:r>
           </a:p>
         </p:txBody>
@@ -4086,8 +4097,8 @@
         </p:nvSpPr>
         <p:spPr>
           <a:xfrm>
-            <a:off x="3727126" y="2064556"/>
-            <a:ext cx="1256792" cy="273141"/>
+            <a:off x="3727125" y="2064556"/>
+            <a:ext cx="1505081" cy="273141"/>
           </a:xfrm>
           <a:prstGeom prst="rect">
             <a:avLst/>
@@ -4130,7 +4141,7 @@
                 <a:latin typeface="Arial" panose="020B0604020202020204" pitchFamily="34" charset="0"/>
                 <a:cs typeface="Arial" panose="020B0604020202020204" pitchFamily="34" charset="0"/>
               </a:rPr>
-              <a:t>Version_2 </a:t>
+              <a:t>Spagi_89_Chairs_v_1</a:t>
             </a:r>
           </a:p>
         </p:txBody>
@@ -4287,12 +4298,145 @@
           </a:fontRef>
         </p:style>
       </p:cxnSp>
+      <p:sp>
+        <p:nvSpPr>
+          <p:cNvPr id="26" name="Rechteck 25">
+            <a:extLst>
+              <a:ext uri="{FF2B5EF4-FFF2-40B4-BE49-F238E27FC236}">
+                <a16:creationId xmlns:a16="http://schemas.microsoft.com/office/drawing/2014/main" id="{64C5CEBD-D5F5-6476-8368-DCBCDB1491FF}"/>
+              </a:ext>
+            </a:extLst>
+          </p:cNvPr>
+          <p:cNvSpPr/>
+          <p:nvPr/>
+        </p:nvSpPr>
+        <p:spPr>
+          <a:xfrm>
+            <a:off x="3833023" y="3131684"/>
+            <a:ext cx="538073" cy="273141"/>
+          </a:xfrm>
+          <a:prstGeom prst="rect">
+            <a:avLst/>
+          </a:prstGeom>
+          <a:solidFill>
+            <a:srgbClr val="FFFF00"/>
+          </a:solidFill>
+          <a:ln>
+            <a:solidFill>
+              <a:schemeClr val="tx1"/>
+            </a:solidFill>
+          </a:ln>
+        </p:spPr>
+        <p:style>
+          <a:lnRef idx="2">
+            <a:schemeClr val="accent1">
+              <a:shade val="50000"/>
+            </a:schemeClr>
+          </a:lnRef>
+          <a:fillRef idx="1">
+            <a:schemeClr val="accent1"/>
+          </a:fillRef>
+          <a:effectRef idx="0">
+            <a:schemeClr val="accent1"/>
+          </a:effectRef>
+          <a:fontRef idx="minor">
+            <a:schemeClr val="lt1"/>
+          </a:fontRef>
+        </p:style>
+        <p:txBody>
+          <a:bodyPr rtlCol="0" anchor="ctr"/>
+          <a:lstStyle/>
+          <a:p>
+            <a:pPr algn="ctr"/>
+            <a:r>
+              <a:rPr lang="de-CH" sz="1000" b="1" dirty="0">
+                <a:solidFill>
+                  <a:schemeClr val="tx1"/>
+                </a:solidFill>
+                <a:latin typeface="Arial" panose="020B0604020202020204" pitchFamily="34" charset="0"/>
+                <a:cs typeface="Arial" panose="020B0604020202020204" pitchFamily="34" charset="0"/>
+              </a:rPr>
+              <a:t>XML</a:t>
+            </a:r>
+          </a:p>
+        </p:txBody>
+      </p:sp>
+      <p:sp>
+        <p:nvSpPr>
+          <p:cNvPr id="30" name="Rechteck 29">
+            <a:extLst>
+              <a:ext uri="{FF2B5EF4-FFF2-40B4-BE49-F238E27FC236}">
+                <a16:creationId xmlns:a16="http://schemas.microsoft.com/office/drawing/2014/main" id="{7CCDFBA7-0C92-04B8-B0A6-F2D4B38F0B84}"/>
+              </a:ext>
+            </a:extLst>
+          </p:cNvPr>
+          <p:cNvSpPr/>
+          <p:nvPr/>
+        </p:nvSpPr>
+        <p:spPr>
+          <a:xfrm>
+            <a:off x="5985748" y="3170195"/>
+            <a:ext cx="922928" cy="273141"/>
+          </a:xfrm>
+          <a:prstGeom prst="rect">
+            <a:avLst/>
+          </a:prstGeom>
+          <a:solidFill>
+            <a:srgbClr val="FFFF00"/>
+          </a:solidFill>
+          <a:ln>
+            <a:solidFill>
+              <a:schemeClr val="tx1"/>
+            </a:solidFill>
+          </a:ln>
+        </p:spPr>
+        <p:style>
+          <a:lnRef idx="2">
+            <a:schemeClr val="accent1">
+              <a:shade val="50000"/>
+            </a:schemeClr>
+          </a:lnRef>
+          <a:fillRef idx="1">
+            <a:schemeClr val="accent1"/>
+          </a:fillRef>
+          <a:effectRef idx="0">
+            <a:schemeClr val="accent1"/>
+          </a:effectRef>
+          <a:fontRef idx="minor">
+            <a:schemeClr val="lt1"/>
+          </a:fontRef>
+        </p:style>
+        <p:txBody>
+          <a:bodyPr rtlCol="0" anchor="ctr"/>
+          <a:lstStyle/>
+          <a:p>
+            <a:pPr algn="ctr"/>
+            <a:r>
+              <a:rPr lang="de-CH" sz="1000" b="1" dirty="0" err="1">
+                <a:solidFill>
+                  <a:schemeClr val="tx1"/>
+                </a:solidFill>
+                <a:latin typeface="Arial" panose="020B0604020202020204" pitchFamily="34" charset="0"/>
+                <a:cs typeface="Arial" panose="020B0604020202020204" pitchFamily="34" charset="0"/>
+              </a:rPr>
+              <a:t>SaisonXML</a:t>
+            </a:r>
+            <a:endParaRPr lang="de-CH" sz="1000" b="1" dirty="0">
+              <a:solidFill>
+                <a:schemeClr val="tx1"/>
+              </a:solidFill>
+              <a:latin typeface="Arial" panose="020B0604020202020204" pitchFamily="34" charset="0"/>
+              <a:cs typeface="Arial" panose="020B0604020202020204" pitchFamily="34" charset="0"/>
+            </a:endParaRPr>
+          </a:p>
+        </p:txBody>
+      </p:sp>
       <p:cxnSp>
         <p:nvCxnSpPr>
-          <p:cNvPr id="31" name="Gerader Verbinder 30">
-            <a:extLst>
-              <a:ext uri="{FF2B5EF4-FFF2-40B4-BE49-F238E27FC236}">
-                <a16:creationId xmlns:a16="http://schemas.microsoft.com/office/drawing/2014/main" id="{789AA949-1CDD-A336-6801-7C5F1180B33F}"/>
+          <p:cNvPr id="43" name="Gerader Verbinder 42">
+            <a:extLst>
+              <a:ext uri="{FF2B5EF4-FFF2-40B4-BE49-F238E27FC236}">
+                <a16:creationId xmlns:a16="http://schemas.microsoft.com/office/drawing/2014/main" id="{353F4DB1-3E7E-B70D-6698-661D97CA1F94}"/>
               </a:ext>
             </a:extLst>
           </p:cNvPr>
@@ -4303,8 +4447,8 @@
         </p:nvCxnSpPr>
         <p:spPr>
           <a:xfrm flipV="1">
-            <a:off x="9072256" y="2540519"/>
-            <a:ext cx="0" cy="166815"/>
+            <a:off x="4102723" y="2510119"/>
+            <a:ext cx="0" cy="612232"/>
           </a:xfrm>
           <a:prstGeom prst="line">
             <a:avLst/>
@@ -4327,10 +4471,10 @@
       </p:cxnSp>
       <p:cxnSp>
         <p:nvCxnSpPr>
-          <p:cNvPr id="32" name="Gerader Verbinder 31">
-            <a:extLst>
-              <a:ext uri="{FF2B5EF4-FFF2-40B4-BE49-F238E27FC236}">
-                <a16:creationId xmlns:a16="http://schemas.microsoft.com/office/drawing/2014/main" id="{442163BC-0CAA-2B0F-CAAE-A11B37D03560}"/>
+          <p:cNvPr id="45" name="Gerader Verbinder 44">
+            <a:extLst>
+              <a:ext uri="{FF2B5EF4-FFF2-40B4-BE49-F238E27FC236}">
+                <a16:creationId xmlns:a16="http://schemas.microsoft.com/office/drawing/2014/main" id="{3EA4A984-1955-6CAD-B4A9-D78A69ED4D7E}"/>
               </a:ext>
             </a:extLst>
           </p:cNvPr>
@@ -4341,8 +4485,534 @@
         </p:nvCxnSpPr>
         <p:spPr>
           <a:xfrm flipV="1">
-            <a:off x="9584635" y="2540519"/>
+            <a:off x="6436548" y="2520184"/>
+            <a:ext cx="0" cy="643454"/>
+          </a:xfrm>
+          <a:prstGeom prst="line">
+            <a:avLst/>
+          </a:prstGeom>
+        </p:spPr>
+        <p:style>
+          <a:lnRef idx="1">
+            <a:schemeClr val="accent1"/>
+          </a:lnRef>
+          <a:fillRef idx="0">
+            <a:schemeClr val="accent1"/>
+          </a:fillRef>
+          <a:effectRef idx="0">
+            <a:schemeClr val="accent1"/>
+          </a:effectRef>
+          <a:fontRef idx="minor">
+            <a:schemeClr val="tx1"/>
+          </a:fontRef>
+        </p:style>
+      </p:cxnSp>
+      <p:sp>
+        <p:nvSpPr>
+          <p:cNvPr id="46" name="Rechteck 45">
+            <a:extLst>
+              <a:ext uri="{FF2B5EF4-FFF2-40B4-BE49-F238E27FC236}">
+                <a16:creationId xmlns:a16="http://schemas.microsoft.com/office/drawing/2014/main" id="{C8D2EFA0-A343-FD47-DB6E-309624623C22}"/>
+              </a:ext>
+            </a:extLst>
+          </p:cNvPr>
+          <p:cNvSpPr/>
+          <p:nvPr/>
+        </p:nvSpPr>
+        <p:spPr>
+          <a:xfrm>
+            <a:off x="2992365" y="2703826"/>
+            <a:ext cx="1065161" cy="273141"/>
+          </a:xfrm>
+          <a:prstGeom prst="rect">
+            <a:avLst/>
+          </a:prstGeom>
+          <a:solidFill>
+            <a:srgbClr val="FFFF00"/>
+          </a:solidFill>
+          <a:ln>
+            <a:solidFill>
+              <a:schemeClr val="tx1"/>
+            </a:solidFill>
+          </a:ln>
+        </p:spPr>
+        <p:style>
+          <a:lnRef idx="2">
+            <a:schemeClr val="accent1">
+              <a:shade val="50000"/>
+            </a:schemeClr>
+          </a:lnRef>
+          <a:fillRef idx="1">
+            <a:schemeClr val="accent1"/>
+          </a:fillRef>
+          <a:effectRef idx="0">
+            <a:schemeClr val="accent1"/>
+          </a:effectRef>
+          <a:fontRef idx="minor">
+            <a:schemeClr val="lt1"/>
+          </a:fontRef>
+        </p:style>
+        <p:txBody>
+          <a:bodyPr rtlCol="0" anchor="ctr"/>
+          <a:lstStyle/>
+          <a:p>
+            <a:pPr algn="ctr"/>
+            <a:r>
+              <a:rPr lang="de-CH" sz="1000" b="1" dirty="0" err="1">
+                <a:solidFill>
+                  <a:schemeClr val="tx1"/>
+                </a:solidFill>
+                <a:latin typeface="Arial" panose="020B0604020202020204" pitchFamily="34" charset="0"/>
+                <a:cs typeface="Arial" panose="020B0604020202020204" pitchFamily="34" charset="0"/>
+              </a:rPr>
+              <a:t>ImagesLayout</a:t>
+            </a:r>
+            <a:endParaRPr lang="de-CH" sz="1000" b="1" dirty="0">
+              <a:solidFill>
+                <a:schemeClr val="tx1"/>
+              </a:solidFill>
+              <a:latin typeface="Arial" panose="020B0604020202020204" pitchFamily="34" charset="0"/>
+              <a:cs typeface="Arial" panose="020B0604020202020204" pitchFamily="34" charset="0"/>
+            </a:endParaRPr>
+          </a:p>
+        </p:txBody>
+      </p:sp>
+      <p:cxnSp>
+        <p:nvCxnSpPr>
+          <p:cNvPr id="47" name="Gerader Verbinder 46">
+            <a:extLst>
+              <a:ext uri="{FF2B5EF4-FFF2-40B4-BE49-F238E27FC236}">
+                <a16:creationId xmlns:a16="http://schemas.microsoft.com/office/drawing/2014/main" id="{BBAA1A18-BB59-2711-F4B1-D260F5A4CA3A}"/>
+              </a:ext>
+            </a:extLst>
+          </p:cNvPr>
+          <p:cNvCxnSpPr>
+            <a:cxnSpLocks/>
+          </p:cNvCxnSpPr>
+          <p:nvPr/>
+        </p:nvCxnSpPr>
+        <p:spPr>
+          <a:xfrm flipV="1">
+            <a:off x="3502800" y="2530454"/>
             <a:ext cx="0" cy="166815"/>
+          </a:xfrm>
+          <a:prstGeom prst="line">
+            <a:avLst/>
+          </a:prstGeom>
+        </p:spPr>
+        <p:style>
+          <a:lnRef idx="1">
+            <a:schemeClr val="accent1"/>
+          </a:lnRef>
+          <a:fillRef idx="0">
+            <a:schemeClr val="accent1"/>
+          </a:fillRef>
+          <a:effectRef idx="0">
+            <a:schemeClr val="accent1"/>
+          </a:effectRef>
+          <a:fontRef idx="minor">
+            <a:schemeClr val="tx1"/>
+          </a:fontRef>
+        </p:style>
+      </p:cxnSp>
+      <p:sp>
+        <p:nvSpPr>
+          <p:cNvPr id="56" name="Rechteck 55">
+            <a:extLst>
+              <a:ext uri="{FF2B5EF4-FFF2-40B4-BE49-F238E27FC236}">
+                <a16:creationId xmlns:a16="http://schemas.microsoft.com/office/drawing/2014/main" id="{CEDDF331-0BAE-4853-6D18-7A3FDA2AB30B}"/>
+              </a:ext>
+            </a:extLst>
+          </p:cNvPr>
+          <p:cNvSpPr/>
+          <p:nvPr/>
+        </p:nvSpPr>
+        <p:spPr>
+          <a:xfrm>
+            <a:off x="6501556" y="2703444"/>
+            <a:ext cx="904550" cy="273141"/>
+          </a:xfrm>
+          <a:prstGeom prst="rect">
+            <a:avLst/>
+          </a:prstGeom>
+          <a:solidFill>
+            <a:srgbClr val="FFFF00"/>
+          </a:solidFill>
+          <a:ln>
+            <a:solidFill>
+              <a:schemeClr val="tx1"/>
+            </a:solidFill>
+          </a:ln>
+        </p:spPr>
+        <p:style>
+          <a:lnRef idx="2">
+            <a:schemeClr val="accent1">
+              <a:shade val="50000"/>
+            </a:schemeClr>
+          </a:lnRef>
+          <a:fillRef idx="1">
+            <a:schemeClr val="accent1"/>
+          </a:fillRef>
+          <a:effectRef idx="0">
+            <a:schemeClr val="accent1"/>
+          </a:effectRef>
+          <a:fontRef idx="minor">
+            <a:schemeClr val="lt1"/>
+          </a:fontRef>
+        </p:style>
+        <p:txBody>
+          <a:bodyPr rtlCol="0" anchor="ctr"/>
+          <a:lstStyle/>
+          <a:p>
+            <a:pPr algn="ctr"/>
+            <a:r>
+              <a:rPr lang="de-CH" sz="1000" b="1" dirty="0" err="1">
+                <a:solidFill>
+                  <a:schemeClr val="tx1"/>
+                </a:solidFill>
+                <a:latin typeface="Arial" panose="020B0604020202020204" pitchFamily="34" charset="0"/>
+                <a:cs typeface="Arial" panose="020B0604020202020204" pitchFamily="34" charset="0"/>
+              </a:rPr>
+              <a:t>ImagesApp</a:t>
+            </a:r>
+            <a:endParaRPr lang="de-CH" sz="1000" b="1" dirty="0">
+              <a:solidFill>
+                <a:schemeClr val="tx1"/>
+              </a:solidFill>
+              <a:latin typeface="Arial" panose="020B0604020202020204" pitchFamily="34" charset="0"/>
+              <a:cs typeface="Arial" panose="020B0604020202020204" pitchFamily="34" charset="0"/>
+            </a:endParaRPr>
+          </a:p>
+        </p:txBody>
+      </p:sp>
+      <p:cxnSp>
+        <p:nvCxnSpPr>
+          <p:cNvPr id="57" name="Gerader Verbinder 56">
+            <a:extLst>
+              <a:ext uri="{FF2B5EF4-FFF2-40B4-BE49-F238E27FC236}">
+                <a16:creationId xmlns:a16="http://schemas.microsoft.com/office/drawing/2014/main" id="{2FD593D8-FC64-2F4A-DE62-F6D53EF584CD}"/>
+              </a:ext>
+            </a:extLst>
+          </p:cNvPr>
+          <p:cNvCxnSpPr>
+            <a:cxnSpLocks/>
+          </p:cNvCxnSpPr>
+          <p:nvPr/>
+        </p:nvCxnSpPr>
+        <p:spPr>
+          <a:xfrm flipV="1">
+            <a:off x="6952356" y="2530072"/>
+            <a:ext cx="0" cy="166815"/>
+          </a:xfrm>
+          <a:prstGeom prst="line">
+            <a:avLst/>
+          </a:prstGeom>
+        </p:spPr>
+        <p:style>
+          <a:lnRef idx="1">
+            <a:schemeClr val="accent1"/>
+          </a:lnRef>
+          <a:fillRef idx="0">
+            <a:schemeClr val="accent1"/>
+          </a:fillRef>
+          <a:effectRef idx="0">
+            <a:schemeClr val="accent1"/>
+          </a:effectRef>
+          <a:fontRef idx="minor">
+            <a:schemeClr val="tx1"/>
+          </a:fontRef>
+        </p:style>
+      </p:cxnSp>
+      <p:sp>
+        <p:nvSpPr>
+          <p:cNvPr id="58" name="Rechteck 57">
+            <a:extLst>
+              <a:ext uri="{FF2B5EF4-FFF2-40B4-BE49-F238E27FC236}">
+                <a16:creationId xmlns:a16="http://schemas.microsoft.com/office/drawing/2014/main" id="{371BC6CB-5EE7-93E6-15EE-0CAC4F47A94F}"/>
+              </a:ext>
+            </a:extLst>
+          </p:cNvPr>
+          <p:cNvSpPr/>
+          <p:nvPr/>
+        </p:nvSpPr>
+        <p:spPr>
+          <a:xfrm>
+            <a:off x="5743029" y="2711662"/>
+            <a:ext cx="639615" cy="273141"/>
+          </a:xfrm>
+          <a:prstGeom prst="rect">
+            <a:avLst/>
+          </a:prstGeom>
+          <a:solidFill>
+            <a:srgbClr val="FFFF00"/>
+          </a:solidFill>
+          <a:ln>
+            <a:solidFill>
+              <a:schemeClr val="tx1"/>
+            </a:solidFill>
+          </a:ln>
+        </p:spPr>
+        <p:style>
+          <a:lnRef idx="2">
+            <a:schemeClr val="accent1">
+              <a:shade val="50000"/>
+            </a:schemeClr>
+          </a:lnRef>
+          <a:fillRef idx="1">
+            <a:schemeClr val="accent1"/>
+          </a:fillRef>
+          <a:effectRef idx="0">
+            <a:schemeClr val="accent1"/>
+          </a:effectRef>
+          <a:fontRef idx="minor">
+            <a:schemeClr val="lt1"/>
+          </a:fontRef>
+        </p:style>
+        <p:txBody>
+          <a:bodyPr rtlCol="0" anchor="ctr"/>
+          <a:lstStyle/>
+          <a:p>
+            <a:pPr algn="ctr"/>
+            <a:r>
+              <a:rPr lang="de-CH" sz="1000" b="1" dirty="0" err="1">
+                <a:solidFill>
+                  <a:schemeClr val="tx1"/>
+                </a:solidFill>
+                <a:latin typeface="Arial" panose="020B0604020202020204" pitchFamily="34" charset="0"/>
+                <a:cs typeface="Arial" panose="020B0604020202020204" pitchFamily="34" charset="0"/>
+              </a:rPr>
+              <a:t>Libs</a:t>
+            </a:r>
+            <a:endParaRPr lang="de-CH" sz="1000" b="1" dirty="0">
+              <a:solidFill>
+                <a:schemeClr val="tx1"/>
+              </a:solidFill>
+              <a:latin typeface="Arial" panose="020B0604020202020204" pitchFamily="34" charset="0"/>
+              <a:cs typeface="Arial" panose="020B0604020202020204" pitchFamily="34" charset="0"/>
+            </a:endParaRPr>
+          </a:p>
+        </p:txBody>
+      </p:sp>
+      <p:cxnSp>
+        <p:nvCxnSpPr>
+          <p:cNvPr id="59" name="Gerader Verbinder 58">
+            <a:extLst>
+              <a:ext uri="{FF2B5EF4-FFF2-40B4-BE49-F238E27FC236}">
+                <a16:creationId xmlns:a16="http://schemas.microsoft.com/office/drawing/2014/main" id="{E3F092DC-8D76-3919-6B26-32965DCD57BC}"/>
+              </a:ext>
+            </a:extLst>
+          </p:cNvPr>
+          <p:cNvCxnSpPr>
+            <a:cxnSpLocks/>
+          </p:cNvCxnSpPr>
+          <p:nvPr/>
+        </p:nvCxnSpPr>
+        <p:spPr>
+          <a:xfrm flipV="1">
+            <a:off x="6062837" y="2520184"/>
+            <a:ext cx="0" cy="166815"/>
+          </a:xfrm>
+          <a:prstGeom prst="line">
+            <a:avLst/>
+          </a:prstGeom>
+        </p:spPr>
+        <p:style>
+          <a:lnRef idx="1">
+            <a:schemeClr val="accent1"/>
+          </a:lnRef>
+          <a:fillRef idx="0">
+            <a:schemeClr val="accent1"/>
+          </a:fillRef>
+          <a:effectRef idx="0">
+            <a:schemeClr val="accent1"/>
+          </a:effectRef>
+          <a:fontRef idx="minor">
+            <a:schemeClr val="tx1"/>
+          </a:fontRef>
+        </p:style>
+      </p:cxnSp>
+      <p:sp>
+        <p:nvSpPr>
+          <p:cNvPr id="64" name="Flussdiagramm: Karte 63">
+            <a:extLst>
+              <a:ext uri="{FF2B5EF4-FFF2-40B4-BE49-F238E27FC236}">
+                <a16:creationId xmlns:a16="http://schemas.microsoft.com/office/drawing/2014/main" id="{151E3F5F-91D8-66A7-07B4-B4E9302B669B}"/>
+              </a:ext>
+            </a:extLst>
+          </p:cNvPr>
+          <p:cNvSpPr/>
+          <p:nvPr/>
+        </p:nvSpPr>
+        <p:spPr>
+          <a:xfrm>
+            <a:off x="3313324" y="3542804"/>
+            <a:ext cx="1763648" cy="296211"/>
+          </a:xfrm>
+          <a:prstGeom prst="flowChartPunchedCard">
+            <a:avLst/>
+          </a:prstGeom>
+          <a:solidFill>
+            <a:srgbClr val="FFFF00"/>
+          </a:solidFill>
+          <a:ln>
+            <a:solidFill>
+              <a:schemeClr val="tx1"/>
+            </a:solidFill>
+          </a:ln>
+        </p:spPr>
+        <p:style>
+          <a:lnRef idx="2">
+            <a:schemeClr val="accent1">
+              <a:shade val="50000"/>
+            </a:schemeClr>
+          </a:lnRef>
+          <a:fillRef idx="1">
+            <a:schemeClr val="accent1"/>
+          </a:fillRef>
+          <a:effectRef idx="0">
+            <a:schemeClr val="accent1"/>
+          </a:effectRef>
+          <a:fontRef idx="minor">
+            <a:schemeClr val="lt1"/>
+          </a:fontRef>
+        </p:style>
+        <p:txBody>
+          <a:bodyPr rtlCol="0" anchor="ctr"/>
+          <a:lstStyle/>
+          <a:p>
+            <a:pPr algn="ctr"/>
+            <a:r>
+              <a:rPr lang="de-CH" sz="1000" b="1" dirty="0">
+                <a:solidFill>
+                  <a:schemeClr val="tx1"/>
+                </a:solidFill>
+                <a:latin typeface="Arial" panose="020B0604020202020204" pitchFamily="34" charset="0"/>
+                <a:cs typeface="Arial" panose="020B0604020202020204" pitchFamily="34" charset="0"/>
+              </a:rPr>
+              <a:t>Spagi_89_Chairs_v_1.xml</a:t>
+            </a:r>
+          </a:p>
+        </p:txBody>
+      </p:sp>
+      <p:cxnSp>
+        <p:nvCxnSpPr>
+          <p:cNvPr id="65" name="Gerader Verbinder 64">
+            <a:extLst>
+              <a:ext uri="{FF2B5EF4-FFF2-40B4-BE49-F238E27FC236}">
+                <a16:creationId xmlns:a16="http://schemas.microsoft.com/office/drawing/2014/main" id="{F05201B9-332D-A96B-E6D5-7E475FE95CC3}"/>
+              </a:ext>
+            </a:extLst>
+          </p:cNvPr>
+          <p:cNvCxnSpPr>
+            <a:cxnSpLocks/>
+          </p:cNvCxnSpPr>
+          <p:nvPr/>
+        </p:nvCxnSpPr>
+        <p:spPr>
+          <a:xfrm flipV="1">
+            <a:off x="4097038" y="3375989"/>
+            <a:ext cx="0" cy="166815"/>
+          </a:xfrm>
+          <a:prstGeom prst="line">
+            <a:avLst/>
+          </a:prstGeom>
+        </p:spPr>
+        <p:style>
+          <a:lnRef idx="1">
+            <a:schemeClr val="accent1"/>
+          </a:lnRef>
+          <a:fillRef idx="0">
+            <a:schemeClr val="accent1"/>
+          </a:fillRef>
+          <a:effectRef idx="0">
+            <a:schemeClr val="accent1"/>
+          </a:effectRef>
+          <a:fontRef idx="minor">
+            <a:schemeClr val="tx1"/>
+          </a:fontRef>
+        </p:style>
+      </p:cxnSp>
+      <p:sp>
+        <p:nvSpPr>
+          <p:cNvPr id="66" name="Flussdiagramm: Karte 65">
+            <a:extLst>
+              <a:ext uri="{FF2B5EF4-FFF2-40B4-BE49-F238E27FC236}">
+                <a16:creationId xmlns:a16="http://schemas.microsoft.com/office/drawing/2014/main" id="{02EDAE67-1C9E-CCDF-D242-99CE2748F3AD}"/>
+              </a:ext>
+            </a:extLst>
+          </p:cNvPr>
+          <p:cNvSpPr/>
+          <p:nvPr/>
+        </p:nvSpPr>
+        <p:spPr>
+          <a:xfrm>
+            <a:off x="4868697" y="3962198"/>
+            <a:ext cx="1476883" cy="296211"/>
+          </a:xfrm>
+          <a:prstGeom prst="flowChartPunchedCard">
+            <a:avLst/>
+          </a:prstGeom>
+          <a:solidFill>
+            <a:srgbClr val="FFFF00"/>
+          </a:solidFill>
+          <a:ln>
+            <a:solidFill>
+              <a:schemeClr val="tx1"/>
+            </a:solidFill>
+          </a:ln>
+        </p:spPr>
+        <p:style>
+          <a:lnRef idx="2">
+            <a:schemeClr val="accent1">
+              <a:shade val="50000"/>
+            </a:schemeClr>
+          </a:lnRef>
+          <a:fillRef idx="1">
+            <a:schemeClr val="accent1"/>
+          </a:fillRef>
+          <a:effectRef idx="0">
+            <a:schemeClr val="accent1"/>
+          </a:effectRef>
+          <a:fontRef idx="minor">
+            <a:schemeClr val="lt1"/>
+          </a:fontRef>
+        </p:style>
+        <p:txBody>
+          <a:bodyPr rtlCol="0" anchor="ctr"/>
+          <a:lstStyle/>
+          <a:p>
+            <a:pPr algn="ctr"/>
+            <a:r>
+              <a:rPr lang="de-CH" sz="1000" b="1" dirty="0">
+                <a:solidFill>
+                  <a:schemeClr val="tx1"/>
+                </a:solidFill>
+                <a:latin typeface="Arial" panose="020B0604020202020204" pitchFamily="34" charset="0"/>
+                <a:cs typeface="Arial" panose="020B0604020202020204" pitchFamily="34" charset="0"/>
+              </a:rPr>
+              <a:t>SeasonProgram.xml</a:t>
+            </a:r>
+          </a:p>
+        </p:txBody>
+      </p:sp>
+      <p:cxnSp>
+        <p:nvCxnSpPr>
+          <p:cNvPr id="67" name="Gerader Verbinder 66">
+            <a:extLst>
+              <a:ext uri="{FF2B5EF4-FFF2-40B4-BE49-F238E27FC236}">
+                <a16:creationId xmlns:a16="http://schemas.microsoft.com/office/drawing/2014/main" id="{86116896-7EEA-A1C0-0227-F4B9D1EB4E27}"/>
+              </a:ext>
+            </a:extLst>
+          </p:cNvPr>
+          <p:cNvCxnSpPr>
+            <a:cxnSpLocks/>
+          </p:cNvCxnSpPr>
+          <p:nvPr/>
+        </p:nvCxnSpPr>
+        <p:spPr>
+          <a:xfrm>
+            <a:off x="5683602" y="3790728"/>
+            <a:ext cx="1361237" cy="0"/>
           </a:xfrm>
           <a:prstGeom prst="line">
             <a:avLst/>
@@ -4365,22 +5035,23 @@
       </p:cxnSp>
       <p:cxnSp>
         <p:nvCxnSpPr>
-          <p:cNvPr id="33" name="Gerader Verbinder 32">
-            <a:extLst>
-              <a:ext uri="{FF2B5EF4-FFF2-40B4-BE49-F238E27FC236}">
-                <a16:creationId xmlns:a16="http://schemas.microsoft.com/office/drawing/2014/main" id="{597C415C-8451-46A5-ED1B-E4B0BE54CB7B}"/>
+          <p:cNvPr id="68" name="Gerader Verbinder 67">
+            <a:extLst>
+              <a:ext uri="{FF2B5EF4-FFF2-40B4-BE49-F238E27FC236}">
+                <a16:creationId xmlns:a16="http://schemas.microsoft.com/office/drawing/2014/main" id="{08EA9BF1-A9A1-482F-E52A-06E461342C80}"/>
               </a:ext>
             </a:extLst>
           </p:cNvPr>
           <p:cNvCxnSpPr>
             <a:cxnSpLocks/>
+            <a:endCxn id="30" idx="2"/>
           </p:cNvCxnSpPr>
           <p:nvPr/>
         </p:nvCxnSpPr>
         <p:spPr>
           <a:xfrm flipV="1">
-            <a:off x="3870434" y="3918280"/>
-            <a:ext cx="0" cy="166815"/>
+            <a:off x="6447212" y="3443336"/>
+            <a:ext cx="0" cy="328289"/>
           </a:xfrm>
           <a:prstGeom prst="line">
             <a:avLst/>
@@ -4403,10 +5074,10 @@
       </p:cxnSp>
       <p:cxnSp>
         <p:nvCxnSpPr>
-          <p:cNvPr id="34" name="Gerader Verbinder 33">
-            <a:extLst>
-              <a:ext uri="{FF2B5EF4-FFF2-40B4-BE49-F238E27FC236}">
-                <a16:creationId xmlns:a16="http://schemas.microsoft.com/office/drawing/2014/main" id="{6D450FB2-3A4E-6846-5FE5-A522AF2B2F04}"/>
+          <p:cNvPr id="76" name="Gerader Verbinder 75">
+            <a:extLst>
+              <a:ext uri="{FF2B5EF4-FFF2-40B4-BE49-F238E27FC236}">
+                <a16:creationId xmlns:a16="http://schemas.microsoft.com/office/drawing/2014/main" id="{5EE87168-CFB7-2E83-D094-3E5BCCF61ED8}"/>
               </a:ext>
             </a:extLst>
           </p:cNvPr>
@@ -4417,7 +5088,7 @@
         </p:nvCxnSpPr>
         <p:spPr>
           <a:xfrm flipV="1">
-            <a:off x="1785033" y="4705843"/>
+            <a:off x="5698238" y="3776126"/>
             <a:ext cx="0" cy="166815"/>
           </a:xfrm>
           <a:prstGeom prst="line">
@@ -4439,62 +5110,24 @@
           </a:fontRef>
         </p:style>
       </p:cxnSp>
-      <p:cxnSp>
-        <p:nvCxnSpPr>
-          <p:cNvPr id="35" name="Gerader Verbinder 34">
-            <a:extLst>
-              <a:ext uri="{FF2B5EF4-FFF2-40B4-BE49-F238E27FC236}">
-                <a16:creationId xmlns:a16="http://schemas.microsoft.com/office/drawing/2014/main" id="{D6D53E08-4A06-206C-72B8-69D0633BD311}"/>
-              </a:ext>
-            </a:extLst>
-          </p:cNvPr>
-          <p:cNvCxnSpPr>
-            <a:cxnSpLocks/>
-          </p:cNvCxnSpPr>
-          <p:nvPr/>
-        </p:nvCxnSpPr>
+      <p:sp>
+        <p:nvSpPr>
+          <p:cNvPr id="77" name="Flussdiagramm: Karte 76">
+            <a:extLst>
+              <a:ext uri="{FF2B5EF4-FFF2-40B4-BE49-F238E27FC236}">
+                <a16:creationId xmlns:a16="http://schemas.microsoft.com/office/drawing/2014/main" id="{188E1EE1-4337-25CC-AED9-13E92CBBDDC9}"/>
+              </a:ext>
+            </a:extLst>
+          </p:cNvPr>
+          <p:cNvSpPr/>
+          <p:nvPr/>
+        </p:nvSpPr>
         <p:spPr>
           <a:xfrm>
-            <a:off x="1780049" y="4705537"/>
-            <a:ext cx="5109482" cy="10627"/>
-          </a:xfrm>
-          <a:prstGeom prst="line">
-            <a:avLst/>
-          </a:prstGeom>
-        </p:spPr>
-        <p:style>
-          <a:lnRef idx="1">
-            <a:schemeClr val="accent1"/>
-          </a:lnRef>
-          <a:fillRef idx="0">
-            <a:schemeClr val="accent1"/>
-          </a:fillRef>
-          <a:effectRef idx="0">
-            <a:schemeClr val="accent1"/>
-          </a:effectRef>
-          <a:fontRef idx="minor">
-            <a:schemeClr val="tx1"/>
-          </a:fontRef>
-        </p:style>
-      </p:cxnSp>
-      <p:sp>
-        <p:nvSpPr>
-          <p:cNvPr id="36" name="Rechteck 35">
-            <a:extLst>
-              <a:ext uri="{FF2B5EF4-FFF2-40B4-BE49-F238E27FC236}">
-                <a16:creationId xmlns:a16="http://schemas.microsoft.com/office/drawing/2014/main" id="{756D22FF-E6E4-B168-A521-F6326B757BBA}"/>
-              </a:ext>
-            </a:extLst>
-          </p:cNvPr>
-          <p:cNvSpPr/>
-          <p:nvPr/>
-        </p:nvSpPr>
-        <p:spPr>
-          <a:xfrm>
-            <a:off x="4198357" y="4882979"/>
-            <a:ext cx="798492" cy="273141"/>
-          </a:xfrm>
-          <a:prstGeom prst="rect">
+            <a:off x="6436549" y="3942165"/>
+            <a:ext cx="1216581" cy="296211"/>
+          </a:xfrm>
+          <a:prstGeom prst="flowChartPunchedCard">
             <a:avLst/>
           </a:prstGeom>
           <a:solidFill>
@@ -4535,17 +5168,55 @@
                 <a:latin typeface="Arial" panose="020B0604020202020204" pitchFamily="34" charset="0"/>
                 <a:cs typeface="Arial" panose="020B0604020202020204" pitchFamily="34" charset="0"/>
               </a:rPr>
-              <a:t>Styles</a:t>
-            </a:r>
-          </a:p>
-        </p:txBody>
-      </p:sp>
-      <p:sp>
-        <p:nvSpPr>
-          <p:cNvPr id="37" name="Rechteck 36">
-            <a:extLst>
-              <a:ext uri="{FF2B5EF4-FFF2-40B4-BE49-F238E27FC236}">
-                <a16:creationId xmlns:a16="http://schemas.microsoft.com/office/drawing/2014/main" id="{0AE5FA34-AAD9-CCAB-8333-F3AA5DCEA76F}"/>
+              <a:t>Konzert_01.xml</a:t>
+            </a:r>
+          </a:p>
+        </p:txBody>
+      </p:sp>
+      <p:cxnSp>
+        <p:nvCxnSpPr>
+          <p:cNvPr id="78" name="Gerader Verbinder 77">
+            <a:extLst>
+              <a:ext uri="{FF2B5EF4-FFF2-40B4-BE49-F238E27FC236}">
+                <a16:creationId xmlns:a16="http://schemas.microsoft.com/office/drawing/2014/main" id="{1900326C-3D8E-EAD9-C654-2CA5B41C46C6}"/>
+              </a:ext>
+            </a:extLst>
+          </p:cNvPr>
+          <p:cNvCxnSpPr>
+            <a:cxnSpLocks/>
+          </p:cNvCxnSpPr>
+          <p:nvPr/>
+        </p:nvCxnSpPr>
+        <p:spPr>
+          <a:xfrm flipV="1">
+            <a:off x="7055721" y="3790728"/>
+            <a:ext cx="0" cy="166815"/>
+          </a:xfrm>
+          <a:prstGeom prst="line">
+            <a:avLst/>
+          </a:prstGeom>
+        </p:spPr>
+        <p:style>
+          <a:lnRef idx="1">
+            <a:schemeClr val="accent1"/>
+          </a:lnRef>
+          <a:fillRef idx="0">
+            <a:schemeClr val="accent1"/>
+          </a:fillRef>
+          <a:effectRef idx="0">
+            <a:schemeClr val="accent1"/>
+          </a:effectRef>
+          <a:fontRef idx="minor">
+            <a:schemeClr val="tx1"/>
+          </a:fontRef>
+        </p:style>
+      </p:cxnSp>
+      <p:sp>
+        <p:nvSpPr>
+          <p:cNvPr id="79" name="Flussdiagramm: Karte 78">
+            <a:extLst>
+              <a:ext uri="{FF2B5EF4-FFF2-40B4-BE49-F238E27FC236}">
+                <a16:creationId xmlns:a16="http://schemas.microsoft.com/office/drawing/2014/main" id="{280554AA-9F21-A848-7652-5E31C165F34F}"/>
               </a:ext>
             </a:extLst>
           </p:cNvPr>
@@ -4554,10 +5225,10 @@
         </p:nvSpPr>
         <p:spPr>
           <a:xfrm>
-            <a:off x="3248622" y="3645138"/>
-            <a:ext cx="1256792" cy="273141"/>
-          </a:xfrm>
-          <a:prstGeom prst="rect">
+            <a:off x="6678262" y="4217462"/>
+            <a:ext cx="1216581" cy="296211"/>
+          </a:xfrm>
+          <a:prstGeom prst="flowChartPunchedCard">
             <a:avLst/>
           </a:prstGeom>
           <a:solidFill>
@@ -4591,16 +5262,6 @@
           <a:p>
             <a:pPr algn="ctr"/>
             <a:r>
-              <a:rPr lang="de-CH" sz="1000" b="1" dirty="0" err="1">
-                <a:solidFill>
-                  <a:schemeClr val="tx1"/>
-                </a:solidFill>
-                <a:latin typeface="Arial" panose="020B0604020202020204" pitchFamily="34" charset="0"/>
-                <a:cs typeface="Arial" panose="020B0604020202020204" pitchFamily="34" charset="0"/>
-              </a:rPr>
-              <a:t>Guestbook</a:t>
-            </a:r>
-            <a:r>
               <a:rPr lang="de-CH" sz="1000" b="1" dirty="0">
                 <a:solidFill>
                   <a:schemeClr val="tx1"/>
@@ -4608,17 +5269,17 @@
                 <a:latin typeface="Arial" panose="020B0604020202020204" pitchFamily="34" charset="0"/>
                 <a:cs typeface="Arial" panose="020B0604020202020204" pitchFamily="34" charset="0"/>
               </a:rPr>
-              <a:t> </a:t>
-            </a:r>
-          </a:p>
-        </p:txBody>
-      </p:sp>
-      <p:sp>
-        <p:nvSpPr>
-          <p:cNvPr id="38" name="Flussdiagramm: Karte 37">
-            <a:extLst>
-              <a:ext uri="{FF2B5EF4-FFF2-40B4-BE49-F238E27FC236}">
-                <a16:creationId xmlns:a16="http://schemas.microsoft.com/office/drawing/2014/main" id="{9D5883C6-94F5-03FC-B663-0BBC4F68972B}"/>
+              <a:t>Konzert_02.xml</a:t>
+            </a:r>
+          </a:p>
+        </p:txBody>
+      </p:sp>
+      <p:sp>
+        <p:nvSpPr>
+          <p:cNvPr id="80" name="Flussdiagramm: Karte 79">
+            <a:extLst>
+              <a:ext uri="{FF2B5EF4-FFF2-40B4-BE49-F238E27FC236}">
+                <a16:creationId xmlns:a16="http://schemas.microsoft.com/office/drawing/2014/main" id="{B1473595-98CB-1460-2C40-F2D4CE380EF6}"/>
               </a:ext>
             </a:extLst>
           </p:cNvPr>
@@ -4627,8 +5288,8 @@
         </p:nvSpPr>
         <p:spPr>
           <a:xfrm>
-            <a:off x="937124" y="4877543"/>
-            <a:ext cx="1602804" cy="296211"/>
+            <a:off x="6797815" y="4513673"/>
+            <a:ext cx="1216581" cy="296211"/>
           </a:xfrm>
           <a:prstGeom prst="flowChartPunchedCard">
             <a:avLst/>
@@ -4671,605 +5332,11 @@
                 <a:latin typeface="Arial" panose="020B0604020202020204" pitchFamily="34" charset="0"/>
                 <a:cs typeface="Arial" panose="020B0604020202020204" pitchFamily="34" charset="0"/>
               </a:rPr>
-              <a:t>GuestbookUpload.htm</a:t>
-            </a:r>
-          </a:p>
-        </p:txBody>
-      </p:sp>
-      <p:sp>
-        <p:nvSpPr>
-          <p:cNvPr id="39" name="Rechteck 38">
-            <a:extLst>
-              <a:ext uri="{FF2B5EF4-FFF2-40B4-BE49-F238E27FC236}">
-                <a16:creationId xmlns:a16="http://schemas.microsoft.com/office/drawing/2014/main" id="{36B0ECF1-304E-6207-17BD-0CD69CE22F8F}"/>
-              </a:ext>
-            </a:extLst>
-          </p:cNvPr>
-          <p:cNvSpPr/>
-          <p:nvPr/>
-        </p:nvSpPr>
-        <p:spPr>
-          <a:xfrm>
-            <a:off x="5083251" y="4889118"/>
-            <a:ext cx="639615" cy="273141"/>
-          </a:xfrm>
-          <a:prstGeom prst="rect">
-            <a:avLst/>
-          </a:prstGeom>
-          <a:solidFill>
-            <a:srgbClr val="FFFF00"/>
-          </a:solidFill>
-          <a:ln>
-            <a:solidFill>
-              <a:schemeClr val="tx1"/>
-            </a:solidFill>
-          </a:ln>
-        </p:spPr>
-        <p:style>
-          <a:lnRef idx="2">
-            <a:schemeClr val="accent1">
-              <a:shade val="50000"/>
-            </a:schemeClr>
-          </a:lnRef>
-          <a:fillRef idx="1">
-            <a:schemeClr val="accent1"/>
-          </a:fillRef>
-          <a:effectRef idx="0">
-            <a:schemeClr val="accent1"/>
-          </a:effectRef>
-          <a:fontRef idx="minor">
-            <a:schemeClr val="lt1"/>
-          </a:fontRef>
-        </p:style>
-        <p:txBody>
-          <a:bodyPr rtlCol="0" anchor="ctr"/>
-          <a:lstStyle/>
-          <a:p>
-            <a:pPr algn="ctr"/>
-            <a:r>
-              <a:rPr lang="de-CH" sz="1000" b="1" dirty="0">
-                <a:solidFill>
-                  <a:schemeClr val="tx1"/>
-                </a:solidFill>
-                <a:latin typeface="Arial" panose="020B0604020202020204" pitchFamily="34" charset="0"/>
-                <a:cs typeface="Arial" panose="020B0604020202020204" pitchFamily="34" charset="0"/>
-              </a:rPr>
-              <a:t>Scripts</a:t>
-            </a:r>
-          </a:p>
-        </p:txBody>
-      </p:sp>
-      <p:cxnSp>
-        <p:nvCxnSpPr>
-          <p:cNvPr id="40" name="Gerader Verbinder 39">
-            <a:extLst>
-              <a:ext uri="{FF2B5EF4-FFF2-40B4-BE49-F238E27FC236}">
-                <a16:creationId xmlns:a16="http://schemas.microsoft.com/office/drawing/2014/main" id="{347AEC8D-0677-6C46-CA8A-A7BCA61D56EA}"/>
-              </a:ext>
-            </a:extLst>
-          </p:cNvPr>
-          <p:cNvCxnSpPr>
-            <a:cxnSpLocks/>
-          </p:cNvCxnSpPr>
-          <p:nvPr/>
-        </p:nvCxnSpPr>
-        <p:spPr>
-          <a:xfrm flipV="1">
-            <a:off x="3413081" y="4704779"/>
-            <a:ext cx="0" cy="166815"/>
-          </a:xfrm>
-          <a:prstGeom prst="line">
-            <a:avLst/>
-          </a:prstGeom>
-        </p:spPr>
-        <p:style>
-          <a:lnRef idx="1">
-            <a:schemeClr val="accent1"/>
-          </a:lnRef>
-          <a:fillRef idx="0">
-            <a:schemeClr val="accent1"/>
-          </a:fillRef>
-          <a:effectRef idx="0">
-            <a:schemeClr val="accent1"/>
-          </a:effectRef>
-          <a:fontRef idx="minor">
-            <a:schemeClr val="tx1"/>
-          </a:fontRef>
-        </p:style>
-      </p:cxnSp>
-      <p:cxnSp>
-        <p:nvCxnSpPr>
-          <p:cNvPr id="41" name="Gerader Verbinder 40">
-            <a:extLst>
-              <a:ext uri="{FF2B5EF4-FFF2-40B4-BE49-F238E27FC236}">
-                <a16:creationId xmlns:a16="http://schemas.microsoft.com/office/drawing/2014/main" id="{38AAAC68-2551-0125-42EE-550FB63F7505}"/>
-              </a:ext>
-            </a:extLst>
-          </p:cNvPr>
-          <p:cNvCxnSpPr>
-            <a:cxnSpLocks/>
-          </p:cNvCxnSpPr>
-          <p:nvPr/>
-        </p:nvCxnSpPr>
-        <p:spPr>
-          <a:xfrm flipV="1">
-            <a:off x="4605273" y="4698720"/>
-            <a:ext cx="0" cy="166815"/>
-          </a:xfrm>
-          <a:prstGeom prst="line">
-            <a:avLst/>
-          </a:prstGeom>
-        </p:spPr>
-        <p:style>
-          <a:lnRef idx="1">
-            <a:schemeClr val="accent1"/>
-          </a:lnRef>
-          <a:fillRef idx="0">
-            <a:schemeClr val="accent1"/>
-          </a:fillRef>
-          <a:effectRef idx="0">
-            <a:schemeClr val="accent1"/>
-          </a:effectRef>
-          <a:fontRef idx="minor">
-            <a:schemeClr val="tx1"/>
-          </a:fontRef>
-        </p:style>
-      </p:cxnSp>
-      <p:cxnSp>
-        <p:nvCxnSpPr>
-          <p:cNvPr id="42" name="Gerader Verbinder 41">
-            <a:extLst>
-              <a:ext uri="{FF2B5EF4-FFF2-40B4-BE49-F238E27FC236}">
-                <a16:creationId xmlns:a16="http://schemas.microsoft.com/office/drawing/2014/main" id="{344C73F8-833B-4CE4-7725-99584EDC6AF7}"/>
-              </a:ext>
-            </a:extLst>
-          </p:cNvPr>
-          <p:cNvCxnSpPr>
-            <a:cxnSpLocks/>
-          </p:cNvCxnSpPr>
-          <p:nvPr/>
-        </p:nvCxnSpPr>
-        <p:spPr>
-          <a:xfrm flipV="1">
-            <a:off x="5422523" y="4705858"/>
-            <a:ext cx="0" cy="166815"/>
-          </a:xfrm>
-          <a:prstGeom prst="line">
-            <a:avLst/>
-          </a:prstGeom>
-        </p:spPr>
-        <p:style>
-          <a:lnRef idx="1">
-            <a:schemeClr val="accent1"/>
-          </a:lnRef>
-          <a:fillRef idx="0">
-            <a:schemeClr val="accent1"/>
-          </a:fillRef>
-          <a:effectRef idx="0">
-            <a:schemeClr val="accent1"/>
-          </a:effectRef>
-          <a:fontRef idx="minor">
-            <a:schemeClr val="tx1"/>
-          </a:fontRef>
-        </p:style>
-      </p:cxnSp>
-      <p:sp>
-        <p:nvSpPr>
-          <p:cNvPr id="44" name="Flussdiagramm: Karte 43">
-            <a:extLst>
-              <a:ext uri="{FF2B5EF4-FFF2-40B4-BE49-F238E27FC236}">
-                <a16:creationId xmlns:a16="http://schemas.microsoft.com/office/drawing/2014/main" id="{694B3935-953F-8AE0-4B68-64441F150C91}"/>
-              </a:ext>
-            </a:extLst>
-          </p:cNvPr>
-          <p:cNvSpPr/>
-          <p:nvPr/>
-        </p:nvSpPr>
-        <p:spPr>
-          <a:xfrm>
-            <a:off x="2615363" y="4877543"/>
-            <a:ext cx="1533807" cy="296211"/>
-          </a:xfrm>
-          <a:prstGeom prst="flowChartPunchedCard">
-            <a:avLst/>
-          </a:prstGeom>
-          <a:solidFill>
-            <a:srgbClr val="FFFF00"/>
-          </a:solidFill>
-          <a:ln>
-            <a:solidFill>
-              <a:schemeClr val="tx1"/>
-            </a:solidFill>
-          </a:ln>
-        </p:spPr>
-        <p:style>
-          <a:lnRef idx="2">
-            <a:schemeClr val="accent1">
-              <a:shade val="50000"/>
-            </a:schemeClr>
-          </a:lnRef>
-          <a:fillRef idx="1">
-            <a:schemeClr val="accent1"/>
-          </a:fillRef>
-          <a:effectRef idx="0">
-            <a:schemeClr val="accent1"/>
-          </a:effectRef>
-          <a:fontRef idx="minor">
-            <a:schemeClr val="lt1"/>
-          </a:fontRef>
-        </p:style>
-        <p:txBody>
-          <a:bodyPr rtlCol="0" anchor="ctr"/>
-          <a:lstStyle/>
-          <a:p>
-            <a:pPr algn="ctr"/>
-            <a:r>
-              <a:rPr lang="de-CH" sz="1000" b="1" dirty="0">
-                <a:solidFill>
-                  <a:schemeClr val="tx1"/>
-                </a:solidFill>
-                <a:latin typeface="Arial" panose="020B0604020202020204" pitchFamily="34" charset="0"/>
-                <a:cs typeface="Arial" panose="020B0604020202020204" pitchFamily="34" charset="0"/>
-              </a:rPr>
-              <a:t>GuestbookAdmin.htm</a:t>
-            </a:r>
-          </a:p>
-        </p:txBody>
-      </p:sp>
-      <p:sp>
-        <p:nvSpPr>
-          <p:cNvPr id="48" name="Rechteck 47">
-            <a:extLst>
-              <a:ext uri="{FF2B5EF4-FFF2-40B4-BE49-F238E27FC236}">
-                <a16:creationId xmlns:a16="http://schemas.microsoft.com/office/drawing/2014/main" id="{08BD451B-7291-B22D-1466-2DFC968C8361}"/>
-              </a:ext>
-            </a:extLst>
-          </p:cNvPr>
-          <p:cNvSpPr/>
-          <p:nvPr/>
-        </p:nvSpPr>
-        <p:spPr>
-          <a:xfrm>
-            <a:off x="2487431" y="4240202"/>
-            <a:ext cx="1256792" cy="273141"/>
-          </a:xfrm>
-          <a:prstGeom prst="rect">
-            <a:avLst/>
-          </a:prstGeom>
-          <a:solidFill>
-            <a:srgbClr val="FFFF00"/>
-          </a:solidFill>
-          <a:ln>
-            <a:solidFill>
-              <a:schemeClr val="tx1"/>
-            </a:solidFill>
-          </a:ln>
-        </p:spPr>
-        <p:style>
-          <a:lnRef idx="2">
-            <a:schemeClr val="accent1">
-              <a:shade val="50000"/>
-            </a:schemeClr>
-          </a:lnRef>
-          <a:fillRef idx="1">
-            <a:schemeClr val="accent1"/>
-          </a:fillRef>
-          <a:effectRef idx="0">
-            <a:schemeClr val="accent1"/>
-          </a:effectRef>
-          <a:fontRef idx="minor">
-            <a:schemeClr val="lt1"/>
-          </a:fontRef>
-        </p:style>
-        <p:txBody>
-          <a:bodyPr rtlCol="0" anchor="ctr"/>
-          <a:lstStyle/>
-          <a:p>
-            <a:pPr algn="ctr"/>
-            <a:r>
-              <a:rPr lang="de-CH" sz="1000" b="1" dirty="0">
-                <a:solidFill>
-                  <a:schemeClr val="tx1"/>
-                </a:solidFill>
-                <a:latin typeface="Arial" panose="020B0604020202020204" pitchFamily="34" charset="0"/>
-                <a:cs typeface="Arial" panose="020B0604020202020204" pitchFamily="34" charset="0"/>
-              </a:rPr>
-              <a:t>Version_1 </a:t>
-            </a:r>
-          </a:p>
-        </p:txBody>
-      </p:sp>
-      <p:sp>
-        <p:nvSpPr>
-          <p:cNvPr id="49" name="Rechteck 48">
-            <a:extLst>
-              <a:ext uri="{FF2B5EF4-FFF2-40B4-BE49-F238E27FC236}">
-                <a16:creationId xmlns:a16="http://schemas.microsoft.com/office/drawing/2014/main" id="{AA59FFC5-6ABB-C4B6-6030-2AF211B03896}"/>
-              </a:ext>
-            </a:extLst>
-          </p:cNvPr>
-          <p:cNvSpPr/>
-          <p:nvPr/>
-        </p:nvSpPr>
-        <p:spPr>
-          <a:xfrm>
-            <a:off x="3869015" y="4240201"/>
-            <a:ext cx="1256792" cy="273141"/>
-          </a:xfrm>
-          <a:prstGeom prst="rect">
-            <a:avLst/>
-          </a:prstGeom>
-          <a:solidFill>
-            <a:srgbClr val="FFFF00"/>
-          </a:solidFill>
-          <a:ln>
-            <a:solidFill>
-              <a:schemeClr val="tx1"/>
-            </a:solidFill>
-          </a:ln>
-        </p:spPr>
-        <p:style>
-          <a:lnRef idx="2">
-            <a:schemeClr val="accent1">
-              <a:shade val="50000"/>
-            </a:schemeClr>
-          </a:lnRef>
-          <a:fillRef idx="1">
-            <a:schemeClr val="accent1"/>
-          </a:fillRef>
-          <a:effectRef idx="0">
-            <a:schemeClr val="accent1"/>
-          </a:effectRef>
-          <a:fontRef idx="minor">
-            <a:schemeClr val="lt1"/>
-          </a:fontRef>
-        </p:style>
-        <p:txBody>
-          <a:bodyPr rtlCol="0" anchor="ctr"/>
-          <a:lstStyle/>
-          <a:p>
-            <a:pPr algn="ctr"/>
-            <a:r>
-              <a:rPr lang="de-CH" sz="1000" b="1" dirty="0">
-                <a:solidFill>
-                  <a:schemeClr val="tx1"/>
-                </a:solidFill>
-                <a:latin typeface="Arial" panose="020B0604020202020204" pitchFamily="34" charset="0"/>
-                <a:cs typeface="Arial" panose="020B0604020202020204" pitchFamily="34" charset="0"/>
-              </a:rPr>
-              <a:t>Version_2 </a:t>
-            </a:r>
-          </a:p>
-        </p:txBody>
-      </p:sp>
-      <p:cxnSp>
-        <p:nvCxnSpPr>
-          <p:cNvPr id="50" name="Gerader Verbinder 49">
-            <a:extLst>
-              <a:ext uri="{FF2B5EF4-FFF2-40B4-BE49-F238E27FC236}">
-                <a16:creationId xmlns:a16="http://schemas.microsoft.com/office/drawing/2014/main" id="{4AC2F005-4A15-133F-192F-D76DCD9B3E55}"/>
-              </a:ext>
-            </a:extLst>
-          </p:cNvPr>
-          <p:cNvCxnSpPr>
-            <a:cxnSpLocks/>
-          </p:cNvCxnSpPr>
-          <p:nvPr/>
-        </p:nvCxnSpPr>
-        <p:spPr>
-          <a:xfrm>
-            <a:off x="3115827" y="4094407"/>
-            <a:ext cx="1484182" cy="6790"/>
-          </a:xfrm>
-          <a:prstGeom prst="line">
-            <a:avLst/>
-          </a:prstGeom>
-        </p:spPr>
-        <p:style>
-          <a:lnRef idx="1">
-            <a:schemeClr val="accent1"/>
-          </a:lnRef>
-          <a:fillRef idx="0">
-            <a:schemeClr val="accent1"/>
-          </a:fillRef>
-          <a:effectRef idx="0">
-            <a:schemeClr val="accent1"/>
-          </a:effectRef>
-          <a:fontRef idx="minor">
-            <a:schemeClr val="tx1"/>
-          </a:fontRef>
-        </p:style>
-      </p:cxnSp>
-      <p:cxnSp>
-        <p:nvCxnSpPr>
-          <p:cNvPr id="51" name="Gerader Verbinder 50">
-            <a:extLst>
-              <a:ext uri="{FF2B5EF4-FFF2-40B4-BE49-F238E27FC236}">
-                <a16:creationId xmlns:a16="http://schemas.microsoft.com/office/drawing/2014/main" id="{459180C8-B7E1-527B-DEC9-69490481F1EF}"/>
-              </a:ext>
-            </a:extLst>
-          </p:cNvPr>
-          <p:cNvCxnSpPr>
-            <a:cxnSpLocks/>
-          </p:cNvCxnSpPr>
-          <p:nvPr/>
-        </p:nvCxnSpPr>
-        <p:spPr>
-          <a:xfrm flipV="1">
-            <a:off x="4589584" y="4085095"/>
-            <a:ext cx="0" cy="166815"/>
-          </a:xfrm>
-          <a:prstGeom prst="line">
-            <a:avLst/>
-          </a:prstGeom>
-        </p:spPr>
-        <p:style>
-          <a:lnRef idx="1">
-            <a:schemeClr val="accent1"/>
-          </a:lnRef>
-          <a:fillRef idx="0">
-            <a:schemeClr val="accent1"/>
-          </a:fillRef>
-          <a:effectRef idx="0">
-            <a:schemeClr val="accent1"/>
-          </a:effectRef>
-          <a:fontRef idx="minor">
-            <a:schemeClr val="tx1"/>
-          </a:fontRef>
-        </p:style>
-      </p:cxnSp>
-      <p:cxnSp>
-        <p:nvCxnSpPr>
-          <p:cNvPr id="52" name="Gerader Verbinder 51">
-            <a:extLst>
-              <a:ext uri="{FF2B5EF4-FFF2-40B4-BE49-F238E27FC236}">
-                <a16:creationId xmlns:a16="http://schemas.microsoft.com/office/drawing/2014/main" id="{06145A17-4E68-6CBD-7262-D06EDB109817}"/>
-              </a:ext>
-            </a:extLst>
-          </p:cNvPr>
-          <p:cNvCxnSpPr>
-            <a:cxnSpLocks/>
-          </p:cNvCxnSpPr>
-          <p:nvPr/>
-        </p:nvCxnSpPr>
-        <p:spPr>
-          <a:xfrm flipV="1">
-            <a:off x="3141774" y="4071955"/>
-            <a:ext cx="0" cy="166815"/>
-          </a:xfrm>
-          <a:prstGeom prst="line">
-            <a:avLst/>
-          </a:prstGeom>
-        </p:spPr>
-        <p:style>
-          <a:lnRef idx="1">
-            <a:schemeClr val="accent1"/>
-          </a:lnRef>
-          <a:fillRef idx="0">
-            <a:schemeClr val="accent1"/>
-          </a:fillRef>
-          <a:effectRef idx="0">
-            <a:schemeClr val="accent1"/>
-          </a:effectRef>
-          <a:fontRef idx="minor">
-            <a:schemeClr val="tx1"/>
-          </a:fontRef>
-        </p:style>
-      </p:cxnSp>
-      <p:cxnSp>
-        <p:nvCxnSpPr>
-          <p:cNvPr id="53" name="Gerader Verbinder 52">
-            <a:extLst>
-              <a:ext uri="{FF2B5EF4-FFF2-40B4-BE49-F238E27FC236}">
-                <a16:creationId xmlns:a16="http://schemas.microsoft.com/office/drawing/2014/main" id="{644A4AD6-E92C-C9A4-8F8C-C8F65F23A6B2}"/>
-              </a:ext>
-            </a:extLst>
-          </p:cNvPr>
-          <p:cNvCxnSpPr>
-            <a:cxnSpLocks/>
-          </p:cNvCxnSpPr>
-          <p:nvPr/>
-        </p:nvCxnSpPr>
-        <p:spPr>
-          <a:xfrm flipV="1">
-            <a:off x="4395137" y="4521278"/>
-            <a:ext cx="0" cy="166815"/>
-          </a:xfrm>
-          <a:prstGeom prst="line">
-            <a:avLst/>
-          </a:prstGeom>
-        </p:spPr>
-        <p:style>
-          <a:lnRef idx="1">
-            <a:schemeClr val="accent1"/>
-          </a:lnRef>
-          <a:fillRef idx="0">
-            <a:schemeClr val="accent1"/>
-          </a:fillRef>
-          <a:effectRef idx="0">
-            <a:schemeClr val="accent1"/>
-          </a:effectRef>
-          <a:fontRef idx="minor">
-            <a:schemeClr val="tx1"/>
-          </a:fontRef>
-        </p:style>
-      </p:cxnSp>
-      <p:cxnSp>
-        <p:nvCxnSpPr>
-          <p:cNvPr id="54" name="Gerader Verbinder 53">
-            <a:extLst>
-              <a:ext uri="{FF2B5EF4-FFF2-40B4-BE49-F238E27FC236}">
-                <a16:creationId xmlns:a16="http://schemas.microsoft.com/office/drawing/2014/main" id="{2B7D40E7-AA9C-659B-4240-E4D700357E8C}"/>
-              </a:ext>
-            </a:extLst>
-          </p:cNvPr>
-          <p:cNvCxnSpPr>
-            <a:cxnSpLocks/>
-          </p:cNvCxnSpPr>
-          <p:nvPr/>
-        </p:nvCxnSpPr>
-        <p:spPr>
-          <a:xfrm flipV="1">
-            <a:off x="5990082" y="4716164"/>
-            <a:ext cx="0" cy="166815"/>
-          </a:xfrm>
-          <a:prstGeom prst="line">
-            <a:avLst/>
-          </a:prstGeom>
-        </p:spPr>
-        <p:style>
-          <a:lnRef idx="1">
-            <a:schemeClr val="accent1"/>
-          </a:lnRef>
-          <a:fillRef idx="0">
-            <a:schemeClr val="accent1"/>
-          </a:fillRef>
-          <a:effectRef idx="0">
-            <a:schemeClr val="accent1"/>
-          </a:effectRef>
-          <a:fontRef idx="minor">
-            <a:schemeClr val="tx1"/>
-          </a:fontRef>
-        </p:style>
-      </p:cxnSp>
-      <p:cxnSp>
-        <p:nvCxnSpPr>
-          <p:cNvPr id="55" name="Gerader Verbinder 54">
-            <a:extLst>
-              <a:ext uri="{FF2B5EF4-FFF2-40B4-BE49-F238E27FC236}">
-                <a16:creationId xmlns:a16="http://schemas.microsoft.com/office/drawing/2014/main" id="{9F315EFE-7875-7C53-347A-CB58BED0F9CB}"/>
-              </a:ext>
-            </a:extLst>
-          </p:cNvPr>
-          <p:cNvCxnSpPr>
-            <a:cxnSpLocks/>
-          </p:cNvCxnSpPr>
-          <p:nvPr/>
-        </p:nvCxnSpPr>
-        <p:spPr>
-          <a:xfrm flipV="1">
-            <a:off x="6502461" y="4716164"/>
-            <a:ext cx="0" cy="166815"/>
-          </a:xfrm>
-          <a:prstGeom prst="line">
-            <a:avLst/>
-          </a:prstGeom>
-        </p:spPr>
-        <p:style>
-          <a:lnRef idx="1">
-            <a:schemeClr val="accent1"/>
-          </a:lnRef>
-          <a:fillRef idx="0">
-            <a:schemeClr val="accent1"/>
-          </a:fillRef>
-          <a:effectRef idx="0">
-            <a:schemeClr val="accent1"/>
-          </a:effectRef>
-          <a:fontRef idx="minor">
-            <a:schemeClr val="tx1"/>
-          </a:fontRef>
-        </p:style>
-      </p:cxnSp>
+              <a:t>Konzert_03.xml</a:t>
+            </a:r>
+          </a:p>
+        </p:txBody>
+      </p:sp>
     </p:spTree>
     <p:extLst>
       <p:ext uri="{BB962C8B-B14F-4D97-AF65-F5344CB8AC3E}">
@@ -5300,6 +5367,943 @@
           <a:chExt cx="0" cy="0"/>
         </a:xfrm>
       </p:grpSpPr>
+      <p:cxnSp>
+        <p:nvCxnSpPr>
+          <p:cNvPr id="33" name="Gerader Verbinder 32">
+            <a:extLst>
+              <a:ext uri="{FF2B5EF4-FFF2-40B4-BE49-F238E27FC236}">
+                <a16:creationId xmlns:a16="http://schemas.microsoft.com/office/drawing/2014/main" id="{597C415C-8451-46A5-ED1B-E4B0BE54CB7B}"/>
+              </a:ext>
+            </a:extLst>
+          </p:cNvPr>
+          <p:cNvCxnSpPr>
+            <a:cxnSpLocks/>
+          </p:cNvCxnSpPr>
+          <p:nvPr/>
+        </p:nvCxnSpPr>
+        <p:spPr>
+          <a:xfrm flipV="1">
+            <a:off x="3870434" y="1572648"/>
+            <a:ext cx="0" cy="166815"/>
+          </a:xfrm>
+          <a:prstGeom prst="line">
+            <a:avLst/>
+          </a:prstGeom>
+        </p:spPr>
+        <p:style>
+          <a:lnRef idx="1">
+            <a:schemeClr val="accent1"/>
+          </a:lnRef>
+          <a:fillRef idx="0">
+            <a:schemeClr val="accent1"/>
+          </a:fillRef>
+          <a:effectRef idx="0">
+            <a:schemeClr val="accent1"/>
+          </a:effectRef>
+          <a:fontRef idx="minor">
+            <a:schemeClr val="tx1"/>
+          </a:fontRef>
+        </p:style>
+      </p:cxnSp>
+      <p:cxnSp>
+        <p:nvCxnSpPr>
+          <p:cNvPr id="34" name="Gerader Verbinder 33">
+            <a:extLst>
+              <a:ext uri="{FF2B5EF4-FFF2-40B4-BE49-F238E27FC236}">
+                <a16:creationId xmlns:a16="http://schemas.microsoft.com/office/drawing/2014/main" id="{6D450FB2-3A4E-6846-5FE5-A522AF2B2F04}"/>
+              </a:ext>
+            </a:extLst>
+          </p:cNvPr>
+          <p:cNvCxnSpPr>
+            <a:cxnSpLocks/>
+          </p:cNvCxnSpPr>
+          <p:nvPr/>
+        </p:nvCxnSpPr>
+        <p:spPr>
+          <a:xfrm flipV="1">
+            <a:off x="1785033" y="2360211"/>
+            <a:ext cx="0" cy="166815"/>
+          </a:xfrm>
+          <a:prstGeom prst="line">
+            <a:avLst/>
+          </a:prstGeom>
+        </p:spPr>
+        <p:style>
+          <a:lnRef idx="1">
+            <a:schemeClr val="accent1"/>
+          </a:lnRef>
+          <a:fillRef idx="0">
+            <a:schemeClr val="accent1"/>
+          </a:fillRef>
+          <a:effectRef idx="0">
+            <a:schemeClr val="accent1"/>
+          </a:effectRef>
+          <a:fontRef idx="minor">
+            <a:schemeClr val="tx1"/>
+          </a:fontRef>
+        </p:style>
+      </p:cxnSp>
+      <p:cxnSp>
+        <p:nvCxnSpPr>
+          <p:cNvPr id="35" name="Gerader Verbinder 34">
+            <a:extLst>
+              <a:ext uri="{FF2B5EF4-FFF2-40B4-BE49-F238E27FC236}">
+                <a16:creationId xmlns:a16="http://schemas.microsoft.com/office/drawing/2014/main" id="{D6D53E08-4A06-206C-72B8-69D0633BD311}"/>
+              </a:ext>
+            </a:extLst>
+          </p:cNvPr>
+          <p:cNvCxnSpPr>
+            <a:cxnSpLocks/>
+          </p:cNvCxnSpPr>
+          <p:nvPr/>
+        </p:nvCxnSpPr>
+        <p:spPr>
+          <a:xfrm>
+            <a:off x="1780049" y="2359905"/>
+            <a:ext cx="5109482" cy="10627"/>
+          </a:xfrm>
+          <a:prstGeom prst="line">
+            <a:avLst/>
+          </a:prstGeom>
+        </p:spPr>
+        <p:style>
+          <a:lnRef idx="1">
+            <a:schemeClr val="accent1"/>
+          </a:lnRef>
+          <a:fillRef idx="0">
+            <a:schemeClr val="accent1"/>
+          </a:fillRef>
+          <a:effectRef idx="0">
+            <a:schemeClr val="accent1"/>
+          </a:effectRef>
+          <a:fontRef idx="minor">
+            <a:schemeClr val="tx1"/>
+          </a:fontRef>
+        </p:style>
+      </p:cxnSp>
+      <p:sp>
+        <p:nvSpPr>
+          <p:cNvPr id="36" name="Rechteck 35">
+            <a:extLst>
+              <a:ext uri="{FF2B5EF4-FFF2-40B4-BE49-F238E27FC236}">
+                <a16:creationId xmlns:a16="http://schemas.microsoft.com/office/drawing/2014/main" id="{756D22FF-E6E4-B168-A521-F6326B757BBA}"/>
+              </a:ext>
+            </a:extLst>
+          </p:cNvPr>
+          <p:cNvSpPr/>
+          <p:nvPr/>
+        </p:nvSpPr>
+        <p:spPr>
+          <a:xfrm>
+            <a:off x="4198357" y="2537347"/>
+            <a:ext cx="798492" cy="273141"/>
+          </a:xfrm>
+          <a:prstGeom prst="rect">
+            <a:avLst/>
+          </a:prstGeom>
+          <a:solidFill>
+            <a:srgbClr val="FFFF00"/>
+          </a:solidFill>
+          <a:ln>
+            <a:solidFill>
+              <a:schemeClr val="tx1"/>
+            </a:solidFill>
+          </a:ln>
+        </p:spPr>
+        <p:style>
+          <a:lnRef idx="2">
+            <a:schemeClr val="accent1">
+              <a:shade val="50000"/>
+            </a:schemeClr>
+          </a:lnRef>
+          <a:fillRef idx="1">
+            <a:schemeClr val="accent1"/>
+          </a:fillRef>
+          <a:effectRef idx="0">
+            <a:schemeClr val="accent1"/>
+          </a:effectRef>
+          <a:fontRef idx="minor">
+            <a:schemeClr val="lt1"/>
+          </a:fontRef>
+        </p:style>
+        <p:txBody>
+          <a:bodyPr rtlCol="0" anchor="ctr"/>
+          <a:lstStyle/>
+          <a:p>
+            <a:pPr algn="ctr"/>
+            <a:r>
+              <a:rPr lang="de-CH" sz="1000" b="1" dirty="0">
+                <a:solidFill>
+                  <a:schemeClr val="tx1"/>
+                </a:solidFill>
+                <a:latin typeface="Arial" panose="020B0604020202020204" pitchFamily="34" charset="0"/>
+                <a:cs typeface="Arial" panose="020B0604020202020204" pitchFamily="34" charset="0"/>
+              </a:rPr>
+              <a:t>Styles</a:t>
+            </a:r>
+          </a:p>
+        </p:txBody>
+      </p:sp>
+      <p:sp>
+        <p:nvSpPr>
+          <p:cNvPr id="37" name="Rechteck 36">
+            <a:extLst>
+              <a:ext uri="{FF2B5EF4-FFF2-40B4-BE49-F238E27FC236}">
+                <a16:creationId xmlns:a16="http://schemas.microsoft.com/office/drawing/2014/main" id="{0AE5FA34-AAD9-CCAB-8333-F3AA5DCEA76F}"/>
+              </a:ext>
+            </a:extLst>
+          </p:cNvPr>
+          <p:cNvSpPr/>
+          <p:nvPr/>
+        </p:nvSpPr>
+        <p:spPr>
+          <a:xfrm>
+            <a:off x="3248622" y="1299506"/>
+            <a:ext cx="1256792" cy="273141"/>
+          </a:xfrm>
+          <a:prstGeom prst="rect">
+            <a:avLst/>
+          </a:prstGeom>
+          <a:solidFill>
+            <a:srgbClr val="FFFF00"/>
+          </a:solidFill>
+          <a:ln>
+            <a:solidFill>
+              <a:schemeClr val="tx1"/>
+            </a:solidFill>
+          </a:ln>
+        </p:spPr>
+        <p:style>
+          <a:lnRef idx="2">
+            <a:schemeClr val="accent1">
+              <a:shade val="50000"/>
+            </a:schemeClr>
+          </a:lnRef>
+          <a:fillRef idx="1">
+            <a:schemeClr val="accent1"/>
+          </a:fillRef>
+          <a:effectRef idx="0">
+            <a:schemeClr val="accent1"/>
+          </a:effectRef>
+          <a:fontRef idx="minor">
+            <a:schemeClr val="lt1"/>
+          </a:fontRef>
+        </p:style>
+        <p:txBody>
+          <a:bodyPr rtlCol="0" anchor="ctr"/>
+          <a:lstStyle/>
+          <a:p>
+            <a:pPr algn="ctr"/>
+            <a:r>
+              <a:rPr lang="de-CH" sz="1000" b="1" dirty="0" err="1">
+                <a:solidFill>
+                  <a:schemeClr val="tx1"/>
+                </a:solidFill>
+                <a:latin typeface="Arial" panose="020B0604020202020204" pitchFamily="34" charset="0"/>
+                <a:cs typeface="Arial" panose="020B0604020202020204" pitchFamily="34" charset="0"/>
+              </a:rPr>
+              <a:t>Guestbook</a:t>
+            </a:r>
+            <a:r>
+              <a:rPr lang="de-CH" sz="1000" b="1" dirty="0">
+                <a:solidFill>
+                  <a:schemeClr val="tx1"/>
+                </a:solidFill>
+                <a:latin typeface="Arial" panose="020B0604020202020204" pitchFamily="34" charset="0"/>
+                <a:cs typeface="Arial" panose="020B0604020202020204" pitchFamily="34" charset="0"/>
+              </a:rPr>
+              <a:t> </a:t>
+            </a:r>
+          </a:p>
+        </p:txBody>
+      </p:sp>
+      <p:sp>
+        <p:nvSpPr>
+          <p:cNvPr id="38" name="Flussdiagramm: Karte 37">
+            <a:extLst>
+              <a:ext uri="{FF2B5EF4-FFF2-40B4-BE49-F238E27FC236}">
+                <a16:creationId xmlns:a16="http://schemas.microsoft.com/office/drawing/2014/main" id="{9D5883C6-94F5-03FC-B663-0BBC4F68972B}"/>
+              </a:ext>
+            </a:extLst>
+          </p:cNvPr>
+          <p:cNvSpPr/>
+          <p:nvPr/>
+        </p:nvSpPr>
+        <p:spPr>
+          <a:xfrm>
+            <a:off x="937124" y="2531911"/>
+            <a:ext cx="1602804" cy="296211"/>
+          </a:xfrm>
+          <a:prstGeom prst="flowChartPunchedCard">
+            <a:avLst/>
+          </a:prstGeom>
+          <a:solidFill>
+            <a:srgbClr val="FFFF00"/>
+          </a:solidFill>
+          <a:ln>
+            <a:solidFill>
+              <a:schemeClr val="tx1"/>
+            </a:solidFill>
+          </a:ln>
+        </p:spPr>
+        <p:style>
+          <a:lnRef idx="2">
+            <a:schemeClr val="accent1">
+              <a:shade val="50000"/>
+            </a:schemeClr>
+          </a:lnRef>
+          <a:fillRef idx="1">
+            <a:schemeClr val="accent1"/>
+          </a:fillRef>
+          <a:effectRef idx="0">
+            <a:schemeClr val="accent1"/>
+          </a:effectRef>
+          <a:fontRef idx="minor">
+            <a:schemeClr val="lt1"/>
+          </a:fontRef>
+        </p:style>
+        <p:txBody>
+          <a:bodyPr rtlCol="0" anchor="ctr"/>
+          <a:lstStyle/>
+          <a:p>
+            <a:pPr algn="ctr"/>
+            <a:r>
+              <a:rPr lang="de-CH" sz="1000" b="1" dirty="0">
+                <a:solidFill>
+                  <a:schemeClr val="tx1"/>
+                </a:solidFill>
+                <a:latin typeface="Arial" panose="020B0604020202020204" pitchFamily="34" charset="0"/>
+                <a:cs typeface="Arial" panose="020B0604020202020204" pitchFamily="34" charset="0"/>
+              </a:rPr>
+              <a:t>GuestbookUpload.htm</a:t>
+            </a:r>
+          </a:p>
+        </p:txBody>
+      </p:sp>
+      <p:sp>
+        <p:nvSpPr>
+          <p:cNvPr id="39" name="Rechteck 38">
+            <a:extLst>
+              <a:ext uri="{FF2B5EF4-FFF2-40B4-BE49-F238E27FC236}">
+                <a16:creationId xmlns:a16="http://schemas.microsoft.com/office/drawing/2014/main" id="{36B0ECF1-304E-6207-17BD-0CD69CE22F8F}"/>
+              </a:ext>
+            </a:extLst>
+          </p:cNvPr>
+          <p:cNvSpPr/>
+          <p:nvPr/>
+        </p:nvSpPr>
+        <p:spPr>
+          <a:xfrm>
+            <a:off x="5083251" y="2543486"/>
+            <a:ext cx="639615" cy="273141"/>
+          </a:xfrm>
+          <a:prstGeom prst="rect">
+            <a:avLst/>
+          </a:prstGeom>
+          <a:solidFill>
+            <a:srgbClr val="FFFF00"/>
+          </a:solidFill>
+          <a:ln>
+            <a:solidFill>
+              <a:schemeClr val="tx1"/>
+            </a:solidFill>
+          </a:ln>
+        </p:spPr>
+        <p:style>
+          <a:lnRef idx="2">
+            <a:schemeClr val="accent1">
+              <a:shade val="50000"/>
+            </a:schemeClr>
+          </a:lnRef>
+          <a:fillRef idx="1">
+            <a:schemeClr val="accent1"/>
+          </a:fillRef>
+          <a:effectRef idx="0">
+            <a:schemeClr val="accent1"/>
+          </a:effectRef>
+          <a:fontRef idx="minor">
+            <a:schemeClr val="lt1"/>
+          </a:fontRef>
+        </p:style>
+        <p:txBody>
+          <a:bodyPr rtlCol="0" anchor="ctr"/>
+          <a:lstStyle/>
+          <a:p>
+            <a:pPr algn="ctr"/>
+            <a:r>
+              <a:rPr lang="de-CH" sz="1000" b="1" dirty="0">
+                <a:solidFill>
+                  <a:schemeClr val="tx1"/>
+                </a:solidFill>
+                <a:latin typeface="Arial" panose="020B0604020202020204" pitchFamily="34" charset="0"/>
+                <a:cs typeface="Arial" panose="020B0604020202020204" pitchFamily="34" charset="0"/>
+              </a:rPr>
+              <a:t>Scripts</a:t>
+            </a:r>
+          </a:p>
+        </p:txBody>
+      </p:sp>
+      <p:cxnSp>
+        <p:nvCxnSpPr>
+          <p:cNvPr id="40" name="Gerader Verbinder 39">
+            <a:extLst>
+              <a:ext uri="{FF2B5EF4-FFF2-40B4-BE49-F238E27FC236}">
+                <a16:creationId xmlns:a16="http://schemas.microsoft.com/office/drawing/2014/main" id="{347AEC8D-0677-6C46-CA8A-A7BCA61D56EA}"/>
+              </a:ext>
+            </a:extLst>
+          </p:cNvPr>
+          <p:cNvCxnSpPr>
+            <a:cxnSpLocks/>
+          </p:cNvCxnSpPr>
+          <p:nvPr/>
+        </p:nvCxnSpPr>
+        <p:spPr>
+          <a:xfrm flipV="1">
+            <a:off x="3413081" y="2359147"/>
+            <a:ext cx="0" cy="166815"/>
+          </a:xfrm>
+          <a:prstGeom prst="line">
+            <a:avLst/>
+          </a:prstGeom>
+        </p:spPr>
+        <p:style>
+          <a:lnRef idx="1">
+            <a:schemeClr val="accent1"/>
+          </a:lnRef>
+          <a:fillRef idx="0">
+            <a:schemeClr val="accent1"/>
+          </a:fillRef>
+          <a:effectRef idx="0">
+            <a:schemeClr val="accent1"/>
+          </a:effectRef>
+          <a:fontRef idx="minor">
+            <a:schemeClr val="tx1"/>
+          </a:fontRef>
+        </p:style>
+      </p:cxnSp>
+      <p:cxnSp>
+        <p:nvCxnSpPr>
+          <p:cNvPr id="41" name="Gerader Verbinder 40">
+            <a:extLst>
+              <a:ext uri="{FF2B5EF4-FFF2-40B4-BE49-F238E27FC236}">
+                <a16:creationId xmlns:a16="http://schemas.microsoft.com/office/drawing/2014/main" id="{38AAAC68-2551-0125-42EE-550FB63F7505}"/>
+              </a:ext>
+            </a:extLst>
+          </p:cNvPr>
+          <p:cNvCxnSpPr>
+            <a:cxnSpLocks/>
+          </p:cNvCxnSpPr>
+          <p:nvPr/>
+        </p:nvCxnSpPr>
+        <p:spPr>
+          <a:xfrm flipV="1">
+            <a:off x="4605273" y="2353088"/>
+            <a:ext cx="0" cy="166815"/>
+          </a:xfrm>
+          <a:prstGeom prst="line">
+            <a:avLst/>
+          </a:prstGeom>
+        </p:spPr>
+        <p:style>
+          <a:lnRef idx="1">
+            <a:schemeClr val="accent1"/>
+          </a:lnRef>
+          <a:fillRef idx="0">
+            <a:schemeClr val="accent1"/>
+          </a:fillRef>
+          <a:effectRef idx="0">
+            <a:schemeClr val="accent1"/>
+          </a:effectRef>
+          <a:fontRef idx="minor">
+            <a:schemeClr val="tx1"/>
+          </a:fontRef>
+        </p:style>
+      </p:cxnSp>
+      <p:cxnSp>
+        <p:nvCxnSpPr>
+          <p:cNvPr id="42" name="Gerader Verbinder 41">
+            <a:extLst>
+              <a:ext uri="{FF2B5EF4-FFF2-40B4-BE49-F238E27FC236}">
+                <a16:creationId xmlns:a16="http://schemas.microsoft.com/office/drawing/2014/main" id="{344C73F8-833B-4CE4-7725-99584EDC6AF7}"/>
+              </a:ext>
+            </a:extLst>
+          </p:cNvPr>
+          <p:cNvCxnSpPr>
+            <a:cxnSpLocks/>
+          </p:cNvCxnSpPr>
+          <p:nvPr/>
+        </p:nvCxnSpPr>
+        <p:spPr>
+          <a:xfrm flipV="1">
+            <a:off x="5422523" y="2360226"/>
+            <a:ext cx="0" cy="166815"/>
+          </a:xfrm>
+          <a:prstGeom prst="line">
+            <a:avLst/>
+          </a:prstGeom>
+        </p:spPr>
+        <p:style>
+          <a:lnRef idx="1">
+            <a:schemeClr val="accent1"/>
+          </a:lnRef>
+          <a:fillRef idx="0">
+            <a:schemeClr val="accent1"/>
+          </a:fillRef>
+          <a:effectRef idx="0">
+            <a:schemeClr val="accent1"/>
+          </a:effectRef>
+          <a:fontRef idx="minor">
+            <a:schemeClr val="tx1"/>
+          </a:fontRef>
+        </p:style>
+      </p:cxnSp>
+      <p:sp>
+        <p:nvSpPr>
+          <p:cNvPr id="44" name="Flussdiagramm: Karte 43">
+            <a:extLst>
+              <a:ext uri="{FF2B5EF4-FFF2-40B4-BE49-F238E27FC236}">
+                <a16:creationId xmlns:a16="http://schemas.microsoft.com/office/drawing/2014/main" id="{694B3935-953F-8AE0-4B68-64441F150C91}"/>
+              </a:ext>
+            </a:extLst>
+          </p:cNvPr>
+          <p:cNvSpPr/>
+          <p:nvPr/>
+        </p:nvSpPr>
+        <p:spPr>
+          <a:xfrm>
+            <a:off x="2615363" y="2531911"/>
+            <a:ext cx="1533807" cy="296211"/>
+          </a:xfrm>
+          <a:prstGeom prst="flowChartPunchedCard">
+            <a:avLst/>
+          </a:prstGeom>
+          <a:solidFill>
+            <a:srgbClr val="FFFF00"/>
+          </a:solidFill>
+          <a:ln>
+            <a:solidFill>
+              <a:schemeClr val="tx1"/>
+            </a:solidFill>
+          </a:ln>
+        </p:spPr>
+        <p:style>
+          <a:lnRef idx="2">
+            <a:schemeClr val="accent1">
+              <a:shade val="50000"/>
+            </a:schemeClr>
+          </a:lnRef>
+          <a:fillRef idx="1">
+            <a:schemeClr val="accent1"/>
+          </a:fillRef>
+          <a:effectRef idx="0">
+            <a:schemeClr val="accent1"/>
+          </a:effectRef>
+          <a:fontRef idx="minor">
+            <a:schemeClr val="lt1"/>
+          </a:fontRef>
+        </p:style>
+        <p:txBody>
+          <a:bodyPr rtlCol="0" anchor="ctr"/>
+          <a:lstStyle/>
+          <a:p>
+            <a:pPr algn="ctr"/>
+            <a:r>
+              <a:rPr lang="de-CH" sz="1000" b="1" dirty="0">
+                <a:solidFill>
+                  <a:schemeClr val="tx1"/>
+                </a:solidFill>
+                <a:latin typeface="Arial" panose="020B0604020202020204" pitchFamily="34" charset="0"/>
+                <a:cs typeface="Arial" panose="020B0604020202020204" pitchFamily="34" charset="0"/>
+              </a:rPr>
+              <a:t>GuestbookAdmin.htm</a:t>
+            </a:r>
+          </a:p>
+        </p:txBody>
+      </p:sp>
+      <p:sp>
+        <p:nvSpPr>
+          <p:cNvPr id="48" name="Rechteck 47">
+            <a:extLst>
+              <a:ext uri="{FF2B5EF4-FFF2-40B4-BE49-F238E27FC236}">
+                <a16:creationId xmlns:a16="http://schemas.microsoft.com/office/drawing/2014/main" id="{08BD451B-7291-B22D-1466-2DFC968C8361}"/>
+              </a:ext>
+            </a:extLst>
+          </p:cNvPr>
+          <p:cNvSpPr/>
+          <p:nvPr/>
+        </p:nvSpPr>
+        <p:spPr>
+          <a:xfrm>
+            <a:off x="2487431" y="1894570"/>
+            <a:ext cx="1256792" cy="273141"/>
+          </a:xfrm>
+          <a:prstGeom prst="rect">
+            <a:avLst/>
+          </a:prstGeom>
+          <a:solidFill>
+            <a:srgbClr val="FFFF00"/>
+          </a:solidFill>
+          <a:ln>
+            <a:solidFill>
+              <a:schemeClr val="tx1"/>
+            </a:solidFill>
+          </a:ln>
+        </p:spPr>
+        <p:style>
+          <a:lnRef idx="2">
+            <a:schemeClr val="accent1">
+              <a:shade val="50000"/>
+            </a:schemeClr>
+          </a:lnRef>
+          <a:fillRef idx="1">
+            <a:schemeClr val="accent1"/>
+          </a:fillRef>
+          <a:effectRef idx="0">
+            <a:schemeClr val="accent1"/>
+          </a:effectRef>
+          <a:fontRef idx="minor">
+            <a:schemeClr val="lt1"/>
+          </a:fontRef>
+        </p:style>
+        <p:txBody>
+          <a:bodyPr rtlCol="0" anchor="ctr"/>
+          <a:lstStyle/>
+          <a:p>
+            <a:pPr algn="ctr"/>
+            <a:r>
+              <a:rPr lang="de-CH" sz="1000" b="1" dirty="0">
+                <a:solidFill>
+                  <a:schemeClr val="tx1"/>
+                </a:solidFill>
+                <a:latin typeface="Arial" panose="020B0604020202020204" pitchFamily="34" charset="0"/>
+                <a:cs typeface="Arial" panose="020B0604020202020204" pitchFamily="34" charset="0"/>
+              </a:rPr>
+              <a:t>Version_1 </a:t>
+            </a:r>
+          </a:p>
+        </p:txBody>
+      </p:sp>
+      <p:sp>
+        <p:nvSpPr>
+          <p:cNvPr id="49" name="Rechteck 48">
+            <a:extLst>
+              <a:ext uri="{FF2B5EF4-FFF2-40B4-BE49-F238E27FC236}">
+                <a16:creationId xmlns:a16="http://schemas.microsoft.com/office/drawing/2014/main" id="{AA59FFC5-6ABB-C4B6-6030-2AF211B03896}"/>
+              </a:ext>
+            </a:extLst>
+          </p:cNvPr>
+          <p:cNvSpPr/>
+          <p:nvPr/>
+        </p:nvSpPr>
+        <p:spPr>
+          <a:xfrm>
+            <a:off x="3869015" y="1894569"/>
+            <a:ext cx="1256792" cy="273141"/>
+          </a:xfrm>
+          <a:prstGeom prst="rect">
+            <a:avLst/>
+          </a:prstGeom>
+          <a:solidFill>
+            <a:srgbClr val="FFFF00"/>
+          </a:solidFill>
+          <a:ln>
+            <a:solidFill>
+              <a:schemeClr val="tx1"/>
+            </a:solidFill>
+          </a:ln>
+        </p:spPr>
+        <p:style>
+          <a:lnRef idx="2">
+            <a:schemeClr val="accent1">
+              <a:shade val="50000"/>
+            </a:schemeClr>
+          </a:lnRef>
+          <a:fillRef idx="1">
+            <a:schemeClr val="accent1"/>
+          </a:fillRef>
+          <a:effectRef idx="0">
+            <a:schemeClr val="accent1"/>
+          </a:effectRef>
+          <a:fontRef idx="minor">
+            <a:schemeClr val="lt1"/>
+          </a:fontRef>
+        </p:style>
+        <p:txBody>
+          <a:bodyPr rtlCol="0" anchor="ctr"/>
+          <a:lstStyle/>
+          <a:p>
+            <a:pPr algn="ctr"/>
+            <a:r>
+              <a:rPr lang="de-CH" sz="1000" b="1" dirty="0">
+                <a:solidFill>
+                  <a:schemeClr val="tx1"/>
+                </a:solidFill>
+                <a:latin typeface="Arial" panose="020B0604020202020204" pitchFamily="34" charset="0"/>
+                <a:cs typeface="Arial" panose="020B0604020202020204" pitchFamily="34" charset="0"/>
+              </a:rPr>
+              <a:t>Version_2 </a:t>
+            </a:r>
+          </a:p>
+        </p:txBody>
+      </p:sp>
+      <p:cxnSp>
+        <p:nvCxnSpPr>
+          <p:cNvPr id="50" name="Gerader Verbinder 49">
+            <a:extLst>
+              <a:ext uri="{FF2B5EF4-FFF2-40B4-BE49-F238E27FC236}">
+                <a16:creationId xmlns:a16="http://schemas.microsoft.com/office/drawing/2014/main" id="{4AC2F005-4A15-133F-192F-D76DCD9B3E55}"/>
+              </a:ext>
+            </a:extLst>
+          </p:cNvPr>
+          <p:cNvCxnSpPr>
+            <a:cxnSpLocks/>
+          </p:cNvCxnSpPr>
+          <p:nvPr/>
+        </p:nvCxnSpPr>
+        <p:spPr>
+          <a:xfrm>
+            <a:off x="3115827" y="1748775"/>
+            <a:ext cx="1484182" cy="6790"/>
+          </a:xfrm>
+          <a:prstGeom prst="line">
+            <a:avLst/>
+          </a:prstGeom>
+        </p:spPr>
+        <p:style>
+          <a:lnRef idx="1">
+            <a:schemeClr val="accent1"/>
+          </a:lnRef>
+          <a:fillRef idx="0">
+            <a:schemeClr val="accent1"/>
+          </a:fillRef>
+          <a:effectRef idx="0">
+            <a:schemeClr val="accent1"/>
+          </a:effectRef>
+          <a:fontRef idx="minor">
+            <a:schemeClr val="tx1"/>
+          </a:fontRef>
+        </p:style>
+      </p:cxnSp>
+      <p:cxnSp>
+        <p:nvCxnSpPr>
+          <p:cNvPr id="51" name="Gerader Verbinder 50">
+            <a:extLst>
+              <a:ext uri="{FF2B5EF4-FFF2-40B4-BE49-F238E27FC236}">
+                <a16:creationId xmlns:a16="http://schemas.microsoft.com/office/drawing/2014/main" id="{459180C8-B7E1-527B-DEC9-69490481F1EF}"/>
+              </a:ext>
+            </a:extLst>
+          </p:cNvPr>
+          <p:cNvCxnSpPr>
+            <a:cxnSpLocks/>
+          </p:cNvCxnSpPr>
+          <p:nvPr/>
+        </p:nvCxnSpPr>
+        <p:spPr>
+          <a:xfrm flipV="1">
+            <a:off x="4589584" y="1739463"/>
+            <a:ext cx="0" cy="166815"/>
+          </a:xfrm>
+          <a:prstGeom prst="line">
+            <a:avLst/>
+          </a:prstGeom>
+        </p:spPr>
+        <p:style>
+          <a:lnRef idx="1">
+            <a:schemeClr val="accent1"/>
+          </a:lnRef>
+          <a:fillRef idx="0">
+            <a:schemeClr val="accent1"/>
+          </a:fillRef>
+          <a:effectRef idx="0">
+            <a:schemeClr val="accent1"/>
+          </a:effectRef>
+          <a:fontRef idx="minor">
+            <a:schemeClr val="tx1"/>
+          </a:fontRef>
+        </p:style>
+      </p:cxnSp>
+      <p:cxnSp>
+        <p:nvCxnSpPr>
+          <p:cNvPr id="52" name="Gerader Verbinder 51">
+            <a:extLst>
+              <a:ext uri="{FF2B5EF4-FFF2-40B4-BE49-F238E27FC236}">
+                <a16:creationId xmlns:a16="http://schemas.microsoft.com/office/drawing/2014/main" id="{06145A17-4E68-6CBD-7262-D06EDB109817}"/>
+              </a:ext>
+            </a:extLst>
+          </p:cNvPr>
+          <p:cNvCxnSpPr>
+            <a:cxnSpLocks/>
+          </p:cNvCxnSpPr>
+          <p:nvPr/>
+        </p:nvCxnSpPr>
+        <p:spPr>
+          <a:xfrm flipV="1">
+            <a:off x="3141774" y="1726323"/>
+            <a:ext cx="0" cy="166815"/>
+          </a:xfrm>
+          <a:prstGeom prst="line">
+            <a:avLst/>
+          </a:prstGeom>
+        </p:spPr>
+        <p:style>
+          <a:lnRef idx="1">
+            <a:schemeClr val="accent1"/>
+          </a:lnRef>
+          <a:fillRef idx="0">
+            <a:schemeClr val="accent1"/>
+          </a:fillRef>
+          <a:effectRef idx="0">
+            <a:schemeClr val="accent1"/>
+          </a:effectRef>
+          <a:fontRef idx="minor">
+            <a:schemeClr val="tx1"/>
+          </a:fontRef>
+        </p:style>
+      </p:cxnSp>
+      <p:cxnSp>
+        <p:nvCxnSpPr>
+          <p:cNvPr id="53" name="Gerader Verbinder 52">
+            <a:extLst>
+              <a:ext uri="{FF2B5EF4-FFF2-40B4-BE49-F238E27FC236}">
+                <a16:creationId xmlns:a16="http://schemas.microsoft.com/office/drawing/2014/main" id="{644A4AD6-E92C-C9A4-8F8C-C8F65F23A6B2}"/>
+              </a:ext>
+            </a:extLst>
+          </p:cNvPr>
+          <p:cNvCxnSpPr>
+            <a:cxnSpLocks/>
+          </p:cNvCxnSpPr>
+          <p:nvPr/>
+        </p:nvCxnSpPr>
+        <p:spPr>
+          <a:xfrm flipV="1">
+            <a:off x="4395137" y="2175646"/>
+            <a:ext cx="0" cy="166815"/>
+          </a:xfrm>
+          <a:prstGeom prst="line">
+            <a:avLst/>
+          </a:prstGeom>
+        </p:spPr>
+        <p:style>
+          <a:lnRef idx="1">
+            <a:schemeClr val="accent1"/>
+          </a:lnRef>
+          <a:fillRef idx="0">
+            <a:schemeClr val="accent1"/>
+          </a:fillRef>
+          <a:effectRef idx="0">
+            <a:schemeClr val="accent1"/>
+          </a:effectRef>
+          <a:fontRef idx="minor">
+            <a:schemeClr val="tx1"/>
+          </a:fontRef>
+        </p:style>
+      </p:cxnSp>
+      <p:cxnSp>
+        <p:nvCxnSpPr>
+          <p:cNvPr id="54" name="Gerader Verbinder 53">
+            <a:extLst>
+              <a:ext uri="{FF2B5EF4-FFF2-40B4-BE49-F238E27FC236}">
+                <a16:creationId xmlns:a16="http://schemas.microsoft.com/office/drawing/2014/main" id="{2B7D40E7-AA9C-659B-4240-E4D700357E8C}"/>
+              </a:ext>
+            </a:extLst>
+          </p:cNvPr>
+          <p:cNvCxnSpPr>
+            <a:cxnSpLocks/>
+          </p:cNvCxnSpPr>
+          <p:nvPr/>
+        </p:nvCxnSpPr>
+        <p:spPr>
+          <a:xfrm flipV="1">
+            <a:off x="5990082" y="2370532"/>
+            <a:ext cx="0" cy="166815"/>
+          </a:xfrm>
+          <a:prstGeom prst="line">
+            <a:avLst/>
+          </a:prstGeom>
+        </p:spPr>
+        <p:style>
+          <a:lnRef idx="1">
+            <a:schemeClr val="accent1"/>
+          </a:lnRef>
+          <a:fillRef idx="0">
+            <a:schemeClr val="accent1"/>
+          </a:fillRef>
+          <a:effectRef idx="0">
+            <a:schemeClr val="accent1"/>
+          </a:effectRef>
+          <a:fontRef idx="minor">
+            <a:schemeClr val="tx1"/>
+          </a:fontRef>
+        </p:style>
+      </p:cxnSp>
+      <p:cxnSp>
+        <p:nvCxnSpPr>
+          <p:cNvPr id="55" name="Gerader Verbinder 54">
+            <a:extLst>
+              <a:ext uri="{FF2B5EF4-FFF2-40B4-BE49-F238E27FC236}">
+                <a16:creationId xmlns:a16="http://schemas.microsoft.com/office/drawing/2014/main" id="{9F315EFE-7875-7C53-347A-CB58BED0F9CB}"/>
+              </a:ext>
+            </a:extLst>
+          </p:cNvPr>
+          <p:cNvCxnSpPr>
+            <a:cxnSpLocks/>
+          </p:cNvCxnSpPr>
+          <p:nvPr/>
+        </p:nvCxnSpPr>
+        <p:spPr>
+          <a:xfrm flipV="1">
+            <a:off x="6502461" y="2370532"/>
+            <a:ext cx="0" cy="166815"/>
+          </a:xfrm>
+          <a:prstGeom prst="line">
+            <a:avLst/>
+          </a:prstGeom>
+        </p:spPr>
+        <p:style>
+          <a:lnRef idx="1">
+            <a:schemeClr val="accent1"/>
+          </a:lnRef>
+          <a:fillRef idx="0">
+            <a:schemeClr val="accent1"/>
+          </a:fillRef>
+          <a:effectRef idx="0">
+            <a:schemeClr val="accent1"/>
+          </a:effectRef>
+          <a:fontRef idx="minor">
+            <a:schemeClr val="tx1"/>
+          </a:fontRef>
+        </p:style>
+      </p:cxnSp>
+    </p:spTree>
+    <p:extLst>
+      <p:ext uri="{BB962C8B-B14F-4D97-AF65-F5344CB8AC3E}">
+        <p14:creationId xmlns:p14="http://schemas.microsoft.com/office/powerpoint/2010/main" val="2729260431"/>
+      </p:ext>
+    </p:extLst>
+  </p:cSld>
+  <p:clrMapOvr>
+    <a:masterClrMapping/>
+  </p:clrMapOvr>
+</p:sld>
+</file>
+
+<file path=ppt/slides/slide4.xml><?xml version="1.0" encoding="utf-8"?>
+<p:sld xmlns:a="http://schemas.openxmlformats.org/drawingml/2006/main" xmlns:r="http://schemas.openxmlformats.org/officeDocument/2006/relationships" xmlns:p="http://schemas.openxmlformats.org/presentationml/2006/main">
+  <p:cSld>
+    <p:spTree>
+      <p:nvGrpSpPr>
+        <p:cNvPr id="1" name=""/>
+        <p:cNvGrpSpPr/>
+        <p:nvPr/>
+      </p:nvGrpSpPr>
+      <p:grpSpPr>
+        <a:xfrm>
+          <a:off x="0" y="0"/>
+          <a:ext cx="0" cy="0"/>
+          <a:chOff x="0" y="0"/>
+          <a:chExt cx="0" cy="0"/>
+        </a:xfrm>
+      </p:grpSpPr>
       <p:sp>
         <p:nvSpPr>
           <p:cNvPr id="3" name="Textfeld 2">
@@ -6810,7 +7814,7 @@
 </p:sld>
 </file>
 
-<file path=ppt/slides/slide4.xml><?xml version="1.0" encoding="utf-8"?>
+<file path=ppt/slides/slide5.xml><?xml version="1.0" encoding="utf-8"?>
 <p:sld xmlns:a="http://schemas.openxmlformats.org/drawingml/2006/main" xmlns:r="http://schemas.openxmlformats.org/officeDocument/2006/relationships" xmlns:p="http://schemas.openxmlformats.org/presentationml/2006/main">
   <p:cSld>
     <p:spTree>
@@ -6840,1193 +7844,6 @@
 </p:sld>
 </file>
 
-<file path=ppt/slides/slide5.xml><?xml version="1.0" encoding="utf-8"?>
-<p:sld xmlns:a="http://schemas.openxmlformats.org/drawingml/2006/main" xmlns:r="http://schemas.openxmlformats.org/officeDocument/2006/relationships" xmlns:p="http://schemas.openxmlformats.org/presentationml/2006/main">
-  <p:cSld>
-    <p:spTree>
-      <p:nvGrpSpPr>
-        <p:cNvPr id="1" name=""/>
-        <p:cNvGrpSpPr/>
-        <p:nvPr/>
-      </p:nvGrpSpPr>
-      <p:grpSpPr>
-        <a:xfrm>
-          <a:off x="0" y="0"/>
-          <a:ext cx="0" cy="0"/>
-          <a:chOff x="0" y="0"/>
-          <a:chExt cx="0" cy="0"/>
-        </a:xfrm>
-      </p:grpSpPr>
-      <p:sp>
-        <p:nvSpPr>
-          <p:cNvPr id="4" name="Textfeld 3">
-            <a:extLst>
-              <a:ext uri="{FF2B5EF4-FFF2-40B4-BE49-F238E27FC236}">
-                <a16:creationId xmlns:a16="http://schemas.microsoft.com/office/drawing/2014/main" id="{A7268E18-B8BE-ABAA-DDE8-AC1C558CACDE}"/>
-              </a:ext>
-            </a:extLst>
-          </p:cNvPr>
-          <p:cNvSpPr txBox="1"/>
-          <p:nvPr/>
-        </p:nvSpPr>
-        <p:spPr>
-          <a:xfrm>
-            <a:off x="69574" y="167071"/>
-            <a:ext cx="11996530" cy="369332"/>
-          </a:xfrm>
-          <a:prstGeom prst="rect">
-            <a:avLst/>
-          </a:prstGeom>
-          <a:noFill/>
-        </p:spPr>
-        <p:txBody>
-          <a:bodyPr wrap="square" rtlCol="0">
-            <a:spAutoFit/>
-          </a:bodyPr>
-          <a:lstStyle/>
-          <a:p>
-            <a:pPr algn="ctr"/>
-            <a:r>
-              <a:rPr lang="fr-FR" b="1" dirty="0">
-                <a:solidFill>
-                  <a:srgbClr val="FF0000"/>
-                </a:solidFill>
-                <a:latin typeface="Arial" panose="020B0604020202020204" pitchFamily="34" charset="0"/>
-                <a:cs typeface="Arial" panose="020B0604020202020204" pitchFamily="34" charset="0"/>
-              </a:rPr>
-              <a:t>Class </a:t>
-            </a:r>
-            <a:r>
-              <a:rPr lang="fr-FR" b="1" dirty="0" err="1">
-                <a:solidFill>
-                  <a:srgbClr val="FF0000"/>
-                </a:solidFill>
-                <a:latin typeface="Arial" panose="020B0604020202020204" pitchFamily="34" charset="0"/>
-                <a:cs typeface="Arial" panose="020B0604020202020204" pitchFamily="34" charset="0"/>
-              </a:rPr>
-              <a:t>JazzGuestsXml</a:t>
-            </a:r>
-            <a:endParaRPr lang="fr-FR" b="1" dirty="0">
-              <a:solidFill>
-                <a:srgbClr val="FF0000"/>
-              </a:solidFill>
-              <a:latin typeface="Arial" panose="020B0604020202020204" pitchFamily="34" charset="0"/>
-              <a:cs typeface="Arial" panose="020B0604020202020204" pitchFamily="34" charset="0"/>
-            </a:endParaRPr>
-          </a:p>
-        </p:txBody>
-      </p:sp>
-      <p:sp>
-        <p:nvSpPr>
-          <p:cNvPr id="2" name="Rechteck 1">
-            <a:extLst>
-              <a:ext uri="{FF2B5EF4-FFF2-40B4-BE49-F238E27FC236}">
-                <a16:creationId xmlns:a16="http://schemas.microsoft.com/office/drawing/2014/main" id="{C384BE89-3DD1-6EF4-5568-9DB221E19BC2}"/>
-              </a:ext>
-            </a:extLst>
-          </p:cNvPr>
-          <p:cNvSpPr/>
-          <p:nvPr/>
-        </p:nvSpPr>
-        <p:spPr>
-          <a:xfrm>
-            <a:off x="1133055" y="1292084"/>
-            <a:ext cx="4611761" cy="4577450"/>
-          </a:xfrm>
-          <a:prstGeom prst="rect">
-            <a:avLst/>
-          </a:prstGeom>
-          <a:noFill/>
-          <a:ln>
-            <a:solidFill>
-              <a:schemeClr val="tx1"/>
-            </a:solidFill>
-          </a:ln>
-        </p:spPr>
-        <p:style>
-          <a:lnRef idx="2">
-            <a:schemeClr val="accent1">
-              <a:shade val="50000"/>
-            </a:schemeClr>
-          </a:lnRef>
-          <a:fillRef idx="1">
-            <a:schemeClr val="accent1"/>
-          </a:fillRef>
-          <a:effectRef idx="0">
-            <a:schemeClr val="accent1"/>
-          </a:effectRef>
-          <a:fontRef idx="minor">
-            <a:schemeClr val="lt1"/>
-          </a:fontRef>
-        </p:style>
-        <p:txBody>
-          <a:bodyPr rtlCol="0" anchor="ctr"/>
-          <a:lstStyle/>
-          <a:p>
-            <a:pPr algn="ctr"/>
-            <a:endParaRPr lang="de-CH" sz="1400" dirty="0">
-              <a:solidFill>
-                <a:schemeClr val="tx1"/>
-              </a:solidFill>
-              <a:latin typeface="Arial" panose="020B0604020202020204" pitchFamily="34" charset="0"/>
-              <a:cs typeface="Arial" panose="020B0604020202020204" pitchFamily="34" charset="0"/>
-            </a:endParaRPr>
-          </a:p>
-        </p:txBody>
-      </p:sp>
-      <p:sp>
-        <p:nvSpPr>
-          <p:cNvPr id="19" name="Textfeld 18">
-            <a:extLst>
-              <a:ext uri="{FF2B5EF4-FFF2-40B4-BE49-F238E27FC236}">
-                <a16:creationId xmlns:a16="http://schemas.microsoft.com/office/drawing/2014/main" id="{F911FA2C-09E4-F2CB-CB31-EDB6ED374F0F}"/>
-              </a:ext>
-            </a:extLst>
-          </p:cNvPr>
-          <p:cNvSpPr txBox="1"/>
-          <p:nvPr/>
-        </p:nvSpPr>
-        <p:spPr>
-          <a:xfrm>
-            <a:off x="1232447" y="2658126"/>
-            <a:ext cx="1759232" cy="2154436"/>
-          </a:xfrm>
-          <a:prstGeom prst="rect">
-            <a:avLst/>
-          </a:prstGeom>
-          <a:noFill/>
-        </p:spPr>
-        <p:txBody>
-          <a:bodyPr wrap="square" rtlCol="0">
-            <a:spAutoFit/>
-          </a:bodyPr>
-          <a:lstStyle/>
-          <a:p>
-            <a:r>
-              <a:rPr lang="en-US" sz="1400" b="1" dirty="0">
-                <a:latin typeface="Arial" panose="020B0604020202020204" pitchFamily="34" charset="0"/>
-                <a:cs typeface="Arial" panose="020B0604020202020204" pitchFamily="34" charset="0"/>
-              </a:rPr>
-              <a:t>Get functions</a:t>
-            </a:r>
-          </a:p>
-          <a:p>
-            <a:r>
-              <a:rPr lang="en-US" sz="1200" b="1" dirty="0">
-                <a:latin typeface="Arial" panose="020B0604020202020204" pitchFamily="34" charset="0"/>
-                <a:cs typeface="Arial" panose="020B0604020202020204" pitchFamily="34" charset="0"/>
-              </a:rPr>
-              <a:t>….</a:t>
-            </a:r>
-          </a:p>
-          <a:p>
-            <a:r>
-              <a:rPr lang="en-US" sz="1200" b="1" dirty="0" err="1">
-                <a:latin typeface="Arial" panose="020B0604020202020204" pitchFamily="34" charset="0"/>
-                <a:cs typeface="Arial" panose="020B0604020202020204" pitchFamily="34" charset="0"/>
-              </a:rPr>
-              <a:t>getGuestBand</a:t>
-            </a:r>
-            <a:endParaRPr lang="en-US" sz="1200" b="1" dirty="0">
-              <a:latin typeface="Arial" panose="020B0604020202020204" pitchFamily="34" charset="0"/>
-              <a:cs typeface="Arial" panose="020B0604020202020204" pitchFamily="34" charset="0"/>
-            </a:endParaRPr>
-          </a:p>
-          <a:p>
-            <a:r>
-              <a:rPr lang="en-US" sz="1200" b="1" dirty="0" err="1">
-                <a:latin typeface="Arial" panose="020B0604020202020204" pitchFamily="34" charset="0"/>
-                <a:cs typeface="Arial" panose="020B0604020202020204" pitchFamily="34" charset="0"/>
-              </a:rPr>
-              <a:t>getGuestMusicians</a:t>
-            </a:r>
-            <a:endParaRPr lang="en-US" sz="1200" b="1" dirty="0">
-              <a:latin typeface="Arial" panose="020B0604020202020204" pitchFamily="34" charset="0"/>
-              <a:cs typeface="Arial" panose="020B0604020202020204" pitchFamily="34" charset="0"/>
-            </a:endParaRPr>
-          </a:p>
-          <a:p>
-            <a:r>
-              <a:rPr lang="en-US" sz="1200" b="1" dirty="0" err="1">
-                <a:latin typeface="Arial" panose="020B0604020202020204" pitchFamily="34" charset="0"/>
-                <a:cs typeface="Arial" panose="020B0604020202020204" pitchFamily="34" charset="0"/>
-              </a:rPr>
-              <a:t>getGuestHeader</a:t>
-            </a:r>
-            <a:endParaRPr lang="en-US" sz="1200" b="1" dirty="0">
-              <a:latin typeface="Arial" panose="020B0604020202020204" pitchFamily="34" charset="0"/>
-              <a:cs typeface="Arial" panose="020B0604020202020204" pitchFamily="34" charset="0"/>
-            </a:endParaRPr>
-          </a:p>
-          <a:p>
-            <a:r>
-              <a:rPr lang="en-US" sz="1200" b="1" dirty="0" err="1">
-                <a:latin typeface="Arial" panose="020B0604020202020204" pitchFamily="34" charset="0"/>
-                <a:cs typeface="Arial" panose="020B0604020202020204" pitchFamily="34" charset="0"/>
-              </a:rPr>
-              <a:t>getGuestText</a:t>
-            </a:r>
-            <a:endParaRPr lang="en-US" sz="1200" b="1" dirty="0">
-              <a:latin typeface="Arial" panose="020B0604020202020204" pitchFamily="34" charset="0"/>
-              <a:cs typeface="Arial" panose="020B0604020202020204" pitchFamily="34" charset="0"/>
-            </a:endParaRPr>
-          </a:p>
-          <a:p>
-            <a:r>
-              <a:rPr lang="en-US" sz="1200" b="1" dirty="0" err="1">
-                <a:latin typeface="Arial" panose="020B0604020202020204" pitchFamily="34" charset="0"/>
-                <a:cs typeface="Arial" panose="020B0604020202020204" pitchFamily="34" charset="0"/>
-              </a:rPr>
-              <a:t>getGuestNames</a:t>
-            </a:r>
-            <a:endParaRPr lang="en-US" sz="1200" b="1" dirty="0">
-              <a:latin typeface="Arial" panose="020B0604020202020204" pitchFamily="34" charset="0"/>
-              <a:cs typeface="Arial" panose="020B0604020202020204" pitchFamily="34" charset="0"/>
-            </a:endParaRPr>
-          </a:p>
-          <a:p>
-            <a:r>
-              <a:rPr lang="en-US" sz="1200" b="1" dirty="0">
-                <a:latin typeface="Arial" panose="020B0604020202020204" pitchFamily="34" charset="0"/>
-                <a:cs typeface="Arial" panose="020B0604020202020204" pitchFamily="34" charset="0"/>
-              </a:rPr>
-              <a:t>….</a:t>
-            </a:r>
-          </a:p>
-          <a:p>
-            <a:r>
-              <a:rPr lang="en-US" sz="1200" b="1" dirty="0" err="1">
-                <a:latin typeface="Arial" panose="020B0604020202020204" pitchFamily="34" charset="0"/>
-                <a:cs typeface="Arial" panose="020B0604020202020204" pitchFamily="34" charset="0"/>
-              </a:rPr>
-              <a:t>getPublishBool</a:t>
-            </a:r>
-            <a:endParaRPr lang="en-US" sz="1200" b="1" dirty="0">
-              <a:latin typeface="Arial" panose="020B0604020202020204" pitchFamily="34" charset="0"/>
-              <a:cs typeface="Arial" panose="020B0604020202020204" pitchFamily="34" charset="0"/>
-            </a:endParaRPr>
-          </a:p>
-          <a:p>
-            <a:r>
-              <a:rPr lang="en-US" sz="1200" b="1" dirty="0">
-                <a:latin typeface="Arial" panose="020B0604020202020204" pitchFamily="34" charset="0"/>
-                <a:cs typeface="Arial" panose="020B0604020202020204" pitchFamily="34" charset="0"/>
-              </a:rPr>
-              <a:t>….</a:t>
-            </a:r>
-          </a:p>
-          <a:p>
-            <a:endParaRPr lang="en-US" sz="1200" b="1" dirty="0">
-              <a:latin typeface="Arial" panose="020B0604020202020204" pitchFamily="34" charset="0"/>
-              <a:cs typeface="Arial" panose="020B0604020202020204" pitchFamily="34" charset="0"/>
-            </a:endParaRPr>
-          </a:p>
-        </p:txBody>
-      </p:sp>
-      <p:sp>
-        <p:nvSpPr>
-          <p:cNvPr id="23" name="Textfeld 22">
-            <a:extLst>
-              <a:ext uri="{FF2B5EF4-FFF2-40B4-BE49-F238E27FC236}">
-                <a16:creationId xmlns:a16="http://schemas.microsoft.com/office/drawing/2014/main" id="{01FD4CF3-3480-EF2D-A5AA-5ECD772A286C}"/>
-              </a:ext>
-            </a:extLst>
-          </p:cNvPr>
-          <p:cNvSpPr txBox="1"/>
-          <p:nvPr/>
-        </p:nvSpPr>
-        <p:spPr>
-          <a:xfrm>
-            <a:off x="3468751" y="2623933"/>
-            <a:ext cx="1759232" cy="2154436"/>
-          </a:xfrm>
-          <a:prstGeom prst="rect">
-            <a:avLst/>
-          </a:prstGeom>
-          <a:noFill/>
-        </p:spPr>
-        <p:txBody>
-          <a:bodyPr wrap="square" rtlCol="0">
-            <a:spAutoFit/>
-          </a:bodyPr>
-          <a:lstStyle/>
-          <a:p>
-            <a:r>
-              <a:rPr lang="en-US" sz="1400" b="1" dirty="0">
-                <a:latin typeface="Arial" panose="020B0604020202020204" pitchFamily="34" charset="0"/>
-                <a:cs typeface="Arial" panose="020B0604020202020204" pitchFamily="34" charset="0"/>
-              </a:rPr>
-              <a:t>Set functions</a:t>
-            </a:r>
-          </a:p>
-          <a:p>
-            <a:r>
-              <a:rPr lang="en-US" sz="1200" b="1" dirty="0">
-                <a:latin typeface="Arial" panose="020B0604020202020204" pitchFamily="34" charset="0"/>
-                <a:cs typeface="Arial" panose="020B0604020202020204" pitchFamily="34" charset="0"/>
-              </a:rPr>
-              <a:t>….</a:t>
-            </a:r>
-          </a:p>
-          <a:p>
-            <a:r>
-              <a:rPr lang="en-US" sz="1200" b="1" dirty="0" err="1">
-                <a:latin typeface="Arial" panose="020B0604020202020204" pitchFamily="34" charset="0"/>
-                <a:cs typeface="Arial" panose="020B0604020202020204" pitchFamily="34" charset="0"/>
-              </a:rPr>
-              <a:t>setGuestBand</a:t>
-            </a:r>
-            <a:endParaRPr lang="en-US" sz="1200" b="1" dirty="0">
-              <a:latin typeface="Arial" panose="020B0604020202020204" pitchFamily="34" charset="0"/>
-              <a:cs typeface="Arial" panose="020B0604020202020204" pitchFamily="34" charset="0"/>
-            </a:endParaRPr>
-          </a:p>
-          <a:p>
-            <a:r>
-              <a:rPr lang="en-US" sz="1200" b="1" dirty="0" err="1">
-                <a:latin typeface="Arial" panose="020B0604020202020204" pitchFamily="34" charset="0"/>
-                <a:cs typeface="Arial" panose="020B0604020202020204" pitchFamily="34" charset="0"/>
-              </a:rPr>
-              <a:t>setGuestMusicians</a:t>
-            </a:r>
-            <a:endParaRPr lang="en-US" sz="1200" b="1" dirty="0">
-              <a:latin typeface="Arial" panose="020B0604020202020204" pitchFamily="34" charset="0"/>
-              <a:cs typeface="Arial" panose="020B0604020202020204" pitchFamily="34" charset="0"/>
-            </a:endParaRPr>
-          </a:p>
-          <a:p>
-            <a:r>
-              <a:rPr lang="en-US" sz="1200" b="1" dirty="0" err="1">
-                <a:latin typeface="Arial" panose="020B0604020202020204" pitchFamily="34" charset="0"/>
-                <a:cs typeface="Arial" panose="020B0604020202020204" pitchFamily="34" charset="0"/>
-              </a:rPr>
-              <a:t>setGuestHeader</a:t>
-            </a:r>
-            <a:endParaRPr lang="en-US" sz="1200" b="1" dirty="0">
-              <a:latin typeface="Arial" panose="020B0604020202020204" pitchFamily="34" charset="0"/>
-              <a:cs typeface="Arial" panose="020B0604020202020204" pitchFamily="34" charset="0"/>
-            </a:endParaRPr>
-          </a:p>
-          <a:p>
-            <a:r>
-              <a:rPr lang="en-US" sz="1200" b="1" dirty="0" err="1">
-                <a:latin typeface="Arial" panose="020B0604020202020204" pitchFamily="34" charset="0"/>
-                <a:cs typeface="Arial" panose="020B0604020202020204" pitchFamily="34" charset="0"/>
-              </a:rPr>
-              <a:t>setGuestText</a:t>
-            </a:r>
-            <a:endParaRPr lang="en-US" sz="1200" b="1" dirty="0">
-              <a:latin typeface="Arial" panose="020B0604020202020204" pitchFamily="34" charset="0"/>
-              <a:cs typeface="Arial" panose="020B0604020202020204" pitchFamily="34" charset="0"/>
-            </a:endParaRPr>
-          </a:p>
-          <a:p>
-            <a:r>
-              <a:rPr lang="en-US" sz="1200" b="1" dirty="0" err="1">
-                <a:latin typeface="Arial" panose="020B0604020202020204" pitchFamily="34" charset="0"/>
-                <a:cs typeface="Arial" panose="020B0604020202020204" pitchFamily="34" charset="0"/>
-              </a:rPr>
-              <a:t>setGuestNames</a:t>
-            </a:r>
-            <a:endParaRPr lang="en-US" sz="1200" b="1" dirty="0">
-              <a:latin typeface="Arial" panose="020B0604020202020204" pitchFamily="34" charset="0"/>
-              <a:cs typeface="Arial" panose="020B0604020202020204" pitchFamily="34" charset="0"/>
-            </a:endParaRPr>
-          </a:p>
-          <a:p>
-            <a:r>
-              <a:rPr lang="en-US" sz="1200" b="1" dirty="0">
-                <a:latin typeface="Arial" panose="020B0604020202020204" pitchFamily="34" charset="0"/>
-                <a:cs typeface="Arial" panose="020B0604020202020204" pitchFamily="34" charset="0"/>
-              </a:rPr>
-              <a:t>….</a:t>
-            </a:r>
-          </a:p>
-          <a:p>
-            <a:r>
-              <a:rPr lang="en-US" sz="1200" b="1" dirty="0" err="1">
-                <a:latin typeface="Arial" panose="020B0604020202020204" pitchFamily="34" charset="0"/>
-                <a:cs typeface="Arial" panose="020B0604020202020204" pitchFamily="34" charset="0"/>
-              </a:rPr>
-              <a:t>setPublishBool</a:t>
-            </a:r>
-            <a:endParaRPr lang="en-US" sz="1200" b="1" dirty="0">
-              <a:latin typeface="Arial" panose="020B0604020202020204" pitchFamily="34" charset="0"/>
-              <a:cs typeface="Arial" panose="020B0604020202020204" pitchFamily="34" charset="0"/>
-            </a:endParaRPr>
-          </a:p>
-          <a:p>
-            <a:r>
-              <a:rPr lang="en-US" sz="1200" b="1" dirty="0">
-                <a:latin typeface="Arial" panose="020B0604020202020204" pitchFamily="34" charset="0"/>
-                <a:cs typeface="Arial" panose="020B0604020202020204" pitchFamily="34" charset="0"/>
-              </a:rPr>
-              <a:t>….</a:t>
-            </a:r>
-          </a:p>
-          <a:p>
-            <a:endParaRPr lang="en-US" sz="1200" b="1" dirty="0">
-              <a:latin typeface="Arial" panose="020B0604020202020204" pitchFamily="34" charset="0"/>
-              <a:cs typeface="Arial" panose="020B0604020202020204" pitchFamily="34" charset="0"/>
-            </a:endParaRPr>
-          </a:p>
-        </p:txBody>
-      </p:sp>
-      <p:sp>
-        <p:nvSpPr>
-          <p:cNvPr id="25" name="Textfeld 24">
-            <a:extLst>
-              <a:ext uri="{FF2B5EF4-FFF2-40B4-BE49-F238E27FC236}">
-                <a16:creationId xmlns:a16="http://schemas.microsoft.com/office/drawing/2014/main" id="{0A378498-77CA-9E88-EAC3-86F092BA7B31}"/>
-              </a:ext>
-            </a:extLst>
-          </p:cNvPr>
-          <p:cNvSpPr txBox="1"/>
-          <p:nvPr/>
-        </p:nvSpPr>
-        <p:spPr>
-          <a:xfrm>
-            <a:off x="1232447" y="4778369"/>
-            <a:ext cx="1759232" cy="861774"/>
-          </a:xfrm>
-          <a:prstGeom prst="rect">
-            <a:avLst/>
-          </a:prstGeom>
-          <a:noFill/>
-        </p:spPr>
-        <p:txBody>
-          <a:bodyPr wrap="square" rtlCol="0">
-            <a:spAutoFit/>
-          </a:bodyPr>
-          <a:lstStyle/>
-          <a:p>
-            <a:r>
-              <a:rPr lang="en-US" sz="1400" b="1" dirty="0">
-                <a:latin typeface="Arial" panose="020B0604020202020204" pitchFamily="34" charset="0"/>
-                <a:cs typeface="Arial" panose="020B0604020202020204" pitchFamily="34" charset="0"/>
-              </a:rPr>
-              <a:t>Edit functions</a:t>
-            </a:r>
-          </a:p>
-          <a:p>
-            <a:r>
-              <a:rPr lang="en-US" sz="1200" b="1" dirty="0" err="1">
-                <a:latin typeface="Arial" panose="020B0604020202020204" pitchFamily="34" charset="0"/>
-                <a:cs typeface="Arial" panose="020B0604020202020204" pitchFamily="34" charset="0"/>
-              </a:rPr>
-              <a:t>appendGuestNode</a:t>
-            </a:r>
-            <a:endParaRPr lang="en-US" sz="1200" b="1" dirty="0">
-              <a:latin typeface="Arial" panose="020B0604020202020204" pitchFamily="34" charset="0"/>
-              <a:cs typeface="Arial" panose="020B0604020202020204" pitchFamily="34" charset="0"/>
-            </a:endParaRPr>
-          </a:p>
-          <a:p>
-            <a:r>
-              <a:rPr lang="en-US" sz="1200" b="1" dirty="0" err="1">
-                <a:latin typeface="Arial" panose="020B0604020202020204" pitchFamily="34" charset="0"/>
-                <a:cs typeface="Arial" panose="020B0604020202020204" pitchFamily="34" charset="0"/>
-              </a:rPr>
-              <a:t>deleteGuestNode</a:t>
-            </a:r>
-            <a:endParaRPr lang="en-US" sz="1200" b="1" dirty="0">
-              <a:latin typeface="Arial" panose="020B0604020202020204" pitchFamily="34" charset="0"/>
-              <a:cs typeface="Arial" panose="020B0604020202020204" pitchFamily="34" charset="0"/>
-            </a:endParaRPr>
-          </a:p>
-          <a:p>
-            <a:endParaRPr lang="en-US" sz="1200" b="1" dirty="0">
-              <a:latin typeface="Arial" panose="020B0604020202020204" pitchFamily="34" charset="0"/>
-              <a:cs typeface="Arial" panose="020B0604020202020204" pitchFamily="34" charset="0"/>
-            </a:endParaRPr>
-          </a:p>
-        </p:txBody>
-      </p:sp>
-      <p:sp>
-        <p:nvSpPr>
-          <p:cNvPr id="27" name="Textfeld 26">
-            <a:extLst>
-              <a:ext uri="{FF2B5EF4-FFF2-40B4-BE49-F238E27FC236}">
-                <a16:creationId xmlns:a16="http://schemas.microsoft.com/office/drawing/2014/main" id="{45CE9345-1573-5FED-9655-EECF5B05A646}"/>
-              </a:ext>
-            </a:extLst>
-          </p:cNvPr>
-          <p:cNvSpPr txBox="1"/>
-          <p:nvPr/>
-        </p:nvSpPr>
-        <p:spPr>
-          <a:xfrm>
-            <a:off x="3409122" y="4591878"/>
-            <a:ext cx="2064036" cy="1231106"/>
-          </a:xfrm>
-          <a:prstGeom prst="rect">
-            <a:avLst/>
-          </a:prstGeom>
-          <a:noFill/>
-        </p:spPr>
-        <p:txBody>
-          <a:bodyPr wrap="square" rtlCol="0">
-            <a:spAutoFit/>
-          </a:bodyPr>
-          <a:lstStyle/>
-          <a:p>
-            <a:r>
-              <a:rPr lang="en-US" sz="1400" b="1" dirty="0">
-                <a:latin typeface="Arial" panose="020B0604020202020204" pitchFamily="34" charset="0"/>
-                <a:cs typeface="Arial" panose="020B0604020202020204" pitchFamily="34" charset="0"/>
-              </a:rPr>
-              <a:t>Utility functions</a:t>
-            </a:r>
-          </a:p>
-          <a:p>
-            <a:r>
-              <a:rPr lang="en-US" sz="1200" b="1" dirty="0" err="1">
-                <a:latin typeface="Arial" panose="020B0604020202020204" pitchFamily="34" charset="0"/>
-                <a:cs typeface="Arial" panose="020B0604020202020204" pitchFamily="34" charset="0"/>
-              </a:rPr>
-              <a:t>initAppendedForImg</a:t>
-            </a:r>
-            <a:endParaRPr lang="en-US" sz="1200" b="1" dirty="0">
-              <a:latin typeface="Arial" panose="020B0604020202020204" pitchFamily="34" charset="0"/>
-              <a:cs typeface="Arial" panose="020B0604020202020204" pitchFamily="34" charset="0"/>
-            </a:endParaRPr>
-          </a:p>
-          <a:p>
-            <a:r>
-              <a:rPr lang="en-US" sz="1200" b="1" dirty="0" err="1">
-                <a:latin typeface="Arial" panose="020B0604020202020204" pitchFamily="34" charset="0"/>
-                <a:cs typeface="Arial" panose="020B0604020202020204" pitchFamily="34" charset="0"/>
-              </a:rPr>
-              <a:t>getNextRegNumberInt</a:t>
-            </a:r>
-            <a:endParaRPr lang="en-US" sz="1200" b="1" dirty="0">
-              <a:latin typeface="Arial" panose="020B0604020202020204" pitchFamily="34" charset="0"/>
-              <a:cs typeface="Arial" panose="020B0604020202020204" pitchFamily="34" charset="0"/>
-            </a:endParaRPr>
-          </a:p>
-          <a:p>
-            <a:r>
-              <a:rPr lang="en-US" sz="1200" b="1" dirty="0" err="1">
-                <a:latin typeface="Arial" panose="020B0604020202020204" pitchFamily="34" charset="0"/>
-                <a:cs typeface="Arial" panose="020B0604020202020204" pitchFamily="34" charset="0"/>
-              </a:rPr>
-              <a:t>getRecordsImageArray</a:t>
-            </a:r>
-            <a:endParaRPr lang="en-US" sz="1200" b="1" dirty="0">
-              <a:latin typeface="Arial" panose="020B0604020202020204" pitchFamily="34" charset="0"/>
-              <a:cs typeface="Arial" panose="020B0604020202020204" pitchFamily="34" charset="0"/>
-            </a:endParaRPr>
-          </a:p>
-          <a:p>
-            <a:r>
-              <a:rPr lang="en-US" sz="1200" b="1" dirty="0" err="1">
-                <a:latin typeface="Arial" panose="020B0604020202020204" pitchFamily="34" charset="0"/>
-                <a:cs typeface="Arial" panose="020B0604020202020204" pitchFamily="34" charset="0"/>
-              </a:rPr>
-              <a:t>getJazzGuestArray</a:t>
-            </a:r>
-            <a:endParaRPr lang="en-US" sz="1200" b="1" dirty="0">
-              <a:latin typeface="Arial" panose="020B0604020202020204" pitchFamily="34" charset="0"/>
-              <a:cs typeface="Arial" panose="020B0604020202020204" pitchFamily="34" charset="0"/>
-            </a:endParaRPr>
-          </a:p>
-          <a:p>
-            <a:r>
-              <a:rPr lang="en-US" sz="1200" b="1" dirty="0" err="1">
-                <a:latin typeface="Arial" panose="020B0604020202020204" pitchFamily="34" charset="0"/>
-                <a:cs typeface="Arial" panose="020B0604020202020204" pitchFamily="34" charset="0"/>
-              </a:rPr>
-              <a:t>getHeaderArray</a:t>
-            </a:r>
-            <a:endParaRPr lang="en-US" sz="1200" b="1" dirty="0">
-              <a:latin typeface="Arial" panose="020B0604020202020204" pitchFamily="34" charset="0"/>
-              <a:cs typeface="Arial" panose="020B0604020202020204" pitchFamily="34" charset="0"/>
-            </a:endParaRPr>
-          </a:p>
-        </p:txBody>
-      </p:sp>
-      <p:sp>
-        <p:nvSpPr>
-          <p:cNvPr id="28" name="Textfeld 27">
-            <a:extLst>
-              <a:ext uri="{FF2B5EF4-FFF2-40B4-BE49-F238E27FC236}">
-                <a16:creationId xmlns:a16="http://schemas.microsoft.com/office/drawing/2014/main" id="{6E400523-3A7D-2822-DA54-1303E35EBC93}"/>
-              </a:ext>
-            </a:extLst>
-          </p:cNvPr>
-          <p:cNvSpPr txBox="1"/>
-          <p:nvPr/>
-        </p:nvSpPr>
-        <p:spPr>
-          <a:xfrm>
-            <a:off x="1295414" y="1360242"/>
-            <a:ext cx="2928716" cy="1046440"/>
-          </a:xfrm>
-          <a:prstGeom prst="rect">
-            <a:avLst/>
-          </a:prstGeom>
-          <a:noFill/>
-        </p:spPr>
-        <p:txBody>
-          <a:bodyPr wrap="square" rtlCol="0">
-            <a:spAutoFit/>
-          </a:bodyPr>
-          <a:lstStyle/>
-          <a:p>
-            <a:r>
-              <a:rPr lang="en-US" sz="1400" b="1" dirty="0">
-                <a:latin typeface="Arial" panose="020B0604020202020204" pitchFamily="34" charset="0"/>
-                <a:cs typeface="Arial" panose="020B0604020202020204" pitchFamily="34" charset="0"/>
-              </a:rPr>
-              <a:t>Basic functions</a:t>
-            </a:r>
-          </a:p>
-          <a:p>
-            <a:r>
-              <a:rPr lang="en-US" sz="1200" b="1" dirty="0" err="1">
-                <a:latin typeface="Arial" panose="020B0604020202020204" pitchFamily="34" charset="0"/>
-                <a:cs typeface="Arial" panose="020B0604020202020204" pitchFamily="34" charset="0"/>
-              </a:rPr>
-              <a:t>loadOneXmlFile</a:t>
-            </a:r>
-            <a:endParaRPr lang="en-US" sz="1200" b="1" dirty="0">
-              <a:latin typeface="Arial" panose="020B0604020202020204" pitchFamily="34" charset="0"/>
-              <a:cs typeface="Arial" panose="020B0604020202020204" pitchFamily="34" charset="0"/>
-            </a:endParaRPr>
-          </a:p>
-          <a:p>
-            <a:r>
-              <a:rPr lang="en-US" sz="1200" b="1" dirty="0" err="1">
-                <a:latin typeface="Arial" panose="020B0604020202020204" pitchFamily="34" charset="0"/>
-                <a:cs typeface="Arial" panose="020B0604020202020204" pitchFamily="34" charset="0"/>
-              </a:rPr>
-              <a:t>setXmlObject</a:t>
-            </a:r>
-            <a:endParaRPr lang="en-US" sz="1200" b="1" dirty="0">
-              <a:latin typeface="Arial" panose="020B0604020202020204" pitchFamily="34" charset="0"/>
-              <a:cs typeface="Arial" panose="020B0604020202020204" pitchFamily="34" charset="0"/>
-            </a:endParaRPr>
-          </a:p>
-          <a:p>
-            <a:r>
-              <a:rPr lang="en-US" sz="1200" b="1" dirty="0" err="1">
-                <a:latin typeface="Arial" panose="020B0604020202020204" pitchFamily="34" charset="0"/>
-                <a:cs typeface="Arial" panose="020B0604020202020204" pitchFamily="34" charset="0"/>
-              </a:rPr>
-              <a:t>getXmlObject</a:t>
-            </a:r>
-            <a:endParaRPr lang="en-US" sz="1200" b="1" dirty="0">
-              <a:latin typeface="Arial" panose="020B0604020202020204" pitchFamily="34" charset="0"/>
-              <a:cs typeface="Arial" panose="020B0604020202020204" pitchFamily="34" charset="0"/>
-            </a:endParaRPr>
-          </a:p>
-          <a:p>
-            <a:r>
-              <a:rPr lang="en-US" sz="1200" b="1" dirty="0" err="1">
-                <a:latin typeface="Arial" panose="020B0604020202020204" pitchFamily="34" charset="0"/>
-                <a:cs typeface="Arial" panose="020B0604020202020204" pitchFamily="34" charset="0"/>
-              </a:rPr>
-              <a:t>getNumberOfGuestRecords</a:t>
-            </a:r>
-            <a:endParaRPr lang="en-US" sz="1200" b="1" dirty="0">
-              <a:latin typeface="Arial" panose="020B0604020202020204" pitchFamily="34" charset="0"/>
-              <a:cs typeface="Arial" panose="020B0604020202020204" pitchFamily="34" charset="0"/>
-            </a:endParaRPr>
-          </a:p>
-        </p:txBody>
-      </p:sp>
-      <p:sp>
-        <p:nvSpPr>
-          <p:cNvPr id="29" name="Textfeld 28">
-            <a:extLst>
-              <a:ext uri="{FF2B5EF4-FFF2-40B4-BE49-F238E27FC236}">
-                <a16:creationId xmlns:a16="http://schemas.microsoft.com/office/drawing/2014/main" id="{FD435807-C36C-CE3F-7886-6D2BCECF7D20}"/>
-              </a:ext>
-            </a:extLst>
-          </p:cNvPr>
-          <p:cNvSpPr txBox="1"/>
-          <p:nvPr/>
-        </p:nvSpPr>
-        <p:spPr>
-          <a:xfrm>
-            <a:off x="1133055" y="988466"/>
-            <a:ext cx="4810543" cy="307777"/>
-          </a:xfrm>
-          <a:prstGeom prst="rect">
-            <a:avLst/>
-          </a:prstGeom>
-          <a:noFill/>
-        </p:spPr>
-        <p:txBody>
-          <a:bodyPr wrap="square" rtlCol="0">
-            <a:spAutoFit/>
-          </a:bodyPr>
-          <a:lstStyle/>
-          <a:p>
-            <a:r>
-              <a:rPr lang="en-US" sz="1400" b="1" dirty="0" err="1">
-                <a:latin typeface="Arial" panose="020B0604020202020204" pitchFamily="34" charset="0"/>
-                <a:cs typeface="Arial" panose="020B0604020202020204" pitchFamily="34" charset="0"/>
-              </a:rPr>
-              <a:t>JazzGuestsXml</a:t>
-            </a:r>
-            <a:r>
-              <a:rPr lang="en-US" sz="1400" b="1" dirty="0">
-                <a:latin typeface="Arial" panose="020B0604020202020204" pitchFamily="34" charset="0"/>
-                <a:cs typeface="Arial" panose="020B0604020202020204" pitchFamily="34" charset="0"/>
-              </a:rPr>
-              <a:t>(</a:t>
-            </a:r>
-            <a:r>
-              <a:rPr lang="en-US" sz="1400" b="1" dirty="0" err="1">
-                <a:latin typeface="Arial" panose="020B0604020202020204" pitchFamily="34" charset="0"/>
-                <a:cs typeface="Arial" panose="020B0604020202020204" pitchFamily="34" charset="0"/>
-              </a:rPr>
-              <a:t>i_callback</a:t>
-            </a:r>
-            <a:r>
-              <a:rPr lang="en-US" sz="1400" b="1" dirty="0">
-                <a:latin typeface="Arial" panose="020B0604020202020204" pitchFamily="34" charset="0"/>
-                <a:cs typeface="Arial" panose="020B0604020202020204" pitchFamily="34" charset="0"/>
-              </a:rPr>
-              <a:t>, </a:t>
-            </a:r>
-            <a:r>
-              <a:rPr lang="en-US" sz="1400" b="1" dirty="0" err="1">
-                <a:latin typeface="Arial" panose="020B0604020202020204" pitchFamily="34" charset="0"/>
-                <a:cs typeface="Arial" panose="020B0604020202020204" pitchFamily="34" charset="0"/>
-              </a:rPr>
-              <a:t>i_n_level</a:t>
-            </a:r>
-            <a:r>
-              <a:rPr lang="en-US" sz="1400" b="1" dirty="0">
-                <a:latin typeface="Arial" panose="020B0604020202020204" pitchFamily="34" charset="0"/>
-                <a:cs typeface="Arial" panose="020B0604020202020204" pitchFamily="34" charset="0"/>
-              </a:rPr>
-              <a:t>, </a:t>
-            </a:r>
-            <a:r>
-              <a:rPr lang="en-US" sz="1400" b="1" dirty="0" err="1">
-                <a:latin typeface="Arial" panose="020B0604020202020204" pitchFamily="34" charset="0"/>
-                <a:cs typeface="Arial" panose="020B0604020202020204" pitchFamily="34" charset="0"/>
-              </a:rPr>
-              <a:t>b_update_xml</a:t>
-            </a:r>
-            <a:r>
-              <a:rPr lang="en-US" sz="1400" b="1" dirty="0">
-                <a:latin typeface="Arial" panose="020B0604020202020204" pitchFamily="34" charset="0"/>
-                <a:cs typeface="Arial" panose="020B0604020202020204" pitchFamily="34" charset="0"/>
-              </a:rPr>
-              <a:t>)</a:t>
-            </a:r>
-          </a:p>
-        </p:txBody>
-      </p:sp>
-      <p:sp>
-        <p:nvSpPr>
-          <p:cNvPr id="35" name="Rechteck 34">
-            <a:extLst>
-              <a:ext uri="{FF2B5EF4-FFF2-40B4-BE49-F238E27FC236}">
-                <a16:creationId xmlns:a16="http://schemas.microsoft.com/office/drawing/2014/main" id="{AED88BE9-4F5E-3805-D55B-45B4FF072EA3}"/>
-              </a:ext>
-            </a:extLst>
-          </p:cNvPr>
-          <p:cNvSpPr/>
-          <p:nvPr/>
-        </p:nvSpPr>
-        <p:spPr>
-          <a:xfrm>
-            <a:off x="5950230" y="1296243"/>
-            <a:ext cx="4611761" cy="4577450"/>
-          </a:xfrm>
-          <a:prstGeom prst="rect">
-            <a:avLst/>
-          </a:prstGeom>
-          <a:noFill/>
-          <a:ln>
-            <a:solidFill>
-              <a:schemeClr val="tx1"/>
-            </a:solidFill>
-          </a:ln>
-        </p:spPr>
-        <p:style>
-          <a:lnRef idx="2">
-            <a:schemeClr val="accent1">
-              <a:shade val="50000"/>
-            </a:schemeClr>
-          </a:lnRef>
-          <a:fillRef idx="1">
-            <a:schemeClr val="accent1"/>
-          </a:fillRef>
-          <a:effectRef idx="0">
-            <a:schemeClr val="accent1"/>
-          </a:effectRef>
-          <a:fontRef idx="minor">
-            <a:schemeClr val="lt1"/>
-          </a:fontRef>
-        </p:style>
-        <p:txBody>
-          <a:bodyPr rtlCol="0" anchor="ctr"/>
-          <a:lstStyle/>
-          <a:p>
-            <a:pPr algn="ctr"/>
-            <a:endParaRPr lang="de-CH" sz="1400" dirty="0">
-              <a:solidFill>
-                <a:schemeClr val="tx1"/>
-              </a:solidFill>
-              <a:latin typeface="Arial" panose="020B0604020202020204" pitchFamily="34" charset="0"/>
-              <a:cs typeface="Arial" panose="020B0604020202020204" pitchFamily="34" charset="0"/>
-            </a:endParaRPr>
-          </a:p>
-        </p:txBody>
-      </p:sp>
-      <p:sp>
-        <p:nvSpPr>
-          <p:cNvPr id="36" name="Textfeld 35">
-            <a:extLst>
-              <a:ext uri="{FF2B5EF4-FFF2-40B4-BE49-F238E27FC236}">
-                <a16:creationId xmlns:a16="http://schemas.microsoft.com/office/drawing/2014/main" id="{43C20541-FCC6-27FF-16D4-9BBC6C35C6D5}"/>
-              </a:ext>
-            </a:extLst>
-          </p:cNvPr>
-          <p:cNvSpPr txBox="1"/>
-          <p:nvPr/>
-        </p:nvSpPr>
-        <p:spPr>
-          <a:xfrm>
-            <a:off x="5950230" y="984307"/>
-            <a:ext cx="4810543" cy="307777"/>
-          </a:xfrm>
-          <a:prstGeom prst="rect">
-            <a:avLst/>
-          </a:prstGeom>
-          <a:noFill/>
-        </p:spPr>
-        <p:txBody>
-          <a:bodyPr wrap="square" rtlCol="0">
-            <a:spAutoFit/>
-          </a:bodyPr>
-          <a:lstStyle/>
-          <a:p>
-            <a:r>
-              <a:rPr lang="en-US" sz="1400" b="1" dirty="0" err="1">
-                <a:latin typeface="Arial" panose="020B0604020202020204" pitchFamily="34" charset="0"/>
-                <a:cs typeface="Arial" panose="020B0604020202020204" pitchFamily="34" charset="0"/>
-              </a:rPr>
-              <a:t>JazzGuestsTags</a:t>
-            </a:r>
-            <a:endParaRPr lang="en-US" sz="1400" b="1" dirty="0">
-              <a:latin typeface="Arial" panose="020B0604020202020204" pitchFamily="34" charset="0"/>
-              <a:cs typeface="Arial" panose="020B0604020202020204" pitchFamily="34" charset="0"/>
-            </a:endParaRPr>
-          </a:p>
-        </p:txBody>
-      </p:sp>
-      <p:sp>
-        <p:nvSpPr>
-          <p:cNvPr id="37" name="Textfeld 36">
-            <a:extLst>
-              <a:ext uri="{FF2B5EF4-FFF2-40B4-BE49-F238E27FC236}">
-                <a16:creationId xmlns:a16="http://schemas.microsoft.com/office/drawing/2014/main" id="{1E222478-652C-CF8A-B93D-F0822FAA4BC3}"/>
-              </a:ext>
-            </a:extLst>
-          </p:cNvPr>
-          <p:cNvSpPr txBox="1"/>
-          <p:nvPr/>
-        </p:nvSpPr>
-        <p:spPr>
-          <a:xfrm>
-            <a:off x="6046317" y="1449695"/>
-            <a:ext cx="4389767" cy="1231106"/>
-          </a:xfrm>
-          <a:prstGeom prst="rect">
-            <a:avLst/>
-          </a:prstGeom>
-          <a:noFill/>
-        </p:spPr>
-        <p:txBody>
-          <a:bodyPr wrap="square" rtlCol="0">
-            <a:spAutoFit/>
-          </a:bodyPr>
-          <a:lstStyle/>
-          <a:p>
-            <a:r>
-              <a:rPr lang="en-US" sz="1400" b="1" dirty="0">
-                <a:latin typeface="Arial" panose="020B0604020202020204" pitchFamily="34" charset="0"/>
-                <a:cs typeface="Arial" panose="020B0604020202020204" pitchFamily="34" charset="0"/>
-              </a:rPr>
-              <a:t>Member variables</a:t>
-            </a:r>
-          </a:p>
-          <a:p>
-            <a:r>
-              <a:rPr lang="en-US" sz="1200" b="1" dirty="0" err="1">
-                <a:latin typeface="Arial" panose="020B0604020202020204" pitchFamily="34" charset="0"/>
-                <a:cs typeface="Arial" panose="020B0604020202020204" pitchFamily="34" charset="0"/>
-              </a:rPr>
-              <a:t>m_tag_guest</a:t>
-            </a:r>
-            <a:r>
-              <a:rPr lang="en-US" sz="1200" b="1" dirty="0">
-                <a:latin typeface="Arial" panose="020B0604020202020204" pitchFamily="34" charset="0"/>
-                <a:cs typeface="Arial" panose="020B0604020202020204" pitchFamily="34" charset="0"/>
-              </a:rPr>
-              <a:t> = "</a:t>
-            </a:r>
-            <a:r>
-              <a:rPr lang="en-US" sz="1200" b="1" dirty="0" err="1">
-                <a:latin typeface="Arial" panose="020B0604020202020204" pitchFamily="34" charset="0"/>
-                <a:cs typeface="Arial" panose="020B0604020202020204" pitchFamily="34" charset="0"/>
-              </a:rPr>
-              <a:t>JazzGuest</a:t>
-            </a:r>
-            <a:r>
-              <a:rPr lang="en-US" sz="1200" b="1" dirty="0">
-                <a:latin typeface="Arial" panose="020B0604020202020204" pitchFamily="34" charset="0"/>
-                <a:cs typeface="Arial" panose="020B0604020202020204" pitchFamily="34" charset="0"/>
-              </a:rPr>
-              <a:t>"</a:t>
-            </a:r>
-          </a:p>
-          <a:p>
-            <a:r>
-              <a:rPr lang="en-US" sz="1200" b="1" dirty="0" err="1">
-                <a:latin typeface="Arial" panose="020B0604020202020204" pitchFamily="34" charset="0"/>
-                <a:cs typeface="Arial" panose="020B0604020202020204" pitchFamily="34" charset="0"/>
-              </a:rPr>
-              <a:t>m_tag_guest_year</a:t>
-            </a:r>
-            <a:r>
-              <a:rPr lang="en-US" sz="1200" b="1" dirty="0">
-                <a:latin typeface="Arial" panose="020B0604020202020204" pitchFamily="34" charset="0"/>
-                <a:cs typeface="Arial" panose="020B0604020202020204" pitchFamily="34" charset="0"/>
-              </a:rPr>
-              <a:t> = "</a:t>
-            </a:r>
-            <a:r>
-              <a:rPr lang="en-US" sz="1200" b="1" dirty="0" err="1">
-                <a:latin typeface="Arial" panose="020B0604020202020204" pitchFamily="34" charset="0"/>
-                <a:cs typeface="Arial" panose="020B0604020202020204" pitchFamily="34" charset="0"/>
-              </a:rPr>
-              <a:t>JazzGuestYear</a:t>
-            </a:r>
-            <a:r>
-              <a:rPr lang="en-US" sz="1200" b="1" dirty="0">
-                <a:latin typeface="Arial" panose="020B0604020202020204" pitchFamily="34" charset="0"/>
-                <a:cs typeface="Arial" panose="020B0604020202020204" pitchFamily="34" charset="0"/>
-              </a:rPr>
-              <a:t>“</a:t>
-            </a:r>
-          </a:p>
-          <a:p>
-            <a:r>
-              <a:rPr lang="en-US" sz="1200" b="1" dirty="0">
-                <a:latin typeface="Arial" panose="020B0604020202020204" pitchFamily="34" charset="0"/>
-                <a:cs typeface="Arial" panose="020B0604020202020204" pitchFamily="34" charset="0"/>
-              </a:rPr>
-              <a:t>...</a:t>
-            </a:r>
-          </a:p>
-          <a:p>
-            <a:r>
-              <a:rPr lang="en-US" sz="1200" b="1" dirty="0">
-                <a:latin typeface="Arial" panose="020B0604020202020204" pitchFamily="34" charset="0"/>
-                <a:cs typeface="Arial" panose="020B0604020202020204" pitchFamily="34" charset="0"/>
-              </a:rPr>
-              <a:t>…. </a:t>
-            </a:r>
-          </a:p>
-          <a:p>
-            <a:r>
-              <a:rPr lang="en-US" sz="1200" b="1" dirty="0" err="1">
-                <a:latin typeface="Arial" panose="020B0604020202020204" pitchFamily="34" charset="0"/>
-                <a:cs typeface="Arial" panose="020B0604020202020204" pitchFamily="34" charset="0"/>
-              </a:rPr>
-              <a:t>m_tag_guest_number</a:t>
-            </a:r>
-            <a:r>
-              <a:rPr lang="en-US" sz="1200" b="1" dirty="0">
-                <a:latin typeface="Arial" panose="020B0604020202020204" pitchFamily="34" charset="0"/>
-                <a:cs typeface="Arial" panose="020B0604020202020204" pitchFamily="34" charset="0"/>
-              </a:rPr>
-              <a:t> = "</a:t>
-            </a:r>
-            <a:r>
-              <a:rPr lang="en-US" sz="1200" b="1" dirty="0" err="1">
-                <a:latin typeface="Arial" panose="020B0604020202020204" pitchFamily="34" charset="0"/>
-                <a:cs typeface="Arial" panose="020B0604020202020204" pitchFamily="34" charset="0"/>
-              </a:rPr>
-              <a:t>JazzGuestRegNumber</a:t>
-            </a:r>
-            <a:r>
-              <a:rPr lang="en-US" sz="1200" b="1" dirty="0">
-                <a:latin typeface="Arial" panose="020B0604020202020204" pitchFamily="34" charset="0"/>
-                <a:cs typeface="Arial" panose="020B0604020202020204" pitchFamily="34" charset="0"/>
-              </a:rPr>
-              <a:t>"</a:t>
-            </a:r>
-          </a:p>
-        </p:txBody>
-      </p:sp>
-      <p:sp>
-        <p:nvSpPr>
-          <p:cNvPr id="38" name="Textfeld 37">
-            <a:extLst>
-              <a:ext uri="{FF2B5EF4-FFF2-40B4-BE49-F238E27FC236}">
-                <a16:creationId xmlns:a16="http://schemas.microsoft.com/office/drawing/2014/main" id="{0633A465-50F6-26DC-D1C3-4587338BAE87}"/>
-              </a:ext>
-            </a:extLst>
-          </p:cNvPr>
-          <p:cNvSpPr txBox="1"/>
-          <p:nvPr/>
-        </p:nvSpPr>
-        <p:spPr>
-          <a:xfrm>
-            <a:off x="6061226" y="3176106"/>
-            <a:ext cx="4389767" cy="1231106"/>
-          </a:xfrm>
-          <a:prstGeom prst="rect">
-            <a:avLst/>
-          </a:prstGeom>
-          <a:noFill/>
-        </p:spPr>
-        <p:txBody>
-          <a:bodyPr wrap="square" rtlCol="0">
-            <a:spAutoFit/>
-          </a:bodyPr>
-          <a:lstStyle/>
-          <a:p>
-            <a:r>
-              <a:rPr lang="en-US" sz="1400" b="1" dirty="0">
-                <a:latin typeface="Arial" panose="020B0604020202020204" pitchFamily="34" charset="0"/>
-                <a:cs typeface="Arial" panose="020B0604020202020204" pitchFamily="34" charset="0"/>
-              </a:rPr>
-              <a:t>Member functions</a:t>
-            </a:r>
-          </a:p>
-          <a:p>
-            <a:r>
-              <a:rPr lang="en-US" sz="1200" b="1" dirty="0" err="1">
-                <a:latin typeface="Arial" panose="020B0604020202020204" pitchFamily="34" charset="0"/>
-                <a:cs typeface="Arial" panose="020B0604020202020204" pitchFamily="34" charset="0"/>
-              </a:rPr>
-              <a:t>getGuest</a:t>
-            </a:r>
-            <a:r>
-              <a:rPr lang="en-US" sz="1200" b="1" dirty="0">
-                <a:latin typeface="Arial" panose="020B0604020202020204" pitchFamily="34" charset="0"/>
-                <a:cs typeface="Arial" panose="020B0604020202020204" pitchFamily="34" charset="0"/>
-              </a:rPr>
-              <a:t> { return </a:t>
-            </a:r>
-            <a:r>
-              <a:rPr lang="en-US" sz="1200" b="1" dirty="0" err="1">
-                <a:latin typeface="Arial" panose="020B0604020202020204" pitchFamily="34" charset="0"/>
-                <a:cs typeface="Arial" panose="020B0604020202020204" pitchFamily="34" charset="0"/>
-              </a:rPr>
-              <a:t>m_tag_guest</a:t>
-            </a:r>
-            <a:r>
-              <a:rPr lang="en-US" sz="1200" b="1" dirty="0">
-                <a:latin typeface="Arial" panose="020B0604020202020204" pitchFamily="34" charset="0"/>
-                <a:cs typeface="Arial" panose="020B0604020202020204" pitchFamily="34" charset="0"/>
-              </a:rPr>
-              <a:t>}</a:t>
-            </a:r>
-          </a:p>
-          <a:p>
-            <a:r>
-              <a:rPr lang="en-US" sz="1200" b="1" dirty="0" err="1">
-                <a:latin typeface="Arial" panose="020B0604020202020204" pitchFamily="34" charset="0"/>
-                <a:cs typeface="Arial" panose="020B0604020202020204" pitchFamily="34" charset="0"/>
-              </a:rPr>
-              <a:t>getGuestYear</a:t>
-            </a:r>
-            <a:r>
-              <a:rPr lang="en-US" sz="1200" b="1" dirty="0">
-                <a:latin typeface="Arial" panose="020B0604020202020204" pitchFamily="34" charset="0"/>
-                <a:cs typeface="Arial" panose="020B0604020202020204" pitchFamily="34" charset="0"/>
-              </a:rPr>
-              <a:t>{return </a:t>
-            </a:r>
-            <a:r>
-              <a:rPr lang="en-US" sz="1200" b="1" dirty="0" err="1">
-                <a:latin typeface="Arial" panose="020B0604020202020204" pitchFamily="34" charset="0"/>
-                <a:cs typeface="Arial" panose="020B0604020202020204" pitchFamily="34" charset="0"/>
-              </a:rPr>
-              <a:t>m_tag_guest_year</a:t>
-            </a:r>
-            <a:r>
-              <a:rPr lang="en-US" sz="1200" b="1" dirty="0">
-                <a:latin typeface="Arial" panose="020B0604020202020204" pitchFamily="34" charset="0"/>
-                <a:cs typeface="Arial" panose="020B0604020202020204" pitchFamily="34" charset="0"/>
-              </a:rPr>
-              <a:t>}</a:t>
-            </a:r>
-          </a:p>
-          <a:p>
-            <a:r>
-              <a:rPr lang="en-US" sz="1200" b="1" dirty="0">
-                <a:latin typeface="Arial" panose="020B0604020202020204" pitchFamily="34" charset="0"/>
-                <a:cs typeface="Arial" panose="020B0604020202020204" pitchFamily="34" charset="0"/>
-              </a:rPr>
-              <a:t>...</a:t>
-            </a:r>
-          </a:p>
-          <a:p>
-            <a:r>
-              <a:rPr lang="en-US" sz="1200" b="1" dirty="0">
-                <a:latin typeface="Arial" panose="020B0604020202020204" pitchFamily="34" charset="0"/>
-                <a:cs typeface="Arial" panose="020B0604020202020204" pitchFamily="34" charset="0"/>
-              </a:rPr>
-              <a:t>…. </a:t>
-            </a:r>
-          </a:p>
-          <a:p>
-            <a:r>
-              <a:rPr lang="en-US" sz="1200" b="1" dirty="0" err="1">
-                <a:latin typeface="Arial" panose="020B0604020202020204" pitchFamily="34" charset="0"/>
-                <a:cs typeface="Arial" panose="020B0604020202020204" pitchFamily="34" charset="0"/>
-              </a:rPr>
-              <a:t>getGuestRecNumber</a:t>
-            </a:r>
-            <a:r>
-              <a:rPr lang="en-US" sz="1200" b="1" dirty="0">
-                <a:latin typeface="Arial" panose="020B0604020202020204" pitchFamily="34" charset="0"/>
-                <a:cs typeface="Arial" panose="020B0604020202020204" pitchFamily="34" charset="0"/>
-              </a:rPr>
-              <a:t>{return </a:t>
-            </a:r>
-            <a:r>
-              <a:rPr lang="en-US" sz="1200" b="1" dirty="0" err="1">
-                <a:latin typeface="Arial" panose="020B0604020202020204" pitchFamily="34" charset="0"/>
-                <a:cs typeface="Arial" panose="020B0604020202020204" pitchFamily="34" charset="0"/>
-              </a:rPr>
-              <a:t>m_tag_guest_number</a:t>
-            </a:r>
-            <a:r>
-              <a:rPr lang="en-US" sz="1200" b="1" dirty="0">
-                <a:latin typeface="Arial" panose="020B0604020202020204" pitchFamily="34" charset="0"/>
-                <a:cs typeface="Arial" panose="020B0604020202020204" pitchFamily="34" charset="0"/>
-              </a:rPr>
-              <a:t>}</a:t>
-            </a:r>
-          </a:p>
-        </p:txBody>
-      </p:sp>
-    </p:spTree>
-    <p:extLst>
-      <p:ext uri="{BB962C8B-B14F-4D97-AF65-F5344CB8AC3E}">
-        <p14:creationId xmlns:p14="http://schemas.microsoft.com/office/powerpoint/2010/main" val="3822312548"/>
-      </p:ext>
-    </p:extLst>
-  </p:cSld>
-  <p:clrMapOvr>
-    <a:masterClrMapping/>
-  </p:clrMapOvr>
-</p:sld>
-</file>
-
 <file path=ppt/slides/slide6.xml><?xml version="1.0" encoding="utf-8"?>
 <p:sld xmlns:a="http://schemas.openxmlformats.org/drawingml/2006/main" xmlns:r="http://schemas.openxmlformats.org/officeDocument/2006/relationships" xmlns:p="http://schemas.openxmlformats.org/presentationml/2006/main">
   <p:cSld>
@@ -8046,10 +7863,69 @@
       </p:grpSpPr>
       <p:sp>
         <p:nvSpPr>
+          <p:cNvPr id="4" name="Textfeld 3">
+            <a:extLst>
+              <a:ext uri="{FF2B5EF4-FFF2-40B4-BE49-F238E27FC236}">
+                <a16:creationId xmlns:a16="http://schemas.microsoft.com/office/drawing/2014/main" id="{A7268E18-B8BE-ABAA-DDE8-AC1C558CACDE}"/>
+              </a:ext>
+            </a:extLst>
+          </p:cNvPr>
+          <p:cNvSpPr txBox="1"/>
+          <p:nvPr/>
+        </p:nvSpPr>
+        <p:spPr>
+          <a:xfrm>
+            <a:off x="69574" y="167071"/>
+            <a:ext cx="11996530" cy="369332"/>
+          </a:xfrm>
+          <a:prstGeom prst="rect">
+            <a:avLst/>
+          </a:prstGeom>
+          <a:noFill/>
+        </p:spPr>
+        <p:txBody>
+          <a:bodyPr wrap="square" rtlCol="0">
+            <a:spAutoFit/>
+          </a:bodyPr>
+          <a:lstStyle/>
+          <a:p>
+            <a:pPr algn="ctr"/>
+            <a:r>
+              <a:rPr lang="fr-FR" b="1" dirty="0">
+                <a:solidFill>
+                  <a:srgbClr val="FF0000"/>
+                </a:solidFill>
+                <a:latin typeface="Arial" panose="020B0604020202020204" pitchFamily="34" charset="0"/>
+                <a:cs typeface="Arial" panose="020B0604020202020204" pitchFamily="34" charset="0"/>
+              </a:rPr>
+              <a:t>Class </a:t>
+            </a:r>
+            <a:r>
+              <a:rPr lang="fr-FR" b="1" dirty="0" err="1">
+                <a:solidFill>
+                  <a:srgbClr val="FF0000"/>
+                </a:solidFill>
+                <a:latin typeface="Arial" panose="020B0604020202020204" pitchFamily="34" charset="0"/>
+                <a:cs typeface="Arial" panose="020B0604020202020204" pitchFamily="34" charset="0"/>
+              </a:rPr>
+              <a:t>JazzGuestsXml</a:t>
+            </a:r>
+            <a:endParaRPr lang="fr-FR" b="1" dirty="0">
+              <a:solidFill>
+                <a:srgbClr val="FF0000"/>
+              </a:solidFill>
+              <a:latin typeface="Arial" panose="020B0604020202020204" pitchFamily="34" charset="0"/>
+              <a:cs typeface="Arial" panose="020B0604020202020204" pitchFamily="34" charset="0"/>
+            </a:endParaRPr>
+          </a:p>
+        </p:txBody>
+      </p:sp>
+      <p:sp>
+        <p:nvSpPr>
           <p:cNvPr id="2" name="Rechteck 1">
             <a:extLst>
               <a:ext uri="{FF2B5EF4-FFF2-40B4-BE49-F238E27FC236}">
-                <a16:creationId xmlns:a16="http://schemas.microsoft.com/office/drawing/2014/main" id="{DBF86F22-2A28-6785-1835-33084F1DB553}"/>
+                <a16:creationId xmlns:a16="http://schemas.microsoft.com/office/drawing/2014/main" id="{C384BE89-3DD1-6EF4-5568-9DB221E19BC2}"/>
               </a:ext>
             </a:extLst>
           </p:cNvPr>
@@ -8058,8 +7934,8 @@
         </p:nvSpPr>
         <p:spPr>
           <a:xfrm>
-            <a:off x="3442423" y="1097460"/>
-            <a:ext cx="4611761" cy="5333157"/>
+            <a:off x="1133055" y="1292084"/>
+            <a:ext cx="4611761" cy="4577450"/>
           </a:xfrm>
           <a:prstGeom prst="rect">
             <a:avLst/>
@@ -8104,10 +7980,10 @@
       </p:sp>
       <p:sp>
         <p:nvSpPr>
-          <p:cNvPr id="3" name="Textfeld 2">
-            <a:extLst>
-              <a:ext uri="{FF2B5EF4-FFF2-40B4-BE49-F238E27FC236}">
-                <a16:creationId xmlns:a16="http://schemas.microsoft.com/office/drawing/2014/main" id="{D2AFB689-B3AA-0806-80F0-32DDF117B526}"/>
+          <p:cNvPr id="19" name="Textfeld 18">
+            <a:extLst>
+              <a:ext uri="{FF2B5EF4-FFF2-40B4-BE49-F238E27FC236}">
+                <a16:creationId xmlns:a16="http://schemas.microsoft.com/office/drawing/2014/main" id="{F911FA2C-09E4-F2CB-CB31-EDB6ED374F0F}"/>
               </a:ext>
             </a:extLst>
           </p:cNvPr>
@@ -8116,8 +7992,8 @@
         </p:nvSpPr>
         <p:spPr>
           <a:xfrm>
-            <a:off x="3442423" y="785525"/>
-            <a:ext cx="4810543" cy="307777"/>
+            <a:off x="1232447" y="2658126"/>
+            <a:ext cx="1759232" cy="2154436"/>
           </a:xfrm>
           <a:prstGeom prst="rect">
             <a:avLst/>
@@ -8131,11 +8007,717 @@
           <a:lstStyle/>
           <a:p>
             <a:r>
+              <a:rPr lang="en-US" sz="1400" b="1" dirty="0">
+                <a:latin typeface="Arial" panose="020B0604020202020204" pitchFamily="34" charset="0"/>
+                <a:cs typeface="Arial" panose="020B0604020202020204" pitchFamily="34" charset="0"/>
+              </a:rPr>
+              <a:t>Get functions</a:t>
+            </a:r>
+          </a:p>
+          <a:p>
+            <a:r>
+              <a:rPr lang="en-US" sz="1200" b="1" dirty="0">
+                <a:latin typeface="Arial" panose="020B0604020202020204" pitchFamily="34" charset="0"/>
+                <a:cs typeface="Arial" panose="020B0604020202020204" pitchFamily="34" charset="0"/>
+              </a:rPr>
+              <a:t>….</a:t>
+            </a:r>
+          </a:p>
+          <a:p>
+            <a:r>
+              <a:rPr lang="en-US" sz="1200" b="1" dirty="0" err="1">
+                <a:latin typeface="Arial" panose="020B0604020202020204" pitchFamily="34" charset="0"/>
+                <a:cs typeface="Arial" panose="020B0604020202020204" pitchFamily="34" charset="0"/>
+              </a:rPr>
+              <a:t>getGuestBand</a:t>
+            </a:r>
+            <a:endParaRPr lang="en-US" sz="1200" b="1" dirty="0">
+              <a:latin typeface="Arial" panose="020B0604020202020204" pitchFamily="34" charset="0"/>
+              <a:cs typeface="Arial" panose="020B0604020202020204" pitchFamily="34" charset="0"/>
+            </a:endParaRPr>
+          </a:p>
+          <a:p>
+            <a:r>
+              <a:rPr lang="en-US" sz="1200" b="1" dirty="0" err="1">
+                <a:latin typeface="Arial" panose="020B0604020202020204" pitchFamily="34" charset="0"/>
+                <a:cs typeface="Arial" panose="020B0604020202020204" pitchFamily="34" charset="0"/>
+              </a:rPr>
+              <a:t>getGuestMusicians</a:t>
+            </a:r>
+            <a:endParaRPr lang="en-US" sz="1200" b="1" dirty="0">
+              <a:latin typeface="Arial" panose="020B0604020202020204" pitchFamily="34" charset="0"/>
+              <a:cs typeface="Arial" panose="020B0604020202020204" pitchFamily="34" charset="0"/>
+            </a:endParaRPr>
+          </a:p>
+          <a:p>
+            <a:r>
+              <a:rPr lang="en-US" sz="1200" b="1" dirty="0" err="1">
+                <a:latin typeface="Arial" panose="020B0604020202020204" pitchFamily="34" charset="0"/>
+                <a:cs typeface="Arial" panose="020B0604020202020204" pitchFamily="34" charset="0"/>
+              </a:rPr>
+              <a:t>getGuestHeader</a:t>
+            </a:r>
+            <a:endParaRPr lang="en-US" sz="1200" b="1" dirty="0">
+              <a:latin typeface="Arial" panose="020B0604020202020204" pitchFamily="34" charset="0"/>
+              <a:cs typeface="Arial" panose="020B0604020202020204" pitchFamily="34" charset="0"/>
+            </a:endParaRPr>
+          </a:p>
+          <a:p>
+            <a:r>
+              <a:rPr lang="en-US" sz="1200" b="1" dirty="0" err="1">
+                <a:latin typeface="Arial" panose="020B0604020202020204" pitchFamily="34" charset="0"/>
+                <a:cs typeface="Arial" panose="020B0604020202020204" pitchFamily="34" charset="0"/>
+              </a:rPr>
+              <a:t>getGuestText</a:t>
+            </a:r>
+            <a:endParaRPr lang="en-US" sz="1200" b="1" dirty="0">
+              <a:latin typeface="Arial" panose="020B0604020202020204" pitchFamily="34" charset="0"/>
+              <a:cs typeface="Arial" panose="020B0604020202020204" pitchFamily="34" charset="0"/>
+            </a:endParaRPr>
+          </a:p>
+          <a:p>
+            <a:r>
+              <a:rPr lang="en-US" sz="1200" b="1" dirty="0" err="1">
+                <a:latin typeface="Arial" panose="020B0604020202020204" pitchFamily="34" charset="0"/>
+                <a:cs typeface="Arial" panose="020B0604020202020204" pitchFamily="34" charset="0"/>
+              </a:rPr>
+              <a:t>getGuestNames</a:t>
+            </a:r>
+            <a:endParaRPr lang="en-US" sz="1200" b="1" dirty="0">
+              <a:latin typeface="Arial" panose="020B0604020202020204" pitchFamily="34" charset="0"/>
+              <a:cs typeface="Arial" panose="020B0604020202020204" pitchFamily="34" charset="0"/>
+            </a:endParaRPr>
+          </a:p>
+          <a:p>
+            <a:r>
+              <a:rPr lang="en-US" sz="1200" b="1" dirty="0">
+                <a:latin typeface="Arial" panose="020B0604020202020204" pitchFamily="34" charset="0"/>
+                <a:cs typeface="Arial" panose="020B0604020202020204" pitchFamily="34" charset="0"/>
+              </a:rPr>
+              <a:t>….</a:t>
+            </a:r>
+          </a:p>
+          <a:p>
+            <a:r>
+              <a:rPr lang="en-US" sz="1200" b="1" dirty="0" err="1">
+                <a:latin typeface="Arial" panose="020B0604020202020204" pitchFamily="34" charset="0"/>
+                <a:cs typeface="Arial" panose="020B0604020202020204" pitchFamily="34" charset="0"/>
+              </a:rPr>
+              <a:t>getPublishBool</a:t>
+            </a:r>
+            <a:endParaRPr lang="en-US" sz="1200" b="1" dirty="0">
+              <a:latin typeface="Arial" panose="020B0604020202020204" pitchFamily="34" charset="0"/>
+              <a:cs typeface="Arial" panose="020B0604020202020204" pitchFamily="34" charset="0"/>
+            </a:endParaRPr>
+          </a:p>
+          <a:p>
+            <a:r>
+              <a:rPr lang="en-US" sz="1200" b="1" dirty="0">
+                <a:latin typeface="Arial" panose="020B0604020202020204" pitchFamily="34" charset="0"/>
+                <a:cs typeface="Arial" panose="020B0604020202020204" pitchFamily="34" charset="0"/>
+              </a:rPr>
+              <a:t>….</a:t>
+            </a:r>
+          </a:p>
+          <a:p>
+            <a:endParaRPr lang="en-US" sz="1200" b="1" dirty="0">
+              <a:latin typeface="Arial" panose="020B0604020202020204" pitchFamily="34" charset="0"/>
+              <a:cs typeface="Arial" panose="020B0604020202020204" pitchFamily="34" charset="0"/>
+            </a:endParaRPr>
+          </a:p>
+        </p:txBody>
+      </p:sp>
+      <p:sp>
+        <p:nvSpPr>
+          <p:cNvPr id="23" name="Textfeld 22">
+            <a:extLst>
+              <a:ext uri="{FF2B5EF4-FFF2-40B4-BE49-F238E27FC236}">
+                <a16:creationId xmlns:a16="http://schemas.microsoft.com/office/drawing/2014/main" id="{01FD4CF3-3480-EF2D-A5AA-5ECD772A286C}"/>
+              </a:ext>
+            </a:extLst>
+          </p:cNvPr>
+          <p:cNvSpPr txBox="1"/>
+          <p:nvPr/>
+        </p:nvSpPr>
+        <p:spPr>
+          <a:xfrm>
+            <a:off x="3468751" y="2623933"/>
+            <a:ext cx="1759232" cy="2154436"/>
+          </a:xfrm>
+          <a:prstGeom prst="rect">
+            <a:avLst/>
+          </a:prstGeom>
+          <a:noFill/>
+        </p:spPr>
+        <p:txBody>
+          <a:bodyPr wrap="square" rtlCol="0">
+            <a:spAutoFit/>
+          </a:bodyPr>
+          <a:lstStyle/>
+          <a:p>
+            <a:r>
+              <a:rPr lang="en-US" sz="1400" b="1" dirty="0">
+                <a:latin typeface="Arial" panose="020B0604020202020204" pitchFamily="34" charset="0"/>
+                <a:cs typeface="Arial" panose="020B0604020202020204" pitchFamily="34" charset="0"/>
+              </a:rPr>
+              <a:t>Set functions</a:t>
+            </a:r>
+          </a:p>
+          <a:p>
+            <a:r>
+              <a:rPr lang="en-US" sz="1200" b="1" dirty="0">
+                <a:latin typeface="Arial" panose="020B0604020202020204" pitchFamily="34" charset="0"/>
+                <a:cs typeface="Arial" panose="020B0604020202020204" pitchFamily="34" charset="0"/>
+              </a:rPr>
+              <a:t>….</a:t>
+            </a:r>
+          </a:p>
+          <a:p>
+            <a:r>
+              <a:rPr lang="en-US" sz="1200" b="1" dirty="0" err="1">
+                <a:latin typeface="Arial" panose="020B0604020202020204" pitchFamily="34" charset="0"/>
+                <a:cs typeface="Arial" panose="020B0604020202020204" pitchFamily="34" charset="0"/>
+              </a:rPr>
+              <a:t>setGuestBand</a:t>
+            </a:r>
+            <a:endParaRPr lang="en-US" sz="1200" b="1" dirty="0">
+              <a:latin typeface="Arial" panose="020B0604020202020204" pitchFamily="34" charset="0"/>
+              <a:cs typeface="Arial" panose="020B0604020202020204" pitchFamily="34" charset="0"/>
+            </a:endParaRPr>
+          </a:p>
+          <a:p>
+            <a:r>
+              <a:rPr lang="en-US" sz="1200" b="1" dirty="0" err="1">
+                <a:latin typeface="Arial" panose="020B0604020202020204" pitchFamily="34" charset="0"/>
+                <a:cs typeface="Arial" panose="020B0604020202020204" pitchFamily="34" charset="0"/>
+              </a:rPr>
+              <a:t>setGuestMusicians</a:t>
+            </a:r>
+            <a:endParaRPr lang="en-US" sz="1200" b="1" dirty="0">
+              <a:latin typeface="Arial" panose="020B0604020202020204" pitchFamily="34" charset="0"/>
+              <a:cs typeface="Arial" panose="020B0604020202020204" pitchFamily="34" charset="0"/>
+            </a:endParaRPr>
+          </a:p>
+          <a:p>
+            <a:r>
+              <a:rPr lang="en-US" sz="1200" b="1" dirty="0" err="1">
+                <a:latin typeface="Arial" panose="020B0604020202020204" pitchFamily="34" charset="0"/>
+                <a:cs typeface="Arial" panose="020B0604020202020204" pitchFamily="34" charset="0"/>
+              </a:rPr>
+              <a:t>setGuestHeader</a:t>
+            </a:r>
+            <a:endParaRPr lang="en-US" sz="1200" b="1" dirty="0">
+              <a:latin typeface="Arial" panose="020B0604020202020204" pitchFamily="34" charset="0"/>
+              <a:cs typeface="Arial" panose="020B0604020202020204" pitchFamily="34" charset="0"/>
+            </a:endParaRPr>
+          </a:p>
+          <a:p>
+            <a:r>
+              <a:rPr lang="en-US" sz="1200" b="1" dirty="0" err="1">
+                <a:latin typeface="Arial" panose="020B0604020202020204" pitchFamily="34" charset="0"/>
+                <a:cs typeface="Arial" panose="020B0604020202020204" pitchFamily="34" charset="0"/>
+              </a:rPr>
+              <a:t>setGuestText</a:t>
+            </a:r>
+            <a:endParaRPr lang="en-US" sz="1200" b="1" dirty="0">
+              <a:latin typeface="Arial" panose="020B0604020202020204" pitchFamily="34" charset="0"/>
+              <a:cs typeface="Arial" panose="020B0604020202020204" pitchFamily="34" charset="0"/>
+            </a:endParaRPr>
+          </a:p>
+          <a:p>
+            <a:r>
+              <a:rPr lang="en-US" sz="1200" b="1" dirty="0" err="1">
+                <a:latin typeface="Arial" panose="020B0604020202020204" pitchFamily="34" charset="0"/>
+                <a:cs typeface="Arial" panose="020B0604020202020204" pitchFamily="34" charset="0"/>
+              </a:rPr>
+              <a:t>setGuestNames</a:t>
+            </a:r>
+            <a:endParaRPr lang="en-US" sz="1200" b="1" dirty="0">
+              <a:latin typeface="Arial" panose="020B0604020202020204" pitchFamily="34" charset="0"/>
+              <a:cs typeface="Arial" panose="020B0604020202020204" pitchFamily="34" charset="0"/>
+            </a:endParaRPr>
+          </a:p>
+          <a:p>
+            <a:r>
+              <a:rPr lang="en-US" sz="1200" b="1" dirty="0">
+                <a:latin typeface="Arial" panose="020B0604020202020204" pitchFamily="34" charset="0"/>
+                <a:cs typeface="Arial" panose="020B0604020202020204" pitchFamily="34" charset="0"/>
+              </a:rPr>
+              <a:t>….</a:t>
+            </a:r>
+          </a:p>
+          <a:p>
+            <a:r>
+              <a:rPr lang="en-US" sz="1200" b="1" dirty="0" err="1">
+                <a:latin typeface="Arial" panose="020B0604020202020204" pitchFamily="34" charset="0"/>
+                <a:cs typeface="Arial" panose="020B0604020202020204" pitchFamily="34" charset="0"/>
+              </a:rPr>
+              <a:t>setPublishBool</a:t>
+            </a:r>
+            <a:endParaRPr lang="en-US" sz="1200" b="1" dirty="0">
+              <a:latin typeface="Arial" panose="020B0604020202020204" pitchFamily="34" charset="0"/>
+              <a:cs typeface="Arial" panose="020B0604020202020204" pitchFamily="34" charset="0"/>
+            </a:endParaRPr>
+          </a:p>
+          <a:p>
+            <a:r>
+              <a:rPr lang="en-US" sz="1200" b="1" dirty="0">
+                <a:latin typeface="Arial" panose="020B0604020202020204" pitchFamily="34" charset="0"/>
+                <a:cs typeface="Arial" panose="020B0604020202020204" pitchFamily="34" charset="0"/>
+              </a:rPr>
+              <a:t>….</a:t>
+            </a:r>
+          </a:p>
+          <a:p>
+            <a:endParaRPr lang="en-US" sz="1200" b="1" dirty="0">
+              <a:latin typeface="Arial" panose="020B0604020202020204" pitchFamily="34" charset="0"/>
+              <a:cs typeface="Arial" panose="020B0604020202020204" pitchFamily="34" charset="0"/>
+            </a:endParaRPr>
+          </a:p>
+        </p:txBody>
+      </p:sp>
+      <p:sp>
+        <p:nvSpPr>
+          <p:cNvPr id="25" name="Textfeld 24">
+            <a:extLst>
+              <a:ext uri="{FF2B5EF4-FFF2-40B4-BE49-F238E27FC236}">
+                <a16:creationId xmlns:a16="http://schemas.microsoft.com/office/drawing/2014/main" id="{0A378498-77CA-9E88-EAC3-86F092BA7B31}"/>
+              </a:ext>
+            </a:extLst>
+          </p:cNvPr>
+          <p:cNvSpPr txBox="1"/>
+          <p:nvPr/>
+        </p:nvSpPr>
+        <p:spPr>
+          <a:xfrm>
+            <a:off x="1232447" y="4778369"/>
+            <a:ext cx="1759232" cy="861774"/>
+          </a:xfrm>
+          <a:prstGeom prst="rect">
+            <a:avLst/>
+          </a:prstGeom>
+          <a:noFill/>
+        </p:spPr>
+        <p:txBody>
+          <a:bodyPr wrap="square" rtlCol="0">
+            <a:spAutoFit/>
+          </a:bodyPr>
+          <a:lstStyle/>
+          <a:p>
+            <a:r>
+              <a:rPr lang="en-US" sz="1400" b="1" dirty="0">
+                <a:latin typeface="Arial" panose="020B0604020202020204" pitchFamily="34" charset="0"/>
+                <a:cs typeface="Arial" panose="020B0604020202020204" pitchFamily="34" charset="0"/>
+              </a:rPr>
+              <a:t>Edit functions</a:t>
+            </a:r>
+          </a:p>
+          <a:p>
+            <a:r>
+              <a:rPr lang="en-US" sz="1200" b="1" dirty="0" err="1">
+                <a:latin typeface="Arial" panose="020B0604020202020204" pitchFamily="34" charset="0"/>
+                <a:cs typeface="Arial" panose="020B0604020202020204" pitchFamily="34" charset="0"/>
+              </a:rPr>
+              <a:t>appendGuestNode</a:t>
+            </a:r>
+            <a:endParaRPr lang="en-US" sz="1200" b="1" dirty="0">
+              <a:latin typeface="Arial" panose="020B0604020202020204" pitchFamily="34" charset="0"/>
+              <a:cs typeface="Arial" panose="020B0604020202020204" pitchFamily="34" charset="0"/>
+            </a:endParaRPr>
+          </a:p>
+          <a:p>
+            <a:r>
+              <a:rPr lang="en-US" sz="1200" b="1" dirty="0" err="1">
+                <a:latin typeface="Arial" panose="020B0604020202020204" pitchFamily="34" charset="0"/>
+                <a:cs typeface="Arial" panose="020B0604020202020204" pitchFamily="34" charset="0"/>
+              </a:rPr>
+              <a:t>deleteGuestNode</a:t>
+            </a:r>
+            <a:endParaRPr lang="en-US" sz="1200" b="1" dirty="0">
+              <a:latin typeface="Arial" panose="020B0604020202020204" pitchFamily="34" charset="0"/>
+              <a:cs typeface="Arial" panose="020B0604020202020204" pitchFamily="34" charset="0"/>
+            </a:endParaRPr>
+          </a:p>
+          <a:p>
+            <a:endParaRPr lang="en-US" sz="1200" b="1" dirty="0">
+              <a:latin typeface="Arial" panose="020B0604020202020204" pitchFamily="34" charset="0"/>
+              <a:cs typeface="Arial" panose="020B0604020202020204" pitchFamily="34" charset="0"/>
+            </a:endParaRPr>
+          </a:p>
+        </p:txBody>
+      </p:sp>
+      <p:sp>
+        <p:nvSpPr>
+          <p:cNvPr id="27" name="Textfeld 26">
+            <a:extLst>
+              <a:ext uri="{FF2B5EF4-FFF2-40B4-BE49-F238E27FC236}">
+                <a16:creationId xmlns:a16="http://schemas.microsoft.com/office/drawing/2014/main" id="{45CE9345-1573-5FED-9655-EECF5B05A646}"/>
+              </a:ext>
+            </a:extLst>
+          </p:cNvPr>
+          <p:cNvSpPr txBox="1"/>
+          <p:nvPr/>
+        </p:nvSpPr>
+        <p:spPr>
+          <a:xfrm>
+            <a:off x="3409122" y="4591878"/>
+            <a:ext cx="2064036" cy="1231106"/>
+          </a:xfrm>
+          <a:prstGeom prst="rect">
+            <a:avLst/>
+          </a:prstGeom>
+          <a:noFill/>
+        </p:spPr>
+        <p:txBody>
+          <a:bodyPr wrap="square" rtlCol="0">
+            <a:spAutoFit/>
+          </a:bodyPr>
+          <a:lstStyle/>
+          <a:p>
+            <a:r>
+              <a:rPr lang="en-US" sz="1400" b="1" dirty="0">
+                <a:latin typeface="Arial" panose="020B0604020202020204" pitchFamily="34" charset="0"/>
+                <a:cs typeface="Arial" panose="020B0604020202020204" pitchFamily="34" charset="0"/>
+              </a:rPr>
+              <a:t>Utility functions</a:t>
+            </a:r>
+          </a:p>
+          <a:p>
+            <a:r>
+              <a:rPr lang="en-US" sz="1200" b="1" dirty="0" err="1">
+                <a:latin typeface="Arial" panose="020B0604020202020204" pitchFamily="34" charset="0"/>
+                <a:cs typeface="Arial" panose="020B0604020202020204" pitchFamily="34" charset="0"/>
+              </a:rPr>
+              <a:t>initAppendedForImg</a:t>
+            </a:r>
+            <a:endParaRPr lang="en-US" sz="1200" b="1" dirty="0">
+              <a:latin typeface="Arial" panose="020B0604020202020204" pitchFamily="34" charset="0"/>
+              <a:cs typeface="Arial" panose="020B0604020202020204" pitchFamily="34" charset="0"/>
+            </a:endParaRPr>
+          </a:p>
+          <a:p>
+            <a:r>
+              <a:rPr lang="en-US" sz="1200" b="1" dirty="0" err="1">
+                <a:latin typeface="Arial" panose="020B0604020202020204" pitchFamily="34" charset="0"/>
+                <a:cs typeface="Arial" panose="020B0604020202020204" pitchFamily="34" charset="0"/>
+              </a:rPr>
+              <a:t>getNextRegNumberInt</a:t>
+            </a:r>
+            <a:endParaRPr lang="en-US" sz="1200" b="1" dirty="0">
+              <a:latin typeface="Arial" panose="020B0604020202020204" pitchFamily="34" charset="0"/>
+              <a:cs typeface="Arial" panose="020B0604020202020204" pitchFamily="34" charset="0"/>
+            </a:endParaRPr>
+          </a:p>
+          <a:p>
+            <a:r>
+              <a:rPr lang="en-US" sz="1200" b="1" dirty="0" err="1">
+                <a:latin typeface="Arial" panose="020B0604020202020204" pitchFamily="34" charset="0"/>
+                <a:cs typeface="Arial" panose="020B0604020202020204" pitchFamily="34" charset="0"/>
+              </a:rPr>
+              <a:t>getRecordsImageArray</a:t>
+            </a:r>
+            <a:endParaRPr lang="en-US" sz="1200" b="1" dirty="0">
+              <a:latin typeface="Arial" panose="020B0604020202020204" pitchFamily="34" charset="0"/>
+              <a:cs typeface="Arial" panose="020B0604020202020204" pitchFamily="34" charset="0"/>
+            </a:endParaRPr>
+          </a:p>
+          <a:p>
+            <a:r>
+              <a:rPr lang="en-US" sz="1200" b="1" dirty="0" err="1">
+                <a:latin typeface="Arial" panose="020B0604020202020204" pitchFamily="34" charset="0"/>
+                <a:cs typeface="Arial" panose="020B0604020202020204" pitchFamily="34" charset="0"/>
+              </a:rPr>
+              <a:t>getJazzGuestArray</a:t>
+            </a:r>
+            <a:endParaRPr lang="en-US" sz="1200" b="1" dirty="0">
+              <a:latin typeface="Arial" panose="020B0604020202020204" pitchFamily="34" charset="0"/>
+              <a:cs typeface="Arial" panose="020B0604020202020204" pitchFamily="34" charset="0"/>
+            </a:endParaRPr>
+          </a:p>
+          <a:p>
+            <a:r>
+              <a:rPr lang="en-US" sz="1200" b="1" dirty="0" err="1">
+                <a:latin typeface="Arial" panose="020B0604020202020204" pitchFamily="34" charset="0"/>
+                <a:cs typeface="Arial" panose="020B0604020202020204" pitchFamily="34" charset="0"/>
+              </a:rPr>
+              <a:t>getHeaderArray</a:t>
+            </a:r>
+            <a:endParaRPr lang="en-US" sz="1200" b="1" dirty="0">
+              <a:latin typeface="Arial" panose="020B0604020202020204" pitchFamily="34" charset="0"/>
+              <a:cs typeface="Arial" panose="020B0604020202020204" pitchFamily="34" charset="0"/>
+            </a:endParaRPr>
+          </a:p>
+        </p:txBody>
+      </p:sp>
+      <p:sp>
+        <p:nvSpPr>
+          <p:cNvPr id="28" name="Textfeld 27">
+            <a:extLst>
+              <a:ext uri="{FF2B5EF4-FFF2-40B4-BE49-F238E27FC236}">
+                <a16:creationId xmlns:a16="http://schemas.microsoft.com/office/drawing/2014/main" id="{6E400523-3A7D-2822-DA54-1303E35EBC93}"/>
+              </a:ext>
+            </a:extLst>
+          </p:cNvPr>
+          <p:cNvSpPr txBox="1"/>
+          <p:nvPr/>
+        </p:nvSpPr>
+        <p:spPr>
+          <a:xfrm>
+            <a:off x="1295414" y="1360242"/>
+            <a:ext cx="2928716" cy="1046440"/>
+          </a:xfrm>
+          <a:prstGeom prst="rect">
+            <a:avLst/>
+          </a:prstGeom>
+          <a:noFill/>
+        </p:spPr>
+        <p:txBody>
+          <a:bodyPr wrap="square" rtlCol="0">
+            <a:spAutoFit/>
+          </a:bodyPr>
+          <a:lstStyle/>
+          <a:p>
+            <a:r>
+              <a:rPr lang="en-US" sz="1400" b="1" dirty="0">
+                <a:latin typeface="Arial" panose="020B0604020202020204" pitchFamily="34" charset="0"/>
+                <a:cs typeface="Arial" panose="020B0604020202020204" pitchFamily="34" charset="0"/>
+              </a:rPr>
+              <a:t>Basic functions</a:t>
+            </a:r>
+          </a:p>
+          <a:p>
+            <a:r>
+              <a:rPr lang="en-US" sz="1200" b="1" dirty="0" err="1">
+                <a:latin typeface="Arial" panose="020B0604020202020204" pitchFamily="34" charset="0"/>
+                <a:cs typeface="Arial" panose="020B0604020202020204" pitchFamily="34" charset="0"/>
+              </a:rPr>
+              <a:t>loadOneXmlFile</a:t>
+            </a:r>
+            <a:endParaRPr lang="en-US" sz="1200" b="1" dirty="0">
+              <a:latin typeface="Arial" panose="020B0604020202020204" pitchFamily="34" charset="0"/>
+              <a:cs typeface="Arial" panose="020B0604020202020204" pitchFamily="34" charset="0"/>
+            </a:endParaRPr>
+          </a:p>
+          <a:p>
+            <a:r>
+              <a:rPr lang="en-US" sz="1200" b="1" dirty="0" err="1">
+                <a:latin typeface="Arial" panose="020B0604020202020204" pitchFamily="34" charset="0"/>
+                <a:cs typeface="Arial" panose="020B0604020202020204" pitchFamily="34" charset="0"/>
+              </a:rPr>
+              <a:t>setXmlObject</a:t>
+            </a:r>
+            <a:endParaRPr lang="en-US" sz="1200" b="1" dirty="0">
+              <a:latin typeface="Arial" panose="020B0604020202020204" pitchFamily="34" charset="0"/>
+              <a:cs typeface="Arial" panose="020B0604020202020204" pitchFamily="34" charset="0"/>
+            </a:endParaRPr>
+          </a:p>
+          <a:p>
+            <a:r>
+              <a:rPr lang="en-US" sz="1200" b="1" dirty="0" err="1">
+                <a:latin typeface="Arial" panose="020B0604020202020204" pitchFamily="34" charset="0"/>
+                <a:cs typeface="Arial" panose="020B0604020202020204" pitchFamily="34" charset="0"/>
+              </a:rPr>
+              <a:t>getXmlObject</a:t>
+            </a:r>
+            <a:endParaRPr lang="en-US" sz="1200" b="1" dirty="0">
+              <a:latin typeface="Arial" panose="020B0604020202020204" pitchFamily="34" charset="0"/>
+              <a:cs typeface="Arial" panose="020B0604020202020204" pitchFamily="34" charset="0"/>
+            </a:endParaRPr>
+          </a:p>
+          <a:p>
+            <a:r>
+              <a:rPr lang="en-US" sz="1200" b="1" dirty="0" err="1">
+                <a:latin typeface="Arial" panose="020B0604020202020204" pitchFamily="34" charset="0"/>
+                <a:cs typeface="Arial" panose="020B0604020202020204" pitchFamily="34" charset="0"/>
+              </a:rPr>
+              <a:t>getNumberOfGuestRecords</a:t>
+            </a:r>
+            <a:endParaRPr lang="en-US" sz="1200" b="1" dirty="0">
+              <a:latin typeface="Arial" panose="020B0604020202020204" pitchFamily="34" charset="0"/>
+              <a:cs typeface="Arial" panose="020B0604020202020204" pitchFamily="34" charset="0"/>
+            </a:endParaRPr>
+          </a:p>
+        </p:txBody>
+      </p:sp>
+      <p:sp>
+        <p:nvSpPr>
+          <p:cNvPr id="29" name="Textfeld 28">
+            <a:extLst>
+              <a:ext uri="{FF2B5EF4-FFF2-40B4-BE49-F238E27FC236}">
+                <a16:creationId xmlns:a16="http://schemas.microsoft.com/office/drawing/2014/main" id="{FD435807-C36C-CE3F-7886-6D2BCECF7D20}"/>
+              </a:ext>
+            </a:extLst>
+          </p:cNvPr>
+          <p:cNvSpPr txBox="1"/>
+          <p:nvPr/>
+        </p:nvSpPr>
+        <p:spPr>
+          <a:xfrm>
+            <a:off x="1133055" y="988466"/>
+            <a:ext cx="4810543" cy="307777"/>
+          </a:xfrm>
+          <a:prstGeom prst="rect">
+            <a:avLst/>
+          </a:prstGeom>
+          <a:noFill/>
+        </p:spPr>
+        <p:txBody>
+          <a:bodyPr wrap="square" rtlCol="0">
+            <a:spAutoFit/>
+          </a:bodyPr>
+          <a:lstStyle/>
+          <a:p>
+            <a:r>
               <a:rPr lang="en-US" sz="1400" b="1" dirty="0" err="1">
                 <a:latin typeface="Arial" panose="020B0604020202020204" pitchFamily="34" charset="0"/>
                 <a:cs typeface="Arial" panose="020B0604020202020204" pitchFamily="34" charset="0"/>
               </a:rPr>
-              <a:t>JazzGuest</a:t>
+              <a:t>JazzGuestsXml</a:t>
+            </a:r>
+            <a:r>
+              <a:rPr lang="en-US" sz="1400" b="1" dirty="0">
+                <a:latin typeface="Arial" panose="020B0604020202020204" pitchFamily="34" charset="0"/>
+                <a:cs typeface="Arial" panose="020B0604020202020204" pitchFamily="34" charset="0"/>
+              </a:rPr>
+              <a:t>(</a:t>
+            </a:r>
+            <a:r>
+              <a:rPr lang="en-US" sz="1400" b="1" dirty="0" err="1">
+                <a:latin typeface="Arial" panose="020B0604020202020204" pitchFamily="34" charset="0"/>
+                <a:cs typeface="Arial" panose="020B0604020202020204" pitchFamily="34" charset="0"/>
+              </a:rPr>
+              <a:t>i_callback</a:t>
+            </a:r>
+            <a:r>
+              <a:rPr lang="en-US" sz="1400" b="1" dirty="0">
+                <a:latin typeface="Arial" panose="020B0604020202020204" pitchFamily="34" charset="0"/>
+                <a:cs typeface="Arial" panose="020B0604020202020204" pitchFamily="34" charset="0"/>
+              </a:rPr>
+              <a:t>, </a:t>
+            </a:r>
+            <a:r>
+              <a:rPr lang="en-US" sz="1400" b="1" dirty="0" err="1">
+                <a:latin typeface="Arial" panose="020B0604020202020204" pitchFamily="34" charset="0"/>
+                <a:cs typeface="Arial" panose="020B0604020202020204" pitchFamily="34" charset="0"/>
+              </a:rPr>
+              <a:t>i_n_level</a:t>
+            </a:r>
+            <a:r>
+              <a:rPr lang="en-US" sz="1400" b="1" dirty="0">
+                <a:latin typeface="Arial" panose="020B0604020202020204" pitchFamily="34" charset="0"/>
+                <a:cs typeface="Arial" panose="020B0604020202020204" pitchFamily="34" charset="0"/>
+              </a:rPr>
+              <a:t>, </a:t>
+            </a:r>
+            <a:r>
+              <a:rPr lang="en-US" sz="1400" b="1" dirty="0" err="1">
+                <a:latin typeface="Arial" panose="020B0604020202020204" pitchFamily="34" charset="0"/>
+                <a:cs typeface="Arial" panose="020B0604020202020204" pitchFamily="34" charset="0"/>
+              </a:rPr>
+              <a:t>b_update_xml</a:t>
+            </a:r>
+            <a:r>
+              <a:rPr lang="en-US" sz="1400" b="1" dirty="0">
+                <a:latin typeface="Arial" panose="020B0604020202020204" pitchFamily="34" charset="0"/>
+                <a:cs typeface="Arial" panose="020B0604020202020204" pitchFamily="34" charset="0"/>
+              </a:rPr>
+              <a:t>)</a:t>
+            </a:r>
+          </a:p>
+        </p:txBody>
+      </p:sp>
+      <p:sp>
+        <p:nvSpPr>
+          <p:cNvPr id="35" name="Rechteck 34">
+            <a:extLst>
+              <a:ext uri="{FF2B5EF4-FFF2-40B4-BE49-F238E27FC236}">
+                <a16:creationId xmlns:a16="http://schemas.microsoft.com/office/drawing/2014/main" id="{AED88BE9-4F5E-3805-D55B-45B4FF072EA3}"/>
+              </a:ext>
+            </a:extLst>
+          </p:cNvPr>
+          <p:cNvSpPr/>
+          <p:nvPr/>
+        </p:nvSpPr>
+        <p:spPr>
+          <a:xfrm>
+            <a:off x="5950230" y="1296243"/>
+            <a:ext cx="4611761" cy="4577450"/>
+          </a:xfrm>
+          <a:prstGeom prst="rect">
+            <a:avLst/>
+          </a:prstGeom>
+          <a:noFill/>
+          <a:ln>
+            <a:solidFill>
+              <a:schemeClr val="tx1"/>
+            </a:solidFill>
+          </a:ln>
+        </p:spPr>
+        <p:style>
+          <a:lnRef idx="2">
+            <a:schemeClr val="accent1">
+              <a:shade val="50000"/>
+            </a:schemeClr>
+          </a:lnRef>
+          <a:fillRef idx="1">
+            <a:schemeClr val="accent1"/>
+          </a:fillRef>
+          <a:effectRef idx="0">
+            <a:schemeClr val="accent1"/>
+          </a:effectRef>
+          <a:fontRef idx="minor">
+            <a:schemeClr val="lt1"/>
+          </a:fontRef>
+        </p:style>
+        <p:txBody>
+          <a:bodyPr rtlCol="0" anchor="ctr"/>
+          <a:lstStyle/>
+          <a:p>
+            <a:pPr algn="ctr"/>
+            <a:endParaRPr lang="de-CH" sz="1400" dirty="0">
+              <a:solidFill>
+                <a:schemeClr val="tx1"/>
+              </a:solidFill>
+              <a:latin typeface="Arial" panose="020B0604020202020204" pitchFamily="34" charset="0"/>
+              <a:cs typeface="Arial" panose="020B0604020202020204" pitchFamily="34" charset="0"/>
+            </a:endParaRPr>
+          </a:p>
+        </p:txBody>
+      </p:sp>
+      <p:sp>
+        <p:nvSpPr>
+          <p:cNvPr id="36" name="Textfeld 35">
+            <a:extLst>
+              <a:ext uri="{FF2B5EF4-FFF2-40B4-BE49-F238E27FC236}">
+                <a16:creationId xmlns:a16="http://schemas.microsoft.com/office/drawing/2014/main" id="{43C20541-FCC6-27FF-16D4-9BBC6C35C6D5}"/>
+              </a:ext>
+            </a:extLst>
+          </p:cNvPr>
+          <p:cNvSpPr txBox="1"/>
+          <p:nvPr/>
+        </p:nvSpPr>
+        <p:spPr>
+          <a:xfrm>
+            <a:off x="5950230" y="984307"/>
+            <a:ext cx="4810543" cy="307777"/>
+          </a:xfrm>
+          <a:prstGeom prst="rect">
+            <a:avLst/>
+          </a:prstGeom>
+          <a:noFill/>
+        </p:spPr>
+        <p:txBody>
+          <a:bodyPr wrap="square" rtlCol="0">
+            <a:spAutoFit/>
+          </a:bodyPr>
+          <a:lstStyle/>
+          <a:p>
+            <a:r>
+              <a:rPr lang="en-US" sz="1400" b="1" dirty="0" err="1">
+                <a:latin typeface="Arial" panose="020B0604020202020204" pitchFamily="34" charset="0"/>
+                <a:cs typeface="Arial" panose="020B0604020202020204" pitchFamily="34" charset="0"/>
+              </a:rPr>
+              <a:t>JazzGuestsTags</a:t>
             </a:r>
             <a:endParaRPr lang="en-US" sz="1400" b="1" dirty="0">
               <a:latin typeface="Arial" panose="020B0604020202020204" pitchFamily="34" charset="0"/>
@@ -8146,10 +8728,10 @@
       </p:sp>
       <p:sp>
         <p:nvSpPr>
-          <p:cNvPr id="19" name="Textfeld 18">
-            <a:extLst>
-              <a:ext uri="{FF2B5EF4-FFF2-40B4-BE49-F238E27FC236}">
-                <a16:creationId xmlns:a16="http://schemas.microsoft.com/office/drawing/2014/main" id="{33E4419B-4053-9333-389D-5D6F53126084}"/>
+          <p:cNvPr id="37" name="Textfeld 36">
+            <a:extLst>
+              <a:ext uri="{FF2B5EF4-FFF2-40B4-BE49-F238E27FC236}">
+                <a16:creationId xmlns:a16="http://schemas.microsoft.com/office/drawing/2014/main" id="{1E222478-652C-CF8A-B93D-F0822FAA4BC3}"/>
               </a:ext>
             </a:extLst>
           </p:cNvPr>
@@ -8158,8 +8740,8 @@
         </p:nvSpPr>
         <p:spPr>
           <a:xfrm>
-            <a:off x="3538510" y="1250913"/>
-            <a:ext cx="4389767" cy="1600438"/>
+            <a:off x="6046317" y="1449695"/>
+            <a:ext cx="4389767" cy="1231106"/>
           </a:xfrm>
           <a:prstGeom prst="rect">
             <a:avLst/>
@@ -8186,28 +8768,28 @@
                 <a:latin typeface="Arial" panose="020B0604020202020204" pitchFamily="34" charset="0"/>
                 <a:cs typeface="Arial" panose="020B0604020202020204" pitchFamily="34" charset="0"/>
               </a:rPr>
-              <a:t>m_header</a:t>
+              <a:t>m_tag_guest</a:t>
             </a:r>
             <a:r>
               <a:rPr lang="en-US" sz="1200" b="1" dirty="0">
                 <a:latin typeface="Arial" panose="020B0604020202020204" pitchFamily="34" charset="0"/>
                 <a:cs typeface="Arial" panose="020B0604020202020204" pitchFamily="34" charset="0"/>
               </a:rPr>
-              <a:t>           &lt;</a:t>
+              <a:t> = "</a:t>
             </a:r>
             <a:r>
               <a:rPr lang="en-US" sz="1200" b="1" dirty="0" err="1">
                 <a:latin typeface="Arial" panose="020B0604020202020204" pitchFamily="34" charset="0"/>
                 <a:cs typeface="Arial" panose="020B0604020202020204" pitchFamily="34" charset="0"/>
               </a:rPr>
-              <a:t>JazzGuestHeader</a:t>
+              <a:t>JazzGuest</a:t>
             </a:r>
             <a:r>
               <a:rPr lang="en-US" sz="1200" b="1" dirty="0">
                 <a:latin typeface="Arial" panose="020B0604020202020204" pitchFamily="34" charset="0"/>
                 <a:cs typeface="Arial" panose="020B0604020202020204" pitchFamily="34" charset="0"/>
               </a:rPr>
-              <a:t>&gt;</a:t>
+              <a:t>"</a:t>
             </a:r>
           </a:p>
           <a:p>
@@ -8216,28 +8798,46 @@
                 <a:latin typeface="Arial" panose="020B0604020202020204" pitchFamily="34" charset="0"/>
                 <a:cs typeface="Arial" panose="020B0604020202020204" pitchFamily="34" charset="0"/>
               </a:rPr>
-              <a:t>m_text</a:t>
+              <a:t>m_tag_guest_year</a:t>
             </a:r>
             <a:r>
               <a:rPr lang="en-US" sz="1200" b="1" dirty="0">
                 <a:latin typeface="Arial" panose="020B0604020202020204" pitchFamily="34" charset="0"/>
                 <a:cs typeface="Arial" panose="020B0604020202020204" pitchFamily="34" charset="0"/>
               </a:rPr>
-              <a:t>                &lt;</a:t>
+              <a:t> = "</a:t>
             </a:r>
             <a:r>
               <a:rPr lang="en-US" sz="1200" b="1" dirty="0" err="1">
                 <a:latin typeface="Arial" panose="020B0604020202020204" pitchFamily="34" charset="0"/>
                 <a:cs typeface="Arial" panose="020B0604020202020204" pitchFamily="34" charset="0"/>
               </a:rPr>
-              <a:t>JazzGuestText</a:t>
+              <a:t>JazzGuestYear</a:t>
             </a:r>
             <a:r>
               <a:rPr lang="en-US" sz="1200" b="1" dirty="0">
                 <a:latin typeface="Arial" panose="020B0604020202020204" pitchFamily="34" charset="0"/>
                 <a:cs typeface="Arial" panose="020B0604020202020204" pitchFamily="34" charset="0"/>
               </a:rPr>
-              <a:t>&gt;</a:t>
+              <a:t>“</a:t>
+            </a:r>
+          </a:p>
+          <a:p>
+            <a:r>
+              <a:rPr lang="en-US" sz="1200" b="1" dirty="0">
+                <a:latin typeface="Arial" panose="020B0604020202020204" pitchFamily="34" charset="0"/>
+                <a:cs typeface="Arial" panose="020B0604020202020204" pitchFamily="34" charset="0"/>
+              </a:rPr>
+              <a:t>...</a:t>
+            </a:r>
+          </a:p>
+          <a:p>
+            <a:r>
+              <a:rPr lang="en-US" sz="1200" b="1" dirty="0">
+                <a:latin typeface="Arial" panose="020B0604020202020204" pitchFamily="34" charset="0"/>
+                <a:cs typeface="Arial" panose="020B0604020202020204" pitchFamily="34" charset="0"/>
+              </a:rPr>
+              <a:t>…. </a:t>
             </a:r>
           </a:p>
           <a:p>
@@ -8246,116 +8846,38 @@
                 <a:latin typeface="Arial" panose="020B0604020202020204" pitchFamily="34" charset="0"/>
                 <a:cs typeface="Arial" panose="020B0604020202020204" pitchFamily="34" charset="0"/>
               </a:rPr>
-              <a:t>m_names</a:t>
+              <a:t>m_tag_guest_number</a:t>
             </a:r>
             <a:r>
               <a:rPr lang="en-US" sz="1200" b="1" dirty="0">
                 <a:latin typeface="Arial" panose="020B0604020202020204" pitchFamily="34" charset="0"/>
                 <a:cs typeface="Arial" panose="020B0604020202020204" pitchFamily="34" charset="0"/>
               </a:rPr>
-              <a:t>           &lt;</a:t>
+              <a:t> = "</a:t>
             </a:r>
             <a:r>
               <a:rPr lang="en-US" sz="1200" b="1" dirty="0" err="1">
                 <a:latin typeface="Arial" panose="020B0604020202020204" pitchFamily="34" charset="0"/>
                 <a:cs typeface="Arial" panose="020B0604020202020204" pitchFamily="34" charset="0"/>
               </a:rPr>
-              <a:t>JazzGuestNames</a:t>
+              <a:t>JazzGuestRegNumber</a:t>
             </a:r>
             <a:r>
               <a:rPr lang="en-US" sz="1200" b="1" dirty="0">
                 <a:latin typeface="Arial" panose="020B0604020202020204" pitchFamily="34" charset="0"/>
                 <a:cs typeface="Arial" panose="020B0604020202020204" pitchFamily="34" charset="0"/>
               </a:rPr>
-              <a:t>&gt;</a:t>
-            </a:r>
-          </a:p>
-          <a:p>
-            <a:r>
-              <a:rPr lang="en-US" sz="1200" b="1" dirty="0" err="1">
-                <a:latin typeface="Arial" panose="020B0604020202020204" pitchFamily="34" charset="0"/>
-                <a:cs typeface="Arial" panose="020B0604020202020204" pitchFamily="34" charset="0"/>
-              </a:rPr>
-              <a:t>m_file_name</a:t>
-            </a:r>
-            <a:r>
-              <a:rPr lang="en-US" sz="1200" b="1" dirty="0">
-                <a:latin typeface="Arial" panose="020B0604020202020204" pitchFamily="34" charset="0"/>
-                <a:cs typeface="Arial" panose="020B0604020202020204" pitchFamily="34" charset="0"/>
-              </a:rPr>
-              <a:t>     &lt;</a:t>
-            </a:r>
-            <a:r>
-              <a:rPr lang="en-US" sz="1200" b="1" dirty="0" err="1">
-                <a:latin typeface="Arial" panose="020B0604020202020204" pitchFamily="34" charset="0"/>
-                <a:cs typeface="Arial" panose="020B0604020202020204" pitchFamily="34" charset="0"/>
-              </a:rPr>
-              <a:t>JazzGuestFileName</a:t>
-            </a:r>
-            <a:r>
-              <a:rPr lang="en-US" sz="1200" b="1" dirty="0">
-                <a:latin typeface="Arial" panose="020B0604020202020204" pitchFamily="34" charset="0"/>
-                <a:cs typeface="Arial" panose="020B0604020202020204" pitchFamily="34" charset="0"/>
-              </a:rPr>
-              <a:t>&gt;</a:t>
-            </a:r>
-          </a:p>
-          <a:p>
-            <a:r>
-              <a:rPr lang="en-US" sz="1200" b="1" dirty="0">
-                <a:latin typeface="Arial" panose="020B0604020202020204" pitchFamily="34" charset="0"/>
-                <a:cs typeface="Arial" panose="020B0604020202020204" pitchFamily="34" charset="0"/>
-              </a:rPr>
-              <a:t>…</a:t>
-            </a:r>
-          </a:p>
-          <a:p>
-            <a:r>
-              <a:rPr lang="en-US" sz="1200" b="1" dirty="0">
-                <a:latin typeface="Arial" panose="020B0604020202020204" pitchFamily="34" charset="0"/>
-                <a:cs typeface="Arial" panose="020B0604020202020204" pitchFamily="34" charset="0"/>
-              </a:rPr>
-              <a:t>…</a:t>
-            </a:r>
-          </a:p>
-          <a:p>
-            <a:r>
-              <a:rPr lang="en-US" sz="1200" b="1" dirty="0" err="1">
-                <a:latin typeface="Arial" panose="020B0604020202020204" pitchFamily="34" charset="0"/>
-                <a:cs typeface="Arial" panose="020B0604020202020204" pitchFamily="34" charset="0"/>
-              </a:rPr>
-              <a:t>m_reg_number</a:t>
-            </a:r>
-            <a:r>
-              <a:rPr lang="en-US" sz="1200" b="1" dirty="0">
-                <a:latin typeface="Arial" panose="020B0604020202020204" pitchFamily="34" charset="0"/>
-                <a:cs typeface="Arial" panose="020B0604020202020204" pitchFamily="34" charset="0"/>
-              </a:rPr>
-              <a:t> &lt;</a:t>
-            </a:r>
-            <a:r>
-              <a:rPr lang="en-US" sz="1200" b="1" dirty="0" err="1">
-                <a:latin typeface="Arial" panose="020B0604020202020204" pitchFamily="34" charset="0"/>
-                <a:cs typeface="Arial" panose="020B0604020202020204" pitchFamily="34" charset="0"/>
-              </a:rPr>
-              <a:t>JazzGuestRegNumber</a:t>
-            </a:r>
-            <a:r>
-              <a:rPr lang="en-US" sz="1200" b="1" dirty="0">
-                <a:latin typeface="Arial" panose="020B0604020202020204" pitchFamily="34" charset="0"/>
-                <a:cs typeface="Arial" panose="020B0604020202020204" pitchFamily="34" charset="0"/>
-              </a:rPr>
-              <a:t>&gt;</a:t>
-            </a:r>
-          </a:p>
-        </p:txBody>
-      </p:sp>
-      <p:sp>
-        <p:nvSpPr>
-          <p:cNvPr id="25" name="Textfeld 24">
-            <a:extLst>
-              <a:ext uri="{FF2B5EF4-FFF2-40B4-BE49-F238E27FC236}">
-                <a16:creationId xmlns:a16="http://schemas.microsoft.com/office/drawing/2014/main" id="{2B52F3DA-47A0-0736-6A5E-B9B2D8CD5513}"/>
+              <a:t>"</a:t>
+            </a:r>
+          </a:p>
+        </p:txBody>
+      </p:sp>
+      <p:sp>
+        <p:nvSpPr>
+          <p:cNvPr id="38" name="Textfeld 37">
+            <a:extLst>
+              <a:ext uri="{FF2B5EF4-FFF2-40B4-BE49-F238E27FC236}">
+                <a16:creationId xmlns:a16="http://schemas.microsoft.com/office/drawing/2014/main" id="{0633A465-50F6-26DC-D1C3-4587338BAE87}"/>
               </a:ext>
             </a:extLst>
           </p:cNvPr>
@@ -8364,7 +8886,7 @@
         </p:nvSpPr>
         <p:spPr>
           <a:xfrm>
-            <a:off x="3538507" y="4966756"/>
+            <a:off x="6061226" y="3176106"/>
             <a:ext cx="4389767" cy="1231106"/>
           </a:xfrm>
           <a:prstGeom prst="rect">
@@ -8383,7 +8905,7 @@
                 <a:latin typeface="Arial" panose="020B0604020202020204" pitchFamily="34" charset="0"/>
                 <a:cs typeface="Arial" panose="020B0604020202020204" pitchFamily="34" charset="0"/>
               </a:rPr>
-              <a:t>Utility functions</a:t>
+              <a:t>Member functions</a:t>
             </a:r>
           </a:p>
           <a:p>
@@ -8392,497 +8914,114 @@
                 <a:latin typeface="Arial" panose="020B0604020202020204" pitchFamily="34" charset="0"/>
                 <a:cs typeface="Arial" panose="020B0604020202020204" pitchFamily="34" charset="0"/>
               </a:rPr>
-              <a:t>setJazzGuestRecord</a:t>
+              <a:t>getGuest</a:t>
             </a:r>
             <a:r>
               <a:rPr lang="en-US" sz="1200" b="1" dirty="0">
                 <a:latin typeface="Arial" panose="020B0604020202020204" pitchFamily="34" charset="0"/>
                 <a:cs typeface="Arial" panose="020B0604020202020204" pitchFamily="34" charset="0"/>
               </a:rPr>
-              <a:t>(</a:t>
+              <a:t> { return </a:t>
             </a:r>
             <a:r>
               <a:rPr lang="en-US" sz="1200" b="1" dirty="0" err="1">
                 <a:latin typeface="Arial" panose="020B0604020202020204" pitchFamily="34" charset="0"/>
                 <a:cs typeface="Arial" panose="020B0604020202020204" pitchFamily="34" charset="0"/>
               </a:rPr>
-              <a:t>i_guest_xml</a:t>
+              <a:t>m_tag_guest</a:t>
             </a:r>
             <a:r>
               <a:rPr lang="en-US" sz="1200" b="1" dirty="0">
                 <a:latin typeface="Arial" panose="020B0604020202020204" pitchFamily="34" charset="0"/>
                 <a:cs typeface="Arial" panose="020B0604020202020204" pitchFamily="34" charset="0"/>
               </a:rPr>
-              <a:t>, </a:t>
-            </a:r>
+              <a:t>}</a:t>
+            </a:r>
+          </a:p>
+          <a:p>
             <a:r>
               <a:rPr lang="en-US" sz="1200" b="1" dirty="0" err="1">
                 <a:latin typeface="Arial" panose="020B0604020202020204" pitchFamily="34" charset="0"/>
                 <a:cs typeface="Arial" panose="020B0604020202020204" pitchFamily="34" charset="0"/>
               </a:rPr>
-              <a:t>i_record_number</a:t>
+              <a:t>getGuestYear</a:t>
             </a:r>
             <a:r>
               <a:rPr lang="en-US" sz="1200" b="1" dirty="0">
                 <a:latin typeface="Arial" panose="020B0604020202020204" pitchFamily="34" charset="0"/>
                 <a:cs typeface="Arial" panose="020B0604020202020204" pitchFamily="34" charset="0"/>
               </a:rPr>
-              <a:t>)</a:t>
-            </a:r>
-          </a:p>
-          <a:p>
+              <a:t>{return </a:t>
+            </a:r>
             <a:r>
               <a:rPr lang="en-US" sz="1200" b="1" dirty="0" err="1">
                 <a:latin typeface="Arial" panose="020B0604020202020204" pitchFamily="34" charset="0"/>
                 <a:cs typeface="Arial" panose="020B0604020202020204" pitchFamily="34" charset="0"/>
               </a:rPr>
-              <a:t>setXmlJazzGuestRecord</a:t>
+              <a:t>m_tag_guest_year</a:t>
             </a:r>
             <a:r>
               <a:rPr lang="en-US" sz="1200" b="1" dirty="0">
                 <a:latin typeface="Arial" panose="020B0604020202020204" pitchFamily="34" charset="0"/>
                 <a:cs typeface="Arial" panose="020B0604020202020204" pitchFamily="34" charset="0"/>
               </a:rPr>
-              <a:t>(</a:t>
-            </a:r>
+              <a:t>}</a:t>
+            </a:r>
+          </a:p>
+          <a:p>
+            <a:r>
+              <a:rPr lang="en-US" sz="1200" b="1" dirty="0">
+                <a:latin typeface="Arial" panose="020B0604020202020204" pitchFamily="34" charset="0"/>
+                <a:cs typeface="Arial" panose="020B0604020202020204" pitchFamily="34" charset="0"/>
+              </a:rPr>
+              <a:t>...</a:t>
+            </a:r>
+          </a:p>
+          <a:p>
+            <a:r>
+              <a:rPr lang="en-US" sz="1200" b="1" dirty="0">
+                <a:latin typeface="Arial" panose="020B0604020202020204" pitchFamily="34" charset="0"/>
+                <a:cs typeface="Arial" panose="020B0604020202020204" pitchFamily="34" charset="0"/>
+              </a:rPr>
+              <a:t>…. </a:t>
+            </a:r>
+          </a:p>
+          <a:p>
             <a:r>
               <a:rPr lang="en-US" sz="1200" b="1" dirty="0" err="1">
                 <a:latin typeface="Arial" panose="020B0604020202020204" pitchFamily="34" charset="0"/>
                 <a:cs typeface="Arial" panose="020B0604020202020204" pitchFamily="34" charset="0"/>
               </a:rPr>
-              <a:t>i_guest_xml</a:t>
+              <a:t>getGuestRecNumber</a:t>
             </a:r>
             <a:r>
               <a:rPr lang="en-US" sz="1200" b="1" dirty="0">
                 <a:latin typeface="Arial" panose="020B0604020202020204" pitchFamily="34" charset="0"/>
                 <a:cs typeface="Arial" panose="020B0604020202020204" pitchFamily="34" charset="0"/>
               </a:rPr>
-              <a:t>, </a:t>
+              <a:t>{return </a:t>
             </a:r>
             <a:r>
               <a:rPr lang="en-US" sz="1200" b="1" dirty="0" err="1">
                 <a:latin typeface="Arial" panose="020B0604020202020204" pitchFamily="34" charset="0"/>
                 <a:cs typeface="Arial" panose="020B0604020202020204" pitchFamily="34" charset="0"/>
               </a:rPr>
-              <a:t>i_record_number</a:t>
+              <a:t>m_tag_guest_number</a:t>
             </a:r>
             <a:r>
               <a:rPr lang="en-US" sz="1200" b="1" dirty="0">
                 <a:latin typeface="Arial" panose="020B0604020202020204" pitchFamily="34" charset="0"/>
                 <a:cs typeface="Arial" panose="020B0604020202020204" pitchFamily="34" charset="0"/>
               </a:rPr>
-              <a:t>)</a:t>
-            </a:r>
-          </a:p>
-          <a:p>
-            <a:r>
-              <a:rPr lang="en-US" sz="1200" b="1" dirty="0" err="1">
-                <a:latin typeface="Arial" panose="020B0604020202020204" pitchFamily="34" charset="0"/>
-                <a:cs typeface="Arial" panose="020B0604020202020204" pitchFamily="34" charset="0"/>
-              </a:rPr>
-              <a:t>appendXmlJazzGuestRecord</a:t>
-            </a:r>
-            <a:r>
-              <a:rPr lang="en-US" sz="1200" b="1" dirty="0">
-                <a:latin typeface="Arial" panose="020B0604020202020204" pitchFamily="34" charset="0"/>
-                <a:cs typeface="Arial" panose="020B0604020202020204" pitchFamily="34" charset="0"/>
-              </a:rPr>
-              <a:t>(</a:t>
-            </a:r>
-            <a:r>
-              <a:rPr lang="en-US" sz="1200" b="1" dirty="0" err="1">
-                <a:latin typeface="Arial" panose="020B0604020202020204" pitchFamily="34" charset="0"/>
-                <a:cs typeface="Arial" panose="020B0604020202020204" pitchFamily="34" charset="0"/>
-              </a:rPr>
-              <a:t>i_guest_xml</a:t>
-            </a:r>
-            <a:r>
-              <a:rPr lang="en-US" sz="1200" b="1" dirty="0">
-                <a:latin typeface="Arial" panose="020B0604020202020204" pitchFamily="34" charset="0"/>
-                <a:cs typeface="Arial" panose="020B0604020202020204" pitchFamily="34" charset="0"/>
-              </a:rPr>
-              <a:t>)</a:t>
-            </a:r>
-          </a:p>
-          <a:p>
-            <a:r>
-              <a:rPr lang="en-US" sz="1200" b="1" dirty="0" err="1">
-                <a:latin typeface="Arial" panose="020B0604020202020204" pitchFamily="34" charset="0"/>
-                <a:cs typeface="Arial" panose="020B0604020202020204" pitchFamily="34" charset="0"/>
-              </a:rPr>
-              <a:t>recordsAreEqual</a:t>
-            </a:r>
-            <a:r>
-              <a:rPr lang="en-US" sz="1200" b="1" dirty="0">
-                <a:latin typeface="Arial" panose="020B0604020202020204" pitchFamily="34" charset="0"/>
-                <a:cs typeface="Arial" panose="020B0604020202020204" pitchFamily="34" charset="0"/>
-              </a:rPr>
-              <a:t>(</a:t>
-            </a:r>
-            <a:r>
-              <a:rPr lang="en-US" sz="1200" b="1" dirty="0" err="1">
-                <a:latin typeface="Arial" panose="020B0604020202020204" pitchFamily="34" charset="0"/>
-                <a:cs typeface="Arial" panose="020B0604020202020204" pitchFamily="34" charset="0"/>
-              </a:rPr>
-              <a:t>i_rec_one</a:t>
-            </a:r>
-            <a:r>
-              <a:rPr lang="en-US" sz="1200" b="1" dirty="0">
-                <a:latin typeface="Arial" panose="020B0604020202020204" pitchFamily="34" charset="0"/>
-                <a:cs typeface="Arial" panose="020B0604020202020204" pitchFamily="34" charset="0"/>
-              </a:rPr>
-              <a:t>, </a:t>
-            </a:r>
-            <a:r>
-              <a:rPr lang="en-US" sz="1200" b="1" dirty="0" err="1">
-                <a:latin typeface="Arial" panose="020B0604020202020204" pitchFamily="34" charset="0"/>
-                <a:cs typeface="Arial" panose="020B0604020202020204" pitchFamily="34" charset="0"/>
-              </a:rPr>
-              <a:t>i_rec_two</a:t>
-            </a:r>
-            <a:r>
-              <a:rPr lang="en-US" sz="1200" b="1" dirty="0">
-                <a:latin typeface="Arial" panose="020B0604020202020204" pitchFamily="34" charset="0"/>
-                <a:cs typeface="Arial" panose="020B0604020202020204" pitchFamily="34" charset="0"/>
-              </a:rPr>
-              <a:t>)</a:t>
-            </a:r>
-          </a:p>
-          <a:p>
-            <a:endParaRPr lang="en-US" sz="1200" b="1" dirty="0">
-              <a:latin typeface="Arial" panose="020B0604020202020204" pitchFamily="34" charset="0"/>
-              <a:cs typeface="Arial" panose="020B0604020202020204" pitchFamily="34" charset="0"/>
-            </a:endParaRPr>
-          </a:p>
-        </p:txBody>
-      </p:sp>
-      <p:sp>
-        <p:nvSpPr>
-          <p:cNvPr id="27" name="Textfeld 26">
-            <a:extLst>
-              <a:ext uri="{FF2B5EF4-FFF2-40B4-BE49-F238E27FC236}">
-                <a16:creationId xmlns:a16="http://schemas.microsoft.com/office/drawing/2014/main" id="{7AC96648-7AE6-97C4-954D-9D88C54F156D}"/>
-              </a:ext>
-            </a:extLst>
-          </p:cNvPr>
-          <p:cNvSpPr txBox="1"/>
-          <p:nvPr/>
-        </p:nvSpPr>
-        <p:spPr>
-          <a:xfrm>
-            <a:off x="3538508" y="3040546"/>
-            <a:ext cx="4389767" cy="1600438"/>
-          </a:xfrm>
-          <a:prstGeom prst="rect">
-            <a:avLst/>
-          </a:prstGeom>
-          <a:noFill/>
-        </p:spPr>
-        <p:txBody>
-          <a:bodyPr wrap="square" rtlCol="0">
-            <a:spAutoFit/>
-          </a:bodyPr>
-          <a:lstStyle/>
-          <a:p>
-            <a:r>
-              <a:rPr lang="en-US" sz="1400" b="1" dirty="0">
-                <a:latin typeface="Arial" panose="020B0604020202020204" pitchFamily="34" charset="0"/>
-                <a:cs typeface="Arial" panose="020B0604020202020204" pitchFamily="34" charset="0"/>
-              </a:rPr>
-              <a:t>Set and get functions</a:t>
-            </a:r>
-          </a:p>
-          <a:p>
-            <a:r>
-              <a:rPr lang="en-US" sz="1200" b="1" dirty="0" err="1">
-                <a:latin typeface="Arial" panose="020B0604020202020204" pitchFamily="34" charset="0"/>
-                <a:cs typeface="Arial" panose="020B0604020202020204" pitchFamily="34" charset="0"/>
-              </a:rPr>
-              <a:t>setHeader</a:t>
-            </a:r>
-            <a:r>
-              <a:rPr lang="en-US" sz="1200" b="1" dirty="0">
-                <a:latin typeface="Arial" panose="020B0604020202020204" pitchFamily="34" charset="0"/>
-                <a:cs typeface="Arial" panose="020B0604020202020204" pitchFamily="34" charset="0"/>
-              </a:rPr>
-              <a:t> </a:t>
-            </a:r>
-            <a:r>
-              <a:rPr lang="en-US" sz="1200" b="1" dirty="0" err="1">
-                <a:latin typeface="Arial" panose="020B0604020202020204" pitchFamily="34" charset="0"/>
-                <a:cs typeface="Arial" panose="020B0604020202020204" pitchFamily="34" charset="0"/>
-              </a:rPr>
-              <a:t>getHeader</a:t>
-            </a:r>
-            <a:r>
-              <a:rPr lang="en-US" sz="1200" b="1" dirty="0">
-                <a:latin typeface="Arial" panose="020B0604020202020204" pitchFamily="34" charset="0"/>
-                <a:cs typeface="Arial" panose="020B0604020202020204" pitchFamily="34" charset="0"/>
-              </a:rPr>
-              <a:t> </a:t>
-            </a:r>
-            <a:r>
-              <a:rPr lang="en-US" sz="1200" b="1" dirty="0" err="1">
-                <a:latin typeface="Arial" panose="020B0604020202020204" pitchFamily="34" charset="0"/>
-                <a:cs typeface="Arial" panose="020B0604020202020204" pitchFamily="34" charset="0"/>
-              </a:rPr>
-              <a:t>m_header</a:t>
-            </a:r>
-            <a:endParaRPr lang="en-US" sz="1200" b="1" dirty="0">
-              <a:latin typeface="Arial" panose="020B0604020202020204" pitchFamily="34" charset="0"/>
-              <a:cs typeface="Arial" panose="020B0604020202020204" pitchFamily="34" charset="0"/>
-            </a:endParaRPr>
-          </a:p>
-          <a:p>
-            <a:r>
-              <a:rPr lang="en-US" sz="1200" b="1" dirty="0" err="1">
-                <a:latin typeface="Arial" panose="020B0604020202020204" pitchFamily="34" charset="0"/>
-                <a:cs typeface="Arial" panose="020B0604020202020204" pitchFamily="34" charset="0"/>
-              </a:rPr>
-              <a:t>setText</a:t>
-            </a:r>
-            <a:r>
-              <a:rPr lang="en-US" sz="1200" b="1" dirty="0">
-                <a:latin typeface="Arial" panose="020B0604020202020204" pitchFamily="34" charset="0"/>
-                <a:cs typeface="Arial" panose="020B0604020202020204" pitchFamily="34" charset="0"/>
-              </a:rPr>
-              <a:t>             </a:t>
-            </a:r>
-            <a:r>
-              <a:rPr lang="en-US" sz="1200" b="1" dirty="0" err="1">
-                <a:latin typeface="Arial" panose="020B0604020202020204" pitchFamily="34" charset="0"/>
-                <a:cs typeface="Arial" panose="020B0604020202020204" pitchFamily="34" charset="0"/>
-              </a:rPr>
-              <a:t>getText</a:t>
-            </a:r>
-            <a:r>
-              <a:rPr lang="en-US" sz="1200" b="1" dirty="0">
-                <a:latin typeface="Arial" panose="020B0604020202020204" pitchFamily="34" charset="0"/>
-                <a:cs typeface="Arial" panose="020B0604020202020204" pitchFamily="34" charset="0"/>
-              </a:rPr>
-              <a:t>               </a:t>
-            </a:r>
-            <a:r>
-              <a:rPr lang="en-US" sz="1200" b="1" dirty="0" err="1">
-                <a:latin typeface="Arial" panose="020B0604020202020204" pitchFamily="34" charset="0"/>
-                <a:cs typeface="Arial" panose="020B0604020202020204" pitchFamily="34" charset="0"/>
-              </a:rPr>
-              <a:t>m_text</a:t>
-            </a:r>
-            <a:r>
-              <a:rPr lang="en-US" sz="1200" b="1" dirty="0">
-                <a:latin typeface="Arial" panose="020B0604020202020204" pitchFamily="34" charset="0"/>
-                <a:cs typeface="Arial" panose="020B0604020202020204" pitchFamily="34" charset="0"/>
-              </a:rPr>
-              <a:t> </a:t>
-            </a:r>
-          </a:p>
-          <a:p>
-            <a:r>
-              <a:rPr lang="en-US" sz="1200" b="1" dirty="0" err="1">
-                <a:latin typeface="Arial" panose="020B0604020202020204" pitchFamily="34" charset="0"/>
-                <a:cs typeface="Arial" panose="020B0604020202020204" pitchFamily="34" charset="0"/>
-              </a:rPr>
-              <a:t>setNames</a:t>
-            </a:r>
-            <a:r>
-              <a:rPr lang="en-US" sz="1200" b="1" dirty="0">
-                <a:latin typeface="Arial" panose="020B0604020202020204" pitchFamily="34" charset="0"/>
-                <a:cs typeface="Arial" panose="020B0604020202020204" pitchFamily="34" charset="0"/>
-              </a:rPr>
-              <a:t>         </a:t>
-            </a:r>
-            <a:r>
-              <a:rPr lang="en-US" sz="1200" b="1" dirty="0" err="1">
-                <a:latin typeface="Arial" panose="020B0604020202020204" pitchFamily="34" charset="0"/>
-                <a:cs typeface="Arial" panose="020B0604020202020204" pitchFamily="34" charset="0"/>
-              </a:rPr>
-              <a:t>getNames</a:t>
-            </a:r>
-            <a:r>
-              <a:rPr lang="en-US" sz="1200" b="1" dirty="0">
-                <a:latin typeface="Arial" panose="020B0604020202020204" pitchFamily="34" charset="0"/>
-                <a:cs typeface="Arial" panose="020B0604020202020204" pitchFamily="34" charset="0"/>
-              </a:rPr>
-              <a:t>          </a:t>
-            </a:r>
-            <a:r>
-              <a:rPr lang="en-US" sz="1200" b="1" dirty="0" err="1">
-                <a:latin typeface="Arial" panose="020B0604020202020204" pitchFamily="34" charset="0"/>
-                <a:cs typeface="Arial" panose="020B0604020202020204" pitchFamily="34" charset="0"/>
-              </a:rPr>
-              <a:t>m_names</a:t>
-            </a:r>
-            <a:endParaRPr lang="en-US" sz="1200" b="1" dirty="0">
-              <a:latin typeface="Arial" panose="020B0604020202020204" pitchFamily="34" charset="0"/>
-              <a:cs typeface="Arial" panose="020B0604020202020204" pitchFamily="34" charset="0"/>
-            </a:endParaRPr>
-          </a:p>
-          <a:p>
-            <a:r>
-              <a:rPr lang="en-US" sz="1200" b="1" dirty="0" err="1">
-                <a:latin typeface="Arial" panose="020B0604020202020204" pitchFamily="34" charset="0"/>
-                <a:cs typeface="Arial" panose="020B0604020202020204" pitchFamily="34" charset="0"/>
-              </a:rPr>
-              <a:t>setFileName</a:t>
-            </a:r>
-            <a:r>
-              <a:rPr lang="en-US" sz="1200" b="1" dirty="0">
-                <a:latin typeface="Arial" panose="020B0604020202020204" pitchFamily="34" charset="0"/>
-                <a:cs typeface="Arial" panose="020B0604020202020204" pitchFamily="34" charset="0"/>
-              </a:rPr>
-              <a:t>     </a:t>
-            </a:r>
-            <a:r>
-              <a:rPr lang="en-US" sz="1200" b="1" dirty="0" err="1">
-                <a:latin typeface="Arial" panose="020B0604020202020204" pitchFamily="34" charset="0"/>
-                <a:cs typeface="Arial" panose="020B0604020202020204" pitchFamily="34" charset="0"/>
-              </a:rPr>
-              <a:t>getFileName</a:t>
-            </a:r>
-            <a:r>
-              <a:rPr lang="en-US" sz="1200" b="1" dirty="0">
-                <a:latin typeface="Arial" panose="020B0604020202020204" pitchFamily="34" charset="0"/>
-                <a:cs typeface="Arial" panose="020B0604020202020204" pitchFamily="34" charset="0"/>
-              </a:rPr>
-              <a:t>      </a:t>
-            </a:r>
-            <a:r>
-              <a:rPr lang="en-US" sz="1200" b="1" dirty="0" err="1">
-                <a:latin typeface="Arial" panose="020B0604020202020204" pitchFamily="34" charset="0"/>
-                <a:cs typeface="Arial" panose="020B0604020202020204" pitchFamily="34" charset="0"/>
-              </a:rPr>
-              <a:t>m_file_name</a:t>
-            </a:r>
-            <a:endParaRPr lang="en-US" sz="1200" b="1" dirty="0">
-              <a:latin typeface="Arial" panose="020B0604020202020204" pitchFamily="34" charset="0"/>
-              <a:cs typeface="Arial" panose="020B0604020202020204" pitchFamily="34" charset="0"/>
-            </a:endParaRPr>
-          </a:p>
-          <a:p>
-            <a:r>
-              <a:rPr lang="en-US" sz="1200" b="1" dirty="0">
-                <a:latin typeface="Arial" panose="020B0604020202020204" pitchFamily="34" charset="0"/>
-                <a:cs typeface="Arial" panose="020B0604020202020204" pitchFamily="34" charset="0"/>
-              </a:rPr>
-              <a:t>…</a:t>
-            </a:r>
-          </a:p>
-          <a:p>
-            <a:r>
-              <a:rPr lang="en-US" sz="1200" b="1" dirty="0">
-                <a:latin typeface="Arial" panose="020B0604020202020204" pitchFamily="34" charset="0"/>
-                <a:cs typeface="Arial" panose="020B0604020202020204" pitchFamily="34" charset="0"/>
-              </a:rPr>
-              <a:t>…</a:t>
-            </a:r>
-          </a:p>
-          <a:p>
-            <a:r>
-              <a:rPr lang="en-US" sz="1200" b="1" dirty="0" err="1">
-                <a:latin typeface="Arial" panose="020B0604020202020204" pitchFamily="34" charset="0"/>
-                <a:cs typeface="Arial" panose="020B0604020202020204" pitchFamily="34" charset="0"/>
-              </a:rPr>
-              <a:t>setRegNumber</a:t>
-            </a:r>
-            <a:r>
-              <a:rPr lang="en-US" sz="1200" b="1" dirty="0">
-                <a:latin typeface="Arial" panose="020B0604020202020204" pitchFamily="34" charset="0"/>
-                <a:cs typeface="Arial" panose="020B0604020202020204" pitchFamily="34" charset="0"/>
-              </a:rPr>
-              <a:t> </a:t>
-            </a:r>
-            <a:r>
-              <a:rPr lang="en-US" sz="1200" b="1" dirty="0" err="1">
-                <a:latin typeface="Arial" panose="020B0604020202020204" pitchFamily="34" charset="0"/>
-                <a:cs typeface="Arial" panose="020B0604020202020204" pitchFamily="34" charset="0"/>
-              </a:rPr>
-              <a:t>getRegNumber</a:t>
-            </a:r>
-            <a:r>
-              <a:rPr lang="en-US" sz="1200" b="1" dirty="0">
-                <a:latin typeface="Arial" panose="020B0604020202020204" pitchFamily="34" charset="0"/>
-                <a:cs typeface="Arial" panose="020B0604020202020204" pitchFamily="34" charset="0"/>
-              </a:rPr>
-              <a:t> </a:t>
-            </a:r>
-            <a:r>
-              <a:rPr lang="en-US" sz="1200" b="1" dirty="0" err="1">
-                <a:latin typeface="Arial" panose="020B0604020202020204" pitchFamily="34" charset="0"/>
-                <a:cs typeface="Arial" panose="020B0604020202020204" pitchFamily="34" charset="0"/>
-              </a:rPr>
-              <a:t>m_reg_number</a:t>
-            </a:r>
-            <a:endParaRPr lang="en-US" sz="1200" b="1" dirty="0">
-              <a:latin typeface="Arial" panose="020B0604020202020204" pitchFamily="34" charset="0"/>
-              <a:cs typeface="Arial" panose="020B0604020202020204" pitchFamily="34" charset="0"/>
-            </a:endParaRPr>
-          </a:p>
-        </p:txBody>
-      </p:sp>
-      <p:sp>
-        <p:nvSpPr>
-          <p:cNvPr id="28" name="Textfeld 27">
-            <a:extLst>
-              <a:ext uri="{FF2B5EF4-FFF2-40B4-BE49-F238E27FC236}">
-                <a16:creationId xmlns:a16="http://schemas.microsoft.com/office/drawing/2014/main" id="{1EA54102-87FC-BC1F-BC29-9B0EC3374B6F}"/>
-              </a:ext>
-            </a:extLst>
-          </p:cNvPr>
-          <p:cNvSpPr txBox="1"/>
-          <p:nvPr/>
-        </p:nvSpPr>
-        <p:spPr>
-          <a:xfrm>
-            <a:off x="69574" y="167071"/>
-            <a:ext cx="11996530" cy="369332"/>
-          </a:xfrm>
-          <a:prstGeom prst="rect">
-            <a:avLst/>
-          </a:prstGeom>
-          <a:noFill/>
-        </p:spPr>
-        <p:txBody>
-          <a:bodyPr wrap="square" rtlCol="0">
-            <a:spAutoFit/>
-          </a:bodyPr>
-          <a:lstStyle/>
-          <a:p>
-            <a:pPr algn="ctr"/>
-            <a:r>
-              <a:rPr lang="fr-FR" b="1" dirty="0">
-                <a:solidFill>
-                  <a:srgbClr val="FF0000"/>
-                </a:solidFill>
-                <a:latin typeface="Arial" panose="020B0604020202020204" pitchFamily="34" charset="0"/>
-                <a:cs typeface="Arial" panose="020B0604020202020204" pitchFamily="34" charset="0"/>
-              </a:rPr>
-              <a:t>Class </a:t>
-            </a:r>
-            <a:r>
-              <a:rPr lang="fr-FR" b="1" dirty="0" err="1">
-                <a:solidFill>
-                  <a:srgbClr val="FF0000"/>
-                </a:solidFill>
-                <a:latin typeface="Arial" panose="020B0604020202020204" pitchFamily="34" charset="0"/>
-                <a:cs typeface="Arial" panose="020B0604020202020204" pitchFamily="34" charset="0"/>
-              </a:rPr>
-              <a:t>JazzGuest</a:t>
-            </a:r>
-            <a:endParaRPr lang="fr-FR" b="1" dirty="0">
-              <a:solidFill>
-                <a:srgbClr val="FF0000"/>
-              </a:solidFill>
-              <a:latin typeface="Arial" panose="020B0604020202020204" pitchFamily="34" charset="0"/>
-              <a:cs typeface="Arial" panose="020B0604020202020204" pitchFamily="34" charset="0"/>
-            </a:endParaRPr>
+              <a:t>}</a:t>
+            </a:r>
           </a:p>
         </p:txBody>
       </p:sp>
     </p:spTree>
     <p:extLst>
       <p:ext uri="{BB962C8B-B14F-4D97-AF65-F5344CB8AC3E}">
-        <p14:creationId xmlns:p14="http://schemas.microsoft.com/office/powerpoint/2010/main" val="2879838792"/>
+        <p14:creationId xmlns:p14="http://schemas.microsoft.com/office/powerpoint/2010/main" val="3822312548"/>
       </p:ext>
     </p:extLst>
   </p:cSld>
@@ -8911,6 +9050,871 @@
       </p:grpSpPr>
       <p:sp>
         <p:nvSpPr>
+          <p:cNvPr id="2" name="Rechteck 1">
+            <a:extLst>
+              <a:ext uri="{FF2B5EF4-FFF2-40B4-BE49-F238E27FC236}">
+                <a16:creationId xmlns:a16="http://schemas.microsoft.com/office/drawing/2014/main" id="{DBF86F22-2A28-6785-1835-33084F1DB553}"/>
+              </a:ext>
+            </a:extLst>
+          </p:cNvPr>
+          <p:cNvSpPr/>
+          <p:nvPr/>
+        </p:nvSpPr>
+        <p:spPr>
+          <a:xfrm>
+            <a:off x="3442423" y="1097460"/>
+            <a:ext cx="4611761" cy="5333157"/>
+          </a:xfrm>
+          <a:prstGeom prst="rect">
+            <a:avLst/>
+          </a:prstGeom>
+          <a:noFill/>
+          <a:ln>
+            <a:solidFill>
+              <a:schemeClr val="tx1"/>
+            </a:solidFill>
+          </a:ln>
+        </p:spPr>
+        <p:style>
+          <a:lnRef idx="2">
+            <a:schemeClr val="accent1">
+              <a:shade val="50000"/>
+            </a:schemeClr>
+          </a:lnRef>
+          <a:fillRef idx="1">
+            <a:schemeClr val="accent1"/>
+          </a:fillRef>
+          <a:effectRef idx="0">
+            <a:schemeClr val="accent1"/>
+          </a:effectRef>
+          <a:fontRef idx="minor">
+            <a:schemeClr val="lt1"/>
+          </a:fontRef>
+        </p:style>
+        <p:txBody>
+          <a:bodyPr rtlCol="0" anchor="ctr"/>
+          <a:lstStyle/>
+          <a:p>
+            <a:pPr algn="ctr"/>
+            <a:endParaRPr lang="de-CH" sz="1400" dirty="0">
+              <a:solidFill>
+                <a:schemeClr val="tx1"/>
+              </a:solidFill>
+              <a:latin typeface="Arial" panose="020B0604020202020204" pitchFamily="34" charset="0"/>
+              <a:cs typeface="Arial" panose="020B0604020202020204" pitchFamily="34" charset="0"/>
+            </a:endParaRPr>
+          </a:p>
+        </p:txBody>
+      </p:sp>
+      <p:sp>
+        <p:nvSpPr>
+          <p:cNvPr id="3" name="Textfeld 2">
+            <a:extLst>
+              <a:ext uri="{FF2B5EF4-FFF2-40B4-BE49-F238E27FC236}">
+                <a16:creationId xmlns:a16="http://schemas.microsoft.com/office/drawing/2014/main" id="{D2AFB689-B3AA-0806-80F0-32DDF117B526}"/>
+              </a:ext>
+            </a:extLst>
+          </p:cNvPr>
+          <p:cNvSpPr txBox="1"/>
+          <p:nvPr/>
+        </p:nvSpPr>
+        <p:spPr>
+          <a:xfrm>
+            <a:off x="3442423" y="785525"/>
+            <a:ext cx="4810543" cy="307777"/>
+          </a:xfrm>
+          <a:prstGeom prst="rect">
+            <a:avLst/>
+          </a:prstGeom>
+          <a:noFill/>
+        </p:spPr>
+        <p:txBody>
+          <a:bodyPr wrap="square" rtlCol="0">
+            <a:spAutoFit/>
+          </a:bodyPr>
+          <a:lstStyle/>
+          <a:p>
+            <a:r>
+              <a:rPr lang="en-US" sz="1400" b="1" dirty="0" err="1">
+                <a:latin typeface="Arial" panose="020B0604020202020204" pitchFamily="34" charset="0"/>
+                <a:cs typeface="Arial" panose="020B0604020202020204" pitchFamily="34" charset="0"/>
+              </a:rPr>
+              <a:t>JazzGuest</a:t>
+            </a:r>
+            <a:endParaRPr lang="en-US" sz="1400" b="1" dirty="0">
+              <a:latin typeface="Arial" panose="020B0604020202020204" pitchFamily="34" charset="0"/>
+              <a:cs typeface="Arial" panose="020B0604020202020204" pitchFamily="34" charset="0"/>
+            </a:endParaRPr>
+          </a:p>
+        </p:txBody>
+      </p:sp>
+      <p:sp>
+        <p:nvSpPr>
+          <p:cNvPr id="19" name="Textfeld 18">
+            <a:extLst>
+              <a:ext uri="{FF2B5EF4-FFF2-40B4-BE49-F238E27FC236}">
+                <a16:creationId xmlns:a16="http://schemas.microsoft.com/office/drawing/2014/main" id="{33E4419B-4053-9333-389D-5D6F53126084}"/>
+              </a:ext>
+            </a:extLst>
+          </p:cNvPr>
+          <p:cNvSpPr txBox="1"/>
+          <p:nvPr/>
+        </p:nvSpPr>
+        <p:spPr>
+          <a:xfrm>
+            <a:off x="3538510" y="1250913"/>
+            <a:ext cx="4389767" cy="1600438"/>
+          </a:xfrm>
+          <a:prstGeom prst="rect">
+            <a:avLst/>
+          </a:prstGeom>
+          <a:noFill/>
+        </p:spPr>
+        <p:txBody>
+          <a:bodyPr wrap="square" rtlCol="0">
+            <a:spAutoFit/>
+          </a:bodyPr>
+          <a:lstStyle/>
+          <a:p>
+            <a:r>
+              <a:rPr lang="en-US" sz="1400" b="1" dirty="0">
+                <a:latin typeface="Arial" panose="020B0604020202020204" pitchFamily="34" charset="0"/>
+                <a:cs typeface="Arial" panose="020B0604020202020204" pitchFamily="34" charset="0"/>
+              </a:rPr>
+              <a:t>Member variables</a:t>
+            </a:r>
+          </a:p>
+          <a:p>
+            <a:r>
+              <a:rPr lang="en-US" sz="1200" b="1" dirty="0" err="1">
+                <a:latin typeface="Arial" panose="020B0604020202020204" pitchFamily="34" charset="0"/>
+                <a:cs typeface="Arial" panose="020B0604020202020204" pitchFamily="34" charset="0"/>
+              </a:rPr>
+              <a:t>m_header</a:t>
+            </a:r>
+            <a:r>
+              <a:rPr lang="en-US" sz="1200" b="1" dirty="0">
+                <a:latin typeface="Arial" panose="020B0604020202020204" pitchFamily="34" charset="0"/>
+                <a:cs typeface="Arial" panose="020B0604020202020204" pitchFamily="34" charset="0"/>
+              </a:rPr>
+              <a:t>           &lt;</a:t>
+            </a:r>
+            <a:r>
+              <a:rPr lang="en-US" sz="1200" b="1" dirty="0" err="1">
+                <a:latin typeface="Arial" panose="020B0604020202020204" pitchFamily="34" charset="0"/>
+                <a:cs typeface="Arial" panose="020B0604020202020204" pitchFamily="34" charset="0"/>
+              </a:rPr>
+              <a:t>JazzGuestHeader</a:t>
+            </a:r>
+            <a:r>
+              <a:rPr lang="en-US" sz="1200" b="1" dirty="0">
+                <a:latin typeface="Arial" panose="020B0604020202020204" pitchFamily="34" charset="0"/>
+                <a:cs typeface="Arial" panose="020B0604020202020204" pitchFamily="34" charset="0"/>
+              </a:rPr>
+              <a:t>&gt;</a:t>
+            </a:r>
+          </a:p>
+          <a:p>
+            <a:r>
+              <a:rPr lang="en-US" sz="1200" b="1" dirty="0" err="1">
+                <a:latin typeface="Arial" panose="020B0604020202020204" pitchFamily="34" charset="0"/>
+                <a:cs typeface="Arial" panose="020B0604020202020204" pitchFamily="34" charset="0"/>
+              </a:rPr>
+              <a:t>m_text</a:t>
+            </a:r>
+            <a:r>
+              <a:rPr lang="en-US" sz="1200" b="1" dirty="0">
+                <a:latin typeface="Arial" panose="020B0604020202020204" pitchFamily="34" charset="0"/>
+                <a:cs typeface="Arial" panose="020B0604020202020204" pitchFamily="34" charset="0"/>
+              </a:rPr>
+              <a:t>                &lt;</a:t>
+            </a:r>
+            <a:r>
+              <a:rPr lang="en-US" sz="1200" b="1" dirty="0" err="1">
+                <a:latin typeface="Arial" panose="020B0604020202020204" pitchFamily="34" charset="0"/>
+                <a:cs typeface="Arial" panose="020B0604020202020204" pitchFamily="34" charset="0"/>
+              </a:rPr>
+              <a:t>JazzGuestText</a:t>
+            </a:r>
+            <a:r>
+              <a:rPr lang="en-US" sz="1200" b="1" dirty="0">
+                <a:latin typeface="Arial" panose="020B0604020202020204" pitchFamily="34" charset="0"/>
+                <a:cs typeface="Arial" panose="020B0604020202020204" pitchFamily="34" charset="0"/>
+              </a:rPr>
+              <a:t>&gt;</a:t>
+            </a:r>
+          </a:p>
+          <a:p>
+            <a:r>
+              <a:rPr lang="en-US" sz="1200" b="1" dirty="0" err="1">
+                <a:latin typeface="Arial" panose="020B0604020202020204" pitchFamily="34" charset="0"/>
+                <a:cs typeface="Arial" panose="020B0604020202020204" pitchFamily="34" charset="0"/>
+              </a:rPr>
+              <a:t>m_names</a:t>
+            </a:r>
+            <a:r>
+              <a:rPr lang="en-US" sz="1200" b="1" dirty="0">
+                <a:latin typeface="Arial" panose="020B0604020202020204" pitchFamily="34" charset="0"/>
+                <a:cs typeface="Arial" panose="020B0604020202020204" pitchFamily="34" charset="0"/>
+              </a:rPr>
+              <a:t>           &lt;</a:t>
+            </a:r>
+            <a:r>
+              <a:rPr lang="en-US" sz="1200" b="1" dirty="0" err="1">
+                <a:latin typeface="Arial" panose="020B0604020202020204" pitchFamily="34" charset="0"/>
+                <a:cs typeface="Arial" panose="020B0604020202020204" pitchFamily="34" charset="0"/>
+              </a:rPr>
+              <a:t>JazzGuestNames</a:t>
+            </a:r>
+            <a:r>
+              <a:rPr lang="en-US" sz="1200" b="1" dirty="0">
+                <a:latin typeface="Arial" panose="020B0604020202020204" pitchFamily="34" charset="0"/>
+                <a:cs typeface="Arial" panose="020B0604020202020204" pitchFamily="34" charset="0"/>
+              </a:rPr>
+              <a:t>&gt;</a:t>
+            </a:r>
+          </a:p>
+          <a:p>
+            <a:r>
+              <a:rPr lang="en-US" sz="1200" b="1" dirty="0" err="1">
+                <a:latin typeface="Arial" panose="020B0604020202020204" pitchFamily="34" charset="0"/>
+                <a:cs typeface="Arial" panose="020B0604020202020204" pitchFamily="34" charset="0"/>
+              </a:rPr>
+              <a:t>m_file_name</a:t>
+            </a:r>
+            <a:r>
+              <a:rPr lang="en-US" sz="1200" b="1" dirty="0">
+                <a:latin typeface="Arial" panose="020B0604020202020204" pitchFamily="34" charset="0"/>
+                <a:cs typeface="Arial" panose="020B0604020202020204" pitchFamily="34" charset="0"/>
+              </a:rPr>
+              <a:t>     &lt;</a:t>
+            </a:r>
+            <a:r>
+              <a:rPr lang="en-US" sz="1200" b="1" dirty="0" err="1">
+                <a:latin typeface="Arial" panose="020B0604020202020204" pitchFamily="34" charset="0"/>
+                <a:cs typeface="Arial" panose="020B0604020202020204" pitchFamily="34" charset="0"/>
+              </a:rPr>
+              <a:t>JazzGuestFileName</a:t>
+            </a:r>
+            <a:r>
+              <a:rPr lang="en-US" sz="1200" b="1" dirty="0">
+                <a:latin typeface="Arial" panose="020B0604020202020204" pitchFamily="34" charset="0"/>
+                <a:cs typeface="Arial" panose="020B0604020202020204" pitchFamily="34" charset="0"/>
+              </a:rPr>
+              <a:t>&gt;</a:t>
+            </a:r>
+          </a:p>
+          <a:p>
+            <a:r>
+              <a:rPr lang="en-US" sz="1200" b="1" dirty="0">
+                <a:latin typeface="Arial" panose="020B0604020202020204" pitchFamily="34" charset="0"/>
+                <a:cs typeface="Arial" panose="020B0604020202020204" pitchFamily="34" charset="0"/>
+              </a:rPr>
+              <a:t>…</a:t>
+            </a:r>
+          </a:p>
+          <a:p>
+            <a:r>
+              <a:rPr lang="en-US" sz="1200" b="1" dirty="0">
+                <a:latin typeface="Arial" panose="020B0604020202020204" pitchFamily="34" charset="0"/>
+                <a:cs typeface="Arial" panose="020B0604020202020204" pitchFamily="34" charset="0"/>
+              </a:rPr>
+              <a:t>…</a:t>
+            </a:r>
+          </a:p>
+          <a:p>
+            <a:r>
+              <a:rPr lang="en-US" sz="1200" b="1" dirty="0" err="1">
+                <a:latin typeface="Arial" panose="020B0604020202020204" pitchFamily="34" charset="0"/>
+                <a:cs typeface="Arial" panose="020B0604020202020204" pitchFamily="34" charset="0"/>
+              </a:rPr>
+              <a:t>m_reg_number</a:t>
+            </a:r>
+            <a:r>
+              <a:rPr lang="en-US" sz="1200" b="1" dirty="0">
+                <a:latin typeface="Arial" panose="020B0604020202020204" pitchFamily="34" charset="0"/>
+                <a:cs typeface="Arial" panose="020B0604020202020204" pitchFamily="34" charset="0"/>
+              </a:rPr>
+              <a:t> &lt;</a:t>
+            </a:r>
+            <a:r>
+              <a:rPr lang="en-US" sz="1200" b="1" dirty="0" err="1">
+                <a:latin typeface="Arial" panose="020B0604020202020204" pitchFamily="34" charset="0"/>
+                <a:cs typeface="Arial" panose="020B0604020202020204" pitchFamily="34" charset="0"/>
+              </a:rPr>
+              <a:t>JazzGuestRegNumber</a:t>
+            </a:r>
+            <a:r>
+              <a:rPr lang="en-US" sz="1200" b="1" dirty="0">
+                <a:latin typeface="Arial" panose="020B0604020202020204" pitchFamily="34" charset="0"/>
+                <a:cs typeface="Arial" panose="020B0604020202020204" pitchFamily="34" charset="0"/>
+              </a:rPr>
+              <a:t>&gt;</a:t>
+            </a:r>
+          </a:p>
+        </p:txBody>
+      </p:sp>
+      <p:sp>
+        <p:nvSpPr>
+          <p:cNvPr id="25" name="Textfeld 24">
+            <a:extLst>
+              <a:ext uri="{FF2B5EF4-FFF2-40B4-BE49-F238E27FC236}">
+                <a16:creationId xmlns:a16="http://schemas.microsoft.com/office/drawing/2014/main" id="{2B52F3DA-47A0-0736-6A5E-B9B2D8CD5513}"/>
+              </a:ext>
+            </a:extLst>
+          </p:cNvPr>
+          <p:cNvSpPr txBox="1"/>
+          <p:nvPr/>
+        </p:nvSpPr>
+        <p:spPr>
+          <a:xfrm>
+            <a:off x="3538507" y="4966756"/>
+            <a:ext cx="4389767" cy="1231106"/>
+          </a:xfrm>
+          <a:prstGeom prst="rect">
+            <a:avLst/>
+          </a:prstGeom>
+          <a:noFill/>
+        </p:spPr>
+        <p:txBody>
+          <a:bodyPr wrap="square" rtlCol="0">
+            <a:spAutoFit/>
+          </a:bodyPr>
+          <a:lstStyle/>
+          <a:p>
+            <a:r>
+              <a:rPr lang="en-US" sz="1400" b="1" dirty="0">
+                <a:latin typeface="Arial" panose="020B0604020202020204" pitchFamily="34" charset="0"/>
+                <a:cs typeface="Arial" panose="020B0604020202020204" pitchFamily="34" charset="0"/>
+              </a:rPr>
+              <a:t>Utility functions</a:t>
+            </a:r>
+          </a:p>
+          <a:p>
+            <a:r>
+              <a:rPr lang="en-US" sz="1200" b="1" dirty="0" err="1">
+                <a:latin typeface="Arial" panose="020B0604020202020204" pitchFamily="34" charset="0"/>
+                <a:cs typeface="Arial" panose="020B0604020202020204" pitchFamily="34" charset="0"/>
+              </a:rPr>
+              <a:t>setJazzGuestRecord</a:t>
+            </a:r>
+            <a:r>
+              <a:rPr lang="en-US" sz="1200" b="1" dirty="0">
+                <a:latin typeface="Arial" panose="020B0604020202020204" pitchFamily="34" charset="0"/>
+                <a:cs typeface="Arial" panose="020B0604020202020204" pitchFamily="34" charset="0"/>
+              </a:rPr>
+              <a:t>(</a:t>
+            </a:r>
+            <a:r>
+              <a:rPr lang="en-US" sz="1200" b="1" dirty="0" err="1">
+                <a:latin typeface="Arial" panose="020B0604020202020204" pitchFamily="34" charset="0"/>
+                <a:cs typeface="Arial" panose="020B0604020202020204" pitchFamily="34" charset="0"/>
+              </a:rPr>
+              <a:t>i_guest_xml</a:t>
+            </a:r>
+            <a:r>
+              <a:rPr lang="en-US" sz="1200" b="1" dirty="0">
+                <a:latin typeface="Arial" panose="020B0604020202020204" pitchFamily="34" charset="0"/>
+                <a:cs typeface="Arial" panose="020B0604020202020204" pitchFamily="34" charset="0"/>
+              </a:rPr>
+              <a:t>, </a:t>
+            </a:r>
+            <a:r>
+              <a:rPr lang="en-US" sz="1200" b="1" dirty="0" err="1">
+                <a:latin typeface="Arial" panose="020B0604020202020204" pitchFamily="34" charset="0"/>
+                <a:cs typeface="Arial" panose="020B0604020202020204" pitchFamily="34" charset="0"/>
+              </a:rPr>
+              <a:t>i_record_number</a:t>
+            </a:r>
+            <a:r>
+              <a:rPr lang="en-US" sz="1200" b="1" dirty="0">
+                <a:latin typeface="Arial" panose="020B0604020202020204" pitchFamily="34" charset="0"/>
+                <a:cs typeface="Arial" panose="020B0604020202020204" pitchFamily="34" charset="0"/>
+              </a:rPr>
+              <a:t>)</a:t>
+            </a:r>
+          </a:p>
+          <a:p>
+            <a:r>
+              <a:rPr lang="en-US" sz="1200" b="1" dirty="0" err="1">
+                <a:latin typeface="Arial" panose="020B0604020202020204" pitchFamily="34" charset="0"/>
+                <a:cs typeface="Arial" panose="020B0604020202020204" pitchFamily="34" charset="0"/>
+              </a:rPr>
+              <a:t>setXmlJazzGuestRecord</a:t>
+            </a:r>
+            <a:r>
+              <a:rPr lang="en-US" sz="1200" b="1" dirty="0">
+                <a:latin typeface="Arial" panose="020B0604020202020204" pitchFamily="34" charset="0"/>
+                <a:cs typeface="Arial" panose="020B0604020202020204" pitchFamily="34" charset="0"/>
+              </a:rPr>
+              <a:t>(</a:t>
+            </a:r>
+            <a:r>
+              <a:rPr lang="en-US" sz="1200" b="1" dirty="0" err="1">
+                <a:latin typeface="Arial" panose="020B0604020202020204" pitchFamily="34" charset="0"/>
+                <a:cs typeface="Arial" panose="020B0604020202020204" pitchFamily="34" charset="0"/>
+              </a:rPr>
+              <a:t>i_guest_xml</a:t>
+            </a:r>
+            <a:r>
+              <a:rPr lang="en-US" sz="1200" b="1" dirty="0">
+                <a:latin typeface="Arial" panose="020B0604020202020204" pitchFamily="34" charset="0"/>
+                <a:cs typeface="Arial" panose="020B0604020202020204" pitchFamily="34" charset="0"/>
+              </a:rPr>
+              <a:t>, </a:t>
+            </a:r>
+            <a:r>
+              <a:rPr lang="en-US" sz="1200" b="1" dirty="0" err="1">
+                <a:latin typeface="Arial" panose="020B0604020202020204" pitchFamily="34" charset="0"/>
+                <a:cs typeface="Arial" panose="020B0604020202020204" pitchFamily="34" charset="0"/>
+              </a:rPr>
+              <a:t>i_record_number</a:t>
+            </a:r>
+            <a:r>
+              <a:rPr lang="en-US" sz="1200" b="1" dirty="0">
+                <a:latin typeface="Arial" panose="020B0604020202020204" pitchFamily="34" charset="0"/>
+                <a:cs typeface="Arial" panose="020B0604020202020204" pitchFamily="34" charset="0"/>
+              </a:rPr>
+              <a:t>)</a:t>
+            </a:r>
+          </a:p>
+          <a:p>
+            <a:r>
+              <a:rPr lang="en-US" sz="1200" b="1" dirty="0" err="1">
+                <a:latin typeface="Arial" panose="020B0604020202020204" pitchFamily="34" charset="0"/>
+                <a:cs typeface="Arial" panose="020B0604020202020204" pitchFamily="34" charset="0"/>
+              </a:rPr>
+              <a:t>appendXmlJazzGuestRecord</a:t>
+            </a:r>
+            <a:r>
+              <a:rPr lang="en-US" sz="1200" b="1" dirty="0">
+                <a:latin typeface="Arial" panose="020B0604020202020204" pitchFamily="34" charset="0"/>
+                <a:cs typeface="Arial" panose="020B0604020202020204" pitchFamily="34" charset="0"/>
+              </a:rPr>
+              <a:t>(</a:t>
+            </a:r>
+            <a:r>
+              <a:rPr lang="en-US" sz="1200" b="1" dirty="0" err="1">
+                <a:latin typeface="Arial" panose="020B0604020202020204" pitchFamily="34" charset="0"/>
+                <a:cs typeface="Arial" panose="020B0604020202020204" pitchFamily="34" charset="0"/>
+              </a:rPr>
+              <a:t>i_guest_xml</a:t>
+            </a:r>
+            <a:r>
+              <a:rPr lang="en-US" sz="1200" b="1" dirty="0">
+                <a:latin typeface="Arial" panose="020B0604020202020204" pitchFamily="34" charset="0"/>
+                <a:cs typeface="Arial" panose="020B0604020202020204" pitchFamily="34" charset="0"/>
+              </a:rPr>
+              <a:t>)</a:t>
+            </a:r>
+          </a:p>
+          <a:p>
+            <a:r>
+              <a:rPr lang="en-US" sz="1200" b="1" dirty="0" err="1">
+                <a:latin typeface="Arial" panose="020B0604020202020204" pitchFamily="34" charset="0"/>
+                <a:cs typeface="Arial" panose="020B0604020202020204" pitchFamily="34" charset="0"/>
+              </a:rPr>
+              <a:t>recordsAreEqual</a:t>
+            </a:r>
+            <a:r>
+              <a:rPr lang="en-US" sz="1200" b="1" dirty="0">
+                <a:latin typeface="Arial" panose="020B0604020202020204" pitchFamily="34" charset="0"/>
+                <a:cs typeface="Arial" panose="020B0604020202020204" pitchFamily="34" charset="0"/>
+              </a:rPr>
+              <a:t>(</a:t>
+            </a:r>
+            <a:r>
+              <a:rPr lang="en-US" sz="1200" b="1" dirty="0" err="1">
+                <a:latin typeface="Arial" panose="020B0604020202020204" pitchFamily="34" charset="0"/>
+                <a:cs typeface="Arial" panose="020B0604020202020204" pitchFamily="34" charset="0"/>
+              </a:rPr>
+              <a:t>i_rec_one</a:t>
+            </a:r>
+            <a:r>
+              <a:rPr lang="en-US" sz="1200" b="1" dirty="0">
+                <a:latin typeface="Arial" panose="020B0604020202020204" pitchFamily="34" charset="0"/>
+                <a:cs typeface="Arial" panose="020B0604020202020204" pitchFamily="34" charset="0"/>
+              </a:rPr>
+              <a:t>, </a:t>
+            </a:r>
+            <a:r>
+              <a:rPr lang="en-US" sz="1200" b="1" dirty="0" err="1">
+                <a:latin typeface="Arial" panose="020B0604020202020204" pitchFamily="34" charset="0"/>
+                <a:cs typeface="Arial" panose="020B0604020202020204" pitchFamily="34" charset="0"/>
+              </a:rPr>
+              <a:t>i_rec_two</a:t>
+            </a:r>
+            <a:r>
+              <a:rPr lang="en-US" sz="1200" b="1" dirty="0">
+                <a:latin typeface="Arial" panose="020B0604020202020204" pitchFamily="34" charset="0"/>
+                <a:cs typeface="Arial" panose="020B0604020202020204" pitchFamily="34" charset="0"/>
+              </a:rPr>
+              <a:t>)</a:t>
+            </a:r>
+          </a:p>
+          <a:p>
+            <a:endParaRPr lang="en-US" sz="1200" b="1" dirty="0">
+              <a:latin typeface="Arial" panose="020B0604020202020204" pitchFamily="34" charset="0"/>
+              <a:cs typeface="Arial" panose="020B0604020202020204" pitchFamily="34" charset="0"/>
+            </a:endParaRPr>
+          </a:p>
+        </p:txBody>
+      </p:sp>
+      <p:sp>
+        <p:nvSpPr>
+          <p:cNvPr id="27" name="Textfeld 26">
+            <a:extLst>
+              <a:ext uri="{FF2B5EF4-FFF2-40B4-BE49-F238E27FC236}">
+                <a16:creationId xmlns:a16="http://schemas.microsoft.com/office/drawing/2014/main" id="{7AC96648-7AE6-97C4-954D-9D88C54F156D}"/>
+              </a:ext>
+            </a:extLst>
+          </p:cNvPr>
+          <p:cNvSpPr txBox="1"/>
+          <p:nvPr/>
+        </p:nvSpPr>
+        <p:spPr>
+          <a:xfrm>
+            <a:off x="3538508" y="3040546"/>
+            <a:ext cx="4389767" cy="1600438"/>
+          </a:xfrm>
+          <a:prstGeom prst="rect">
+            <a:avLst/>
+          </a:prstGeom>
+          <a:noFill/>
+        </p:spPr>
+        <p:txBody>
+          <a:bodyPr wrap="square" rtlCol="0">
+            <a:spAutoFit/>
+          </a:bodyPr>
+          <a:lstStyle/>
+          <a:p>
+            <a:r>
+              <a:rPr lang="en-US" sz="1400" b="1" dirty="0">
+                <a:latin typeface="Arial" panose="020B0604020202020204" pitchFamily="34" charset="0"/>
+                <a:cs typeface="Arial" panose="020B0604020202020204" pitchFamily="34" charset="0"/>
+              </a:rPr>
+              <a:t>Set and get functions</a:t>
+            </a:r>
+          </a:p>
+          <a:p>
+            <a:r>
+              <a:rPr lang="en-US" sz="1200" b="1" dirty="0" err="1">
+                <a:latin typeface="Arial" panose="020B0604020202020204" pitchFamily="34" charset="0"/>
+                <a:cs typeface="Arial" panose="020B0604020202020204" pitchFamily="34" charset="0"/>
+              </a:rPr>
+              <a:t>setHeader</a:t>
+            </a:r>
+            <a:r>
+              <a:rPr lang="en-US" sz="1200" b="1" dirty="0">
+                <a:latin typeface="Arial" panose="020B0604020202020204" pitchFamily="34" charset="0"/>
+                <a:cs typeface="Arial" panose="020B0604020202020204" pitchFamily="34" charset="0"/>
+              </a:rPr>
+              <a:t> </a:t>
+            </a:r>
+            <a:r>
+              <a:rPr lang="en-US" sz="1200" b="1" dirty="0" err="1">
+                <a:latin typeface="Arial" panose="020B0604020202020204" pitchFamily="34" charset="0"/>
+                <a:cs typeface="Arial" panose="020B0604020202020204" pitchFamily="34" charset="0"/>
+              </a:rPr>
+              <a:t>getHeader</a:t>
+            </a:r>
+            <a:r>
+              <a:rPr lang="en-US" sz="1200" b="1" dirty="0">
+                <a:latin typeface="Arial" panose="020B0604020202020204" pitchFamily="34" charset="0"/>
+                <a:cs typeface="Arial" panose="020B0604020202020204" pitchFamily="34" charset="0"/>
+              </a:rPr>
+              <a:t> </a:t>
+            </a:r>
+            <a:r>
+              <a:rPr lang="en-US" sz="1200" b="1" dirty="0" err="1">
+                <a:latin typeface="Arial" panose="020B0604020202020204" pitchFamily="34" charset="0"/>
+                <a:cs typeface="Arial" panose="020B0604020202020204" pitchFamily="34" charset="0"/>
+              </a:rPr>
+              <a:t>m_header</a:t>
+            </a:r>
+            <a:endParaRPr lang="en-US" sz="1200" b="1" dirty="0">
+              <a:latin typeface="Arial" panose="020B0604020202020204" pitchFamily="34" charset="0"/>
+              <a:cs typeface="Arial" panose="020B0604020202020204" pitchFamily="34" charset="0"/>
+            </a:endParaRPr>
+          </a:p>
+          <a:p>
+            <a:r>
+              <a:rPr lang="en-US" sz="1200" b="1" dirty="0" err="1">
+                <a:latin typeface="Arial" panose="020B0604020202020204" pitchFamily="34" charset="0"/>
+                <a:cs typeface="Arial" panose="020B0604020202020204" pitchFamily="34" charset="0"/>
+              </a:rPr>
+              <a:t>setText</a:t>
+            </a:r>
+            <a:r>
+              <a:rPr lang="en-US" sz="1200" b="1" dirty="0">
+                <a:latin typeface="Arial" panose="020B0604020202020204" pitchFamily="34" charset="0"/>
+                <a:cs typeface="Arial" panose="020B0604020202020204" pitchFamily="34" charset="0"/>
+              </a:rPr>
+              <a:t>             </a:t>
+            </a:r>
+            <a:r>
+              <a:rPr lang="en-US" sz="1200" b="1" dirty="0" err="1">
+                <a:latin typeface="Arial" panose="020B0604020202020204" pitchFamily="34" charset="0"/>
+                <a:cs typeface="Arial" panose="020B0604020202020204" pitchFamily="34" charset="0"/>
+              </a:rPr>
+              <a:t>getText</a:t>
+            </a:r>
+            <a:r>
+              <a:rPr lang="en-US" sz="1200" b="1" dirty="0">
+                <a:latin typeface="Arial" panose="020B0604020202020204" pitchFamily="34" charset="0"/>
+                <a:cs typeface="Arial" panose="020B0604020202020204" pitchFamily="34" charset="0"/>
+              </a:rPr>
+              <a:t>               </a:t>
+            </a:r>
+            <a:r>
+              <a:rPr lang="en-US" sz="1200" b="1" dirty="0" err="1">
+                <a:latin typeface="Arial" panose="020B0604020202020204" pitchFamily="34" charset="0"/>
+                <a:cs typeface="Arial" panose="020B0604020202020204" pitchFamily="34" charset="0"/>
+              </a:rPr>
+              <a:t>m_text</a:t>
+            </a:r>
+            <a:r>
+              <a:rPr lang="en-US" sz="1200" b="1" dirty="0">
+                <a:latin typeface="Arial" panose="020B0604020202020204" pitchFamily="34" charset="0"/>
+                <a:cs typeface="Arial" panose="020B0604020202020204" pitchFamily="34" charset="0"/>
+              </a:rPr>
+              <a:t> </a:t>
+            </a:r>
+          </a:p>
+          <a:p>
+            <a:r>
+              <a:rPr lang="en-US" sz="1200" b="1" dirty="0" err="1">
+                <a:latin typeface="Arial" panose="020B0604020202020204" pitchFamily="34" charset="0"/>
+                <a:cs typeface="Arial" panose="020B0604020202020204" pitchFamily="34" charset="0"/>
+              </a:rPr>
+              <a:t>setNames</a:t>
+            </a:r>
+            <a:r>
+              <a:rPr lang="en-US" sz="1200" b="1" dirty="0">
+                <a:latin typeface="Arial" panose="020B0604020202020204" pitchFamily="34" charset="0"/>
+                <a:cs typeface="Arial" panose="020B0604020202020204" pitchFamily="34" charset="0"/>
+              </a:rPr>
+              <a:t>         </a:t>
+            </a:r>
+            <a:r>
+              <a:rPr lang="en-US" sz="1200" b="1" dirty="0" err="1">
+                <a:latin typeface="Arial" panose="020B0604020202020204" pitchFamily="34" charset="0"/>
+                <a:cs typeface="Arial" panose="020B0604020202020204" pitchFamily="34" charset="0"/>
+              </a:rPr>
+              <a:t>getNames</a:t>
+            </a:r>
+            <a:r>
+              <a:rPr lang="en-US" sz="1200" b="1" dirty="0">
+                <a:latin typeface="Arial" panose="020B0604020202020204" pitchFamily="34" charset="0"/>
+                <a:cs typeface="Arial" panose="020B0604020202020204" pitchFamily="34" charset="0"/>
+              </a:rPr>
+              <a:t>          </a:t>
+            </a:r>
+            <a:r>
+              <a:rPr lang="en-US" sz="1200" b="1" dirty="0" err="1">
+                <a:latin typeface="Arial" panose="020B0604020202020204" pitchFamily="34" charset="0"/>
+                <a:cs typeface="Arial" panose="020B0604020202020204" pitchFamily="34" charset="0"/>
+              </a:rPr>
+              <a:t>m_names</a:t>
+            </a:r>
+            <a:endParaRPr lang="en-US" sz="1200" b="1" dirty="0">
+              <a:latin typeface="Arial" panose="020B0604020202020204" pitchFamily="34" charset="0"/>
+              <a:cs typeface="Arial" panose="020B0604020202020204" pitchFamily="34" charset="0"/>
+            </a:endParaRPr>
+          </a:p>
+          <a:p>
+            <a:r>
+              <a:rPr lang="en-US" sz="1200" b="1" dirty="0" err="1">
+                <a:latin typeface="Arial" panose="020B0604020202020204" pitchFamily="34" charset="0"/>
+                <a:cs typeface="Arial" panose="020B0604020202020204" pitchFamily="34" charset="0"/>
+              </a:rPr>
+              <a:t>setFileName</a:t>
+            </a:r>
+            <a:r>
+              <a:rPr lang="en-US" sz="1200" b="1" dirty="0">
+                <a:latin typeface="Arial" panose="020B0604020202020204" pitchFamily="34" charset="0"/>
+                <a:cs typeface="Arial" panose="020B0604020202020204" pitchFamily="34" charset="0"/>
+              </a:rPr>
+              <a:t>     </a:t>
+            </a:r>
+            <a:r>
+              <a:rPr lang="en-US" sz="1200" b="1" dirty="0" err="1">
+                <a:latin typeface="Arial" panose="020B0604020202020204" pitchFamily="34" charset="0"/>
+                <a:cs typeface="Arial" panose="020B0604020202020204" pitchFamily="34" charset="0"/>
+              </a:rPr>
+              <a:t>getFileName</a:t>
+            </a:r>
+            <a:r>
+              <a:rPr lang="en-US" sz="1200" b="1" dirty="0">
+                <a:latin typeface="Arial" panose="020B0604020202020204" pitchFamily="34" charset="0"/>
+                <a:cs typeface="Arial" panose="020B0604020202020204" pitchFamily="34" charset="0"/>
+              </a:rPr>
+              <a:t>      </a:t>
+            </a:r>
+            <a:r>
+              <a:rPr lang="en-US" sz="1200" b="1" dirty="0" err="1">
+                <a:latin typeface="Arial" panose="020B0604020202020204" pitchFamily="34" charset="0"/>
+                <a:cs typeface="Arial" panose="020B0604020202020204" pitchFamily="34" charset="0"/>
+              </a:rPr>
+              <a:t>m_file_name</a:t>
+            </a:r>
+            <a:endParaRPr lang="en-US" sz="1200" b="1" dirty="0">
+              <a:latin typeface="Arial" panose="020B0604020202020204" pitchFamily="34" charset="0"/>
+              <a:cs typeface="Arial" panose="020B0604020202020204" pitchFamily="34" charset="0"/>
+            </a:endParaRPr>
+          </a:p>
+          <a:p>
+            <a:r>
+              <a:rPr lang="en-US" sz="1200" b="1" dirty="0">
+                <a:latin typeface="Arial" panose="020B0604020202020204" pitchFamily="34" charset="0"/>
+                <a:cs typeface="Arial" panose="020B0604020202020204" pitchFamily="34" charset="0"/>
+              </a:rPr>
+              <a:t>…</a:t>
+            </a:r>
+          </a:p>
+          <a:p>
+            <a:r>
+              <a:rPr lang="en-US" sz="1200" b="1" dirty="0">
+                <a:latin typeface="Arial" panose="020B0604020202020204" pitchFamily="34" charset="0"/>
+                <a:cs typeface="Arial" panose="020B0604020202020204" pitchFamily="34" charset="0"/>
+              </a:rPr>
+              <a:t>…</a:t>
+            </a:r>
+          </a:p>
+          <a:p>
+            <a:r>
+              <a:rPr lang="en-US" sz="1200" b="1" dirty="0" err="1">
+                <a:latin typeface="Arial" panose="020B0604020202020204" pitchFamily="34" charset="0"/>
+                <a:cs typeface="Arial" panose="020B0604020202020204" pitchFamily="34" charset="0"/>
+              </a:rPr>
+              <a:t>setRegNumber</a:t>
+            </a:r>
+            <a:r>
+              <a:rPr lang="en-US" sz="1200" b="1" dirty="0">
+                <a:latin typeface="Arial" panose="020B0604020202020204" pitchFamily="34" charset="0"/>
+                <a:cs typeface="Arial" panose="020B0604020202020204" pitchFamily="34" charset="0"/>
+              </a:rPr>
+              <a:t> </a:t>
+            </a:r>
+            <a:r>
+              <a:rPr lang="en-US" sz="1200" b="1" dirty="0" err="1">
+                <a:latin typeface="Arial" panose="020B0604020202020204" pitchFamily="34" charset="0"/>
+                <a:cs typeface="Arial" panose="020B0604020202020204" pitchFamily="34" charset="0"/>
+              </a:rPr>
+              <a:t>getRegNumber</a:t>
+            </a:r>
+            <a:r>
+              <a:rPr lang="en-US" sz="1200" b="1" dirty="0">
+                <a:latin typeface="Arial" panose="020B0604020202020204" pitchFamily="34" charset="0"/>
+                <a:cs typeface="Arial" panose="020B0604020202020204" pitchFamily="34" charset="0"/>
+              </a:rPr>
+              <a:t> </a:t>
+            </a:r>
+            <a:r>
+              <a:rPr lang="en-US" sz="1200" b="1" dirty="0" err="1">
+                <a:latin typeface="Arial" panose="020B0604020202020204" pitchFamily="34" charset="0"/>
+                <a:cs typeface="Arial" panose="020B0604020202020204" pitchFamily="34" charset="0"/>
+              </a:rPr>
+              <a:t>m_reg_number</a:t>
+            </a:r>
+            <a:endParaRPr lang="en-US" sz="1200" b="1" dirty="0">
+              <a:latin typeface="Arial" panose="020B0604020202020204" pitchFamily="34" charset="0"/>
+              <a:cs typeface="Arial" panose="020B0604020202020204" pitchFamily="34" charset="0"/>
+            </a:endParaRPr>
+          </a:p>
+        </p:txBody>
+      </p:sp>
+      <p:sp>
+        <p:nvSpPr>
+          <p:cNvPr id="28" name="Textfeld 27">
+            <a:extLst>
+              <a:ext uri="{FF2B5EF4-FFF2-40B4-BE49-F238E27FC236}">
+                <a16:creationId xmlns:a16="http://schemas.microsoft.com/office/drawing/2014/main" id="{1EA54102-87FC-BC1F-BC29-9B0EC3374B6F}"/>
+              </a:ext>
+            </a:extLst>
+          </p:cNvPr>
+          <p:cNvSpPr txBox="1"/>
+          <p:nvPr/>
+        </p:nvSpPr>
+        <p:spPr>
+          <a:xfrm>
+            <a:off x="69574" y="167071"/>
+            <a:ext cx="11996530" cy="369332"/>
+          </a:xfrm>
+          <a:prstGeom prst="rect">
+            <a:avLst/>
+          </a:prstGeom>
+          <a:noFill/>
+        </p:spPr>
+        <p:txBody>
+          <a:bodyPr wrap="square" rtlCol="0">
+            <a:spAutoFit/>
+          </a:bodyPr>
+          <a:lstStyle/>
+          <a:p>
+            <a:pPr algn="ctr"/>
+            <a:r>
+              <a:rPr lang="fr-FR" b="1" dirty="0">
+                <a:solidFill>
+                  <a:srgbClr val="FF0000"/>
+                </a:solidFill>
+                <a:latin typeface="Arial" panose="020B0604020202020204" pitchFamily="34" charset="0"/>
+                <a:cs typeface="Arial" panose="020B0604020202020204" pitchFamily="34" charset="0"/>
+              </a:rPr>
+              <a:t>Class </a:t>
+            </a:r>
+            <a:r>
+              <a:rPr lang="fr-FR" b="1" dirty="0" err="1">
+                <a:solidFill>
+                  <a:srgbClr val="FF0000"/>
+                </a:solidFill>
+                <a:latin typeface="Arial" panose="020B0604020202020204" pitchFamily="34" charset="0"/>
+                <a:cs typeface="Arial" panose="020B0604020202020204" pitchFamily="34" charset="0"/>
+              </a:rPr>
+              <a:t>JazzGuest</a:t>
+            </a:r>
+            <a:endParaRPr lang="fr-FR" b="1" dirty="0">
+              <a:solidFill>
+                <a:srgbClr val="FF0000"/>
+              </a:solidFill>
+              <a:latin typeface="Arial" panose="020B0604020202020204" pitchFamily="34" charset="0"/>
+              <a:cs typeface="Arial" panose="020B0604020202020204" pitchFamily="34" charset="0"/>
+            </a:endParaRPr>
+          </a:p>
+        </p:txBody>
+      </p:sp>
+    </p:spTree>
+    <p:extLst>
+      <p:ext uri="{BB962C8B-B14F-4D97-AF65-F5344CB8AC3E}">
+        <p14:creationId xmlns:p14="http://schemas.microsoft.com/office/powerpoint/2010/main" val="2879838792"/>
+      </p:ext>
+    </p:extLst>
+  </p:cSld>
+  <p:clrMapOvr>
+    <a:masterClrMapping/>
+  </p:clrMapOvr>
+</p:sld>
+</file>
+
+<file path=ppt/slides/slide8.xml><?xml version="1.0" encoding="utf-8"?>
+<p:sld xmlns:a="http://schemas.openxmlformats.org/drawingml/2006/main" xmlns:r="http://schemas.openxmlformats.org/officeDocument/2006/relationships" xmlns:p="http://schemas.openxmlformats.org/presentationml/2006/main">
+  <p:cSld>
+    <p:spTree>
+      <p:nvGrpSpPr>
+        <p:cNvPr id="1" name=""/>
+        <p:cNvGrpSpPr/>
+        <p:nvPr/>
+      </p:nvGrpSpPr>
+      <p:grpSpPr>
+        <a:xfrm>
+          <a:off x="0" y="0"/>
+          <a:ext cx="0" cy="0"/>
+          <a:chOff x="0" y="0"/>
+          <a:chExt cx="0" cy="0"/>
+        </a:xfrm>
+      </p:grpSpPr>
+      <p:sp>
+        <p:nvSpPr>
           <p:cNvPr id="5" name="Textfeld 4">
             <a:extLst>
               <a:ext uri="{FF2B5EF4-FFF2-40B4-BE49-F238E27FC236}">
@@ -9383,7 +10387,7 @@
 </p:sld>
 </file>
 
-<file path=ppt/slides/slide8.xml><?xml version="1.0" encoding="utf-8"?>
+<file path=ppt/slides/slide9.xml><?xml version="1.0" encoding="utf-8"?>
 <p:sld xmlns:a="http://schemas.openxmlformats.org/drawingml/2006/main" xmlns:r="http://schemas.openxmlformats.org/officeDocument/2006/relationships" xmlns:p="http://schemas.openxmlformats.org/presentationml/2006/main">
   <p:cSld>
     <p:spTree>
